--- a/readme.pptx
+++ b/readme.pptx
@@ -5,7 +5,7 @@
     <p:sldMasterId id="2147483648" r:id="rId1"/>
   </p:sldMasterIdLst>
   <p:notesMasterIdLst>
-    <p:notesMasterId r:id="rId59"/>
+    <p:notesMasterId r:id="rId60"/>
   </p:notesMasterIdLst>
   <p:sldIdLst>
     <p:sldId id="256" r:id="rId2"/>
@@ -41,30 +41,31 @@
     <p:sldId id="293" r:id="rId32"/>
     <p:sldId id="286" r:id="rId33"/>
     <p:sldId id="317" r:id="rId34"/>
-    <p:sldId id="287" r:id="rId35"/>
-    <p:sldId id="294" r:id="rId36"/>
-    <p:sldId id="313" r:id="rId37"/>
-    <p:sldId id="295" r:id="rId38"/>
-    <p:sldId id="296" r:id="rId39"/>
-    <p:sldId id="297" r:id="rId40"/>
-    <p:sldId id="298" r:id="rId41"/>
-    <p:sldId id="299" r:id="rId42"/>
-    <p:sldId id="300" r:id="rId43"/>
-    <p:sldId id="312" r:id="rId44"/>
-    <p:sldId id="301" r:id="rId45"/>
-    <p:sldId id="302" r:id="rId46"/>
-    <p:sldId id="303" r:id="rId47"/>
-    <p:sldId id="304" r:id="rId48"/>
-    <p:sldId id="305" r:id="rId49"/>
-    <p:sldId id="307" r:id="rId50"/>
-    <p:sldId id="306" r:id="rId51"/>
-    <p:sldId id="311" r:id="rId52"/>
-    <p:sldId id="308" r:id="rId53"/>
-    <p:sldId id="309" r:id="rId54"/>
-    <p:sldId id="310" r:id="rId55"/>
-    <p:sldId id="314" r:id="rId56"/>
-    <p:sldId id="316" r:id="rId57"/>
-    <p:sldId id="315" r:id="rId58"/>
+    <p:sldId id="318" r:id="rId35"/>
+    <p:sldId id="287" r:id="rId36"/>
+    <p:sldId id="294" r:id="rId37"/>
+    <p:sldId id="313" r:id="rId38"/>
+    <p:sldId id="295" r:id="rId39"/>
+    <p:sldId id="296" r:id="rId40"/>
+    <p:sldId id="297" r:id="rId41"/>
+    <p:sldId id="298" r:id="rId42"/>
+    <p:sldId id="299" r:id="rId43"/>
+    <p:sldId id="300" r:id="rId44"/>
+    <p:sldId id="312" r:id="rId45"/>
+    <p:sldId id="301" r:id="rId46"/>
+    <p:sldId id="302" r:id="rId47"/>
+    <p:sldId id="303" r:id="rId48"/>
+    <p:sldId id="304" r:id="rId49"/>
+    <p:sldId id="305" r:id="rId50"/>
+    <p:sldId id="307" r:id="rId51"/>
+    <p:sldId id="306" r:id="rId52"/>
+    <p:sldId id="311" r:id="rId53"/>
+    <p:sldId id="308" r:id="rId54"/>
+    <p:sldId id="309" r:id="rId55"/>
+    <p:sldId id="310" r:id="rId56"/>
+    <p:sldId id="314" r:id="rId57"/>
+    <p:sldId id="316" r:id="rId58"/>
+    <p:sldId id="315" r:id="rId59"/>
   </p:sldIdLst>
   <p:sldSz cx="9144000" cy="6858000" type="screen4x3"/>
   <p:notesSz cx="6858000" cy="9144000"/>
@@ -327,7 +328,7 @@
       </p15:notesGuideLst>
     </p:ext>
     <p:ext uri="GoogleSlidesCustomDataVersion2">
-      <go:slidesCustomData xmlns="" xmlns:mc="http://schemas.openxmlformats.org/markup-compatibility/2006" xmlns:mv="urn:schemas-microsoft-com:mac:vml" xmlns:c="http://schemas.openxmlformats.org/drawingml/2006/chart" xmlns:dgm="http://schemas.openxmlformats.org/drawingml/2006/diagram" xmlns:o="urn:schemas-microsoft-com:office:office" xmlns:v="urn:schemas-microsoft-com:vml" xmlns:pvml="urn:schemas-microsoft-com:office:powerpoint" xmlns:com="http://schemas.openxmlformats.org/drawingml/2006/compatibility" xmlns:p14="http://schemas.microsoft.com/office/powerpoint/2010/main" xmlns:p15="http://schemas.microsoft.com/office/powerpoint/2012/main" xmlns:ahyp="http://schemas.microsoft.com/office/drawing/2018/hyperlinkcolor" xmlns:go="http://customooxmlschemas.google.com/" r:id="rId60" roundtripDataSignature="AMtx7miyFwCYxObNU5cGMatlPI+eABwlWw=="/>
+      <go:slidesCustomData xmlns:go="http://customooxmlschemas.google.com/" xmlns:ahyp="http://schemas.microsoft.com/office/drawing/2018/hyperlinkcolor" xmlns:p15="http://schemas.microsoft.com/office/powerpoint/2012/main" xmlns:p14="http://schemas.microsoft.com/office/powerpoint/2010/main" xmlns:com="http://schemas.openxmlformats.org/drawingml/2006/compatibility" xmlns:pvml="urn:schemas-microsoft-com:office:powerpoint" xmlns:v="urn:schemas-microsoft-com:vml" xmlns:o="urn:schemas-microsoft-com:office:office" xmlns:dgm="http://schemas.openxmlformats.org/drawingml/2006/diagram" xmlns:c="http://schemas.openxmlformats.org/drawingml/2006/chart" xmlns:mv="urn:schemas-microsoft-com:mac:vml" xmlns:mc="http://schemas.openxmlformats.org/markup-compatibility/2006" xmlns="" r:id="rId61" roundtripDataSignature="AMtx7miyFwCYxObNU5cGMatlPI+eABwlWw=="/>
     </p:ext>
   </p:extLst>
 </p:presentation>
@@ -336,8 +337,7 @@
 <file path=ppt/revisionInfo.xml><?xml version="1.0" encoding="utf-8"?>
 <p1510:revInfo xmlns:a="http://schemas.openxmlformats.org/drawingml/2006/main" xmlns:r="http://schemas.openxmlformats.org/officeDocument/2006/relationships" xmlns:p1510="http://schemas.microsoft.com/office/powerpoint/2015/10/main">
   <p1510:revLst>
-    <p1510:client id="{124E96CB-F882-48AB-94D2-9ADF49914716}" v="50" dt="2025-08-26T12:01:45.825"/>
-    <p1510:client id="{FB1DEDAB-72D1-4D24-9EAA-4BD10F3C294E}" v="165" dt="2025-08-26T11:40:55.962"/>
+    <p1510:client id="{E7BC6319-954B-457E-AB44-F1549232BACA}" v="122" dt="2025-08-29T10:34:51.273"/>
   </p1510:revLst>
 </p1510:revInfo>
 </file>
@@ -14236,46 +14236,472 @@
           <a:lstStyle/>
           <a:p>
             <a:r>
-              <a:rPr lang="en-US" b="1" dirty="0" err="1"/>
-              <a:t>Supabase</a:t>
-            </a:r>
-            <a:r>
               <a:rPr lang="en-US" b="1" dirty="0"/>
-              <a:t> Database</a:t>
-            </a:r>
-          </a:p>
-        </p:txBody>
-      </p:sp>
-      <p:pic>
-        <p:nvPicPr>
-          <p:cNvPr id="9" name="Picture 8" descr="A screenshot of a computer&#10;&#10;AI-generated content may be incorrect.">
+              <a:t>System Architecture Diagram</a:t>
+            </a:r>
+          </a:p>
+        </p:txBody>
+      </p:sp>
+      <p:sp>
+        <p:nvSpPr>
+          <p:cNvPr id="3" name="Rectangle: Rounded Corners 2">
             <a:extLst>
               <a:ext uri="{FF2B5EF4-FFF2-40B4-BE49-F238E27FC236}">
-                <a16:creationId xmlns:a16="http://schemas.microsoft.com/office/drawing/2014/main" id="{77422F47-CDD8-53F9-2A0D-F27F01E1AD64}"/>
+                <a16:creationId xmlns:a16="http://schemas.microsoft.com/office/drawing/2014/main" id="{BDF865AC-AE6F-DA3A-55FC-6616AC10B974}"/>
               </a:ext>
             </a:extLst>
           </p:cNvPr>
-          <p:cNvPicPr>
-            <a:picLocks noChangeAspect="1"/>
-          </p:cNvPicPr>
+          <p:cNvSpPr/>
           <p:nvPr/>
-        </p:nvPicPr>
-        <p:blipFill>
-          <a:blip r:embed="rId2"/>
-          <a:stretch>
-            <a:fillRect/>
-          </a:stretch>
-        </p:blipFill>
-        <p:spPr>
-          <a:xfrm>
-            <a:off x="0" y="1423517"/>
-            <a:ext cx="9144000" cy="4819520"/>
-          </a:xfrm>
-          <a:prstGeom prst="rect">
-            <a:avLst/>
-          </a:prstGeom>
-        </p:spPr>
-      </p:pic>
+        </p:nvSpPr>
+        <p:spPr>
+          <a:xfrm>
+            <a:off x="3558812" y="1482924"/>
+            <a:ext cx="1497379" cy="628899"/>
+          </a:xfrm>
+          <a:prstGeom prst="roundRect">
+            <a:avLst/>
+          </a:prstGeom>
+        </p:spPr>
+        <p:style>
+          <a:lnRef idx="2">
+            <a:schemeClr val="accent1">
+              <a:shade val="15000"/>
+            </a:schemeClr>
+          </a:lnRef>
+          <a:fillRef idx="1">
+            <a:schemeClr val="accent1"/>
+          </a:fillRef>
+          <a:effectRef idx="0">
+            <a:schemeClr val="accent1"/>
+          </a:effectRef>
+          <a:fontRef idx="minor">
+            <a:schemeClr val="lt1"/>
+          </a:fontRef>
+        </p:style>
+        <p:txBody>
+          <a:bodyPr rtlCol="0" anchor="ctr"/>
+          <a:lstStyle/>
+          <a:p>
+            <a:pPr algn="ctr"/>
+            <a:r>
+              <a:rPr lang="en-US" dirty="0">
+                <a:cs typeface="Arial"/>
+              </a:rPr>
+              <a:t>Client</a:t>
+            </a:r>
+            <a:endParaRPr lang="en-US" dirty="0"/>
+          </a:p>
+        </p:txBody>
+      </p:sp>
+      <p:sp>
+        <p:nvSpPr>
+          <p:cNvPr id="4" name="Arrow: Down 3">
+            <a:extLst>
+              <a:ext uri="{FF2B5EF4-FFF2-40B4-BE49-F238E27FC236}">
+                <a16:creationId xmlns:a16="http://schemas.microsoft.com/office/drawing/2014/main" id="{E2A70254-3953-8614-11BD-71CFF5CFB106}"/>
+              </a:ext>
+            </a:extLst>
+          </p:cNvPr>
+          <p:cNvSpPr/>
+          <p:nvPr/>
+        </p:nvSpPr>
+        <p:spPr>
+          <a:xfrm>
+            <a:off x="4217659" y="2121807"/>
+            <a:ext cx="169703" cy="379336"/>
+          </a:xfrm>
+          <a:prstGeom prst="downArrow">
+            <a:avLst/>
+          </a:prstGeom>
+        </p:spPr>
+        <p:style>
+          <a:lnRef idx="2">
+            <a:schemeClr val="accent1">
+              <a:shade val="15000"/>
+            </a:schemeClr>
+          </a:lnRef>
+          <a:fillRef idx="1">
+            <a:schemeClr val="accent1"/>
+          </a:fillRef>
+          <a:effectRef idx="0">
+            <a:schemeClr val="accent1"/>
+          </a:effectRef>
+          <a:fontRef idx="minor">
+            <a:schemeClr val="lt1"/>
+          </a:fontRef>
+        </p:style>
+        <p:txBody>
+          <a:bodyPr rtlCol="0" anchor="ctr"/>
+          <a:lstStyle/>
+          <a:p>
+            <a:pPr algn="ctr"/>
+            <a:endParaRPr lang="en-US"/>
+          </a:p>
+        </p:txBody>
+      </p:sp>
+      <p:sp>
+        <p:nvSpPr>
+          <p:cNvPr id="5" name="Rectangle: Rounded Corners 4">
+            <a:extLst>
+              <a:ext uri="{FF2B5EF4-FFF2-40B4-BE49-F238E27FC236}">
+                <a16:creationId xmlns:a16="http://schemas.microsoft.com/office/drawing/2014/main" id="{AEA95C44-132A-F33D-3375-F362C6CE7EA3}"/>
+              </a:ext>
+            </a:extLst>
+          </p:cNvPr>
+          <p:cNvSpPr/>
+          <p:nvPr/>
+        </p:nvSpPr>
+        <p:spPr>
+          <a:xfrm>
+            <a:off x="3558811" y="2507051"/>
+            <a:ext cx="1497379" cy="628899"/>
+          </a:xfrm>
+          <a:prstGeom prst="roundRect">
+            <a:avLst/>
+          </a:prstGeom>
+        </p:spPr>
+        <p:style>
+          <a:lnRef idx="2">
+            <a:schemeClr val="accent1">
+              <a:shade val="15000"/>
+            </a:schemeClr>
+          </a:lnRef>
+          <a:fillRef idx="1">
+            <a:schemeClr val="accent1"/>
+          </a:fillRef>
+          <a:effectRef idx="0">
+            <a:schemeClr val="accent1"/>
+          </a:effectRef>
+          <a:fontRef idx="minor">
+            <a:schemeClr val="lt1"/>
+          </a:fontRef>
+        </p:style>
+        <p:txBody>
+          <a:bodyPr lIns="91440" tIns="45720" rIns="91440" bIns="45720" rtlCol="0" anchor="ctr"/>
+          <a:lstStyle/>
+          <a:p>
+            <a:pPr algn="ctr"/>
+            <a:r>
+              <a:rPr lang="en-US" dirty="0">
+                <a:cs typeface="Arial"/>
+              </a:rPr>
+              <a:t>Frontend</a:t>
+            </a:r>
+          </a:p>
+          <a:p>
+            <a:pPr algn="ctr"/>
+            <a:r>
+              <a:rPr lang="en-US" dirty="0">
+                <a:cs typeface="Arial"/>
+              </a:rPr>
+              <a:t>(React)</a:t>
+            </a:r>
+          </a:p>
+        </p:txBody>
+      </p:sp>
+      <p:sp>
+        <p:nvSpPr>
+          <p:cNvPr id="6" name="Arrow: Down 5">
+            <a:extLst>
+              <a:ext uri="{FF2B5EF4-FFF2-40B4-BE49-F238E27FC236}">
+                <a16:creationId xmlns:a16="http://schemas.microsoft.com/office/drawing/2014/main" id="{F0701B66-15EF-DCFB-C59B-270C6CE5B3F1}"/>
+              </a:ext>
+            </a:extLst>
+          </p:cNvPr>
+          <p:cNvSpPr/>
+          <p:nvPr/>
+        </p:nvSpPr>
+        <p:spPr>
+          <a:xfrm>
+            <a:off x="4226803" y="3164223"/>
+            <a:ext cx="169703" cy="379336"/>
+          </a:xfrm>
+          <a:prstGeom prst="downArrow">
+            <a:avLst/>
+          </a:prstGeom>
+        </p:spPr>
+        <p:style>
+          <a:lnRef idx="2">
+            <a:schemeClr val="accent1">
+              <a:shade val="15000"/>
+            </a:schemeClr>
+          </a:lnRef>
+          <a:fillRef idx="1">
+            <a:schemeClr val="accent1"/>
+          </a:fillRef>
+          <a:effectRef idx="0">
+            <a:schemeClr val="accent1"/>
+          </a:effectRef>
+          <a:fontRef idx="minor">
+            <a:schemeClr val="lt1"/>
+          </a:fontRef>
+        </p:style>
+        <p:txBody>
+          <a:bodyPr rtlCol="0" anchor="ctr"/>
+          <a:lstStyle/>
+          <a:p>
+            <a:pPr algn="ctr"/>
+            <a:endParaRPr lang="en-US"/>
+          </a:p>
+        </p:txBody>
+      </p:sp>
+      <p:sp>
+        <p:nvSpPr>
+          <p:cNvPr id="7" name="Rectangle: Rounded Corners 6">
+            <a:extLst>
+              <a:ext uri="{FF2B5EF4-FFF2-40B4-BE49-F238E27FC236}">
+                <a16:creationId xmlns:a16="http://schemas.microsoft.com/office/drawing/2014/main" id="{D462CC70-B337-27A4-1AE6-06FE33D7C8D6}"/>
+              </a:ext>
+            </a:extLst>
+          </p:cNvPr>
+          <p:cNvSpPr/>
+          <p:nvPr/>
+        </p:nvSpPr>
+        <p:spPr>
+          <a:xfrm>
+            <a:off x="3567954" y="3549466"/>
+            <a:ext cx="1497379" cy="628899"/>
+          </a:xfrm>
+          <a:prstGeom prst="roundRect">
+            <a:avLst/>
+          </a:prstGeom>
+        </p:spPr>
+        <p:style>
+          <a:lnRef idx="2">
+            <a:schemeClr val="accent1">
+              <a:shade val="15000"/>
+            </a:schemeClr>
+          </a:lnRef>
+          <a:fillRef idx="1">
+            <a:schemeClr val="accent1"/>
+          </a:fillRef>
+          <a:effectRef idx="0">
+            <a:schemeClr val="accent1"/>
+          </a:effectRef>
+          <a:fontRef idx="minor">
+            <a:schemeClr val="lt1"/>
+          </a:fontRef>
+        </p:style>
+        <p:txBody>
+          <a:bodyPr lIns="91440" tIns="45720" rIns="91440" bIns="45720" rtlCol="0" anchor="ctr"/>
+          <a:lstStyle/>
+          <a:p>
+            <a:pPr algn="ctr"/>
+            <a:r>
+              <a:rPr lang="en-US" dirty="0">
+                <a:cs typeface="Arial"/>
+              </a:rPr>
+              <a:t>Backend</a:t>
+            </a:r>
+          </a:p>
+          <a:p>
+            <a:pPr algn="ctr"/>
+            <a:r>
+              <a:rPr lang="en-US" dirty="0" err="1">
+                <a:cs typeface="Arial"/>
+              </a:rPr>
+              <a:t>Supabase</a:t>
+            </a:r>
+          </a:p>
+        </p:txBody>
+      </p:sp>
+      <p:sp>
+        <p:nvSpPr>
+          <p:cNvPr id="8" name="Arrow: Down 7">
+            <a:extLst>
+              <a:ext uri="{FF2B5EF4-FFF2-40B4-BE49-F238E27FC236}">
+                <a16:creationId xmlns:a16="http://schemas.microsoft.com/office/drawing/2014/main" id="{8DAB5307-3A84-6C20-B186-0978833602E8}"/>
+              </a:ext>
+            </a:extLst>
+          </p:cNvPr>
+          <p:cNvSpPr/>
+          <p:nvPr/>
+        </p:nvSpPr>
+        <p:spPr>
+          <a:xfrm>
+            <a:off x="4226803" y="4188351"/>
+            <a:ext cx="169703" cy="379336"/>
+          </a:xfrm>
+          <a:prstGeom prst="downArrow">
+            <a:avLst/>
+          </a:prstGeom>
+        </p:spPr>
+        <p:style>
+          <a:lnRef idx="2">
+            <a:schemeClr val="accent1">
+              <a:shade val="15000"/>
+            </a:schemeClr>
+          </a:lnRef>
+          <a:fillRef idx="1">
+            <a:schemeClr val="accent1"/>
+          </a:fillRef>
+          <a:effectRef idx="0">
+            <a:schemeClr val="accent1"/>
+          </a:effectRef>
+          <a:fontRef idx="minor">
+            <a:schemeClr val="lt1"/>
+          </a:fontRef>
+        </p:style>
+        <p:txBody>
+          <a:bodyPr rtlCol="0" anchor="ctr"/>
+          <a:lstStyle/>
+          <a:p>
+            <a:pPr algn="ctr"/>
+            <a:endParaRPr lang="en-US"/>
+          </a:p>
+        </p:txBody>
+      </p:sp>
+      <p:sp>
+        <p:nvSpPr>
+          <p:cNvPr id="11" name="Flowchart: Magnetic Disk 10">
+            <a:extLst>
+              <a:ext uri="{FF2B5EF4-FFF2-40B4-BE49-F238E27FC236}">
+                <a16:creationId xmlns:a16="http://schemas.microsoft.com/office/drawing/2014/main" id="{A3D40EEA-1F47-6146-ADAE-BB2095CFEC4F}"/>
+              </a:ext>
+            </a:extLst>
+          </p:cNvPr>
+          <p:cNvSpPr/>
+          <p:nvPr/>
+        </p:nvSpPr>
+        <p:spPr>
+          <a:xfrm>
+            <a:off x="3538847" y="4570881"/>
+            <a:ext cx="1557275" cy="808585"/>
+          </a:xfrm>
+          <a:prstGeom prst="flowChartMagneticDisk">
+            <a:avLst/>
+          </a:prstGeom>
+        </p:spPr>
+        <p:style>
+          <a:lnRef idx="2">
+            <a:schemeClr val="accent1">
+              <a:shade val="15000"/>
+            </a:schemeClr>
+          </a:lnRef>
+          <a:fillRef idx="1">
+            <a:schemeClr val="accent1"/>
+          </a:fillRef>
+          <a:effectRef idx="0">
+            <a:schemeClr val="accent1"/>
+          </a:effectRef>
+          <a:fontRef idx="minor">
+            <a:schemeClr val="lt1"/>
+          </a:fontRef>
+        </p:style>
+        <p:txBody>
+          <a:bodyPr rtlCol="0" anchor="ctr"/>
+          <a:lstStyle/>
+          <a:p>
+            <a:pPr algn="ctr"/>
+            <a:r>
+              <a:rPr lang="en-US" dirty="0">
+                <a:cs typeface="Arial"/>
+              </a:rPr>
+              <a:t>Database</a:t>
+            </a:r>
+            <a:endParaRPr lang="en-US" dirty="0"/>
+          </a:p>
+        </p:txBody>
+      </p:sp>
+      <p:sp>
+        <p:nvSpPr>
+          <p:cNvPr id="12" name="Arrow: Down 11">
+            <a:extLst>
+              <a:ext uri="{FF2B5EF4-FFF2-40B4-BE49-F238E27FC236}">
+                <a16:creationId xmlns:a16="http://schemas.microsoft.com/office/drawing/2014/main" id="{D694645B-2CDA-525F-77EE-DE51898B7B69}"/>
+              </a:ext>
+            </a:extLst>
+          </p:cNvPr>
+          <p:cNvSpPr/>
+          <p:nvPr/>
+        </p:nvSpPr>
+        <p:spPr>
+          <a:xfrm>
+            <a:off x="4226803" y="5386215"/>
+            <a:ext cx="169703" cy="379336"/>
+          </a:xfrm>
+          <a:prstGeom prst="downArrow">
+            <a:avLst/>
+          </a:prstGeom>
+        </p:spPr>
+        <p:style>
+          <a:lnRef idx="2">
+            <a:schemeClr val="accent1">
+              <a:shade val="15000"/>
+            </a:schemeClr>
+          </a:lnRef>
+          <a:fillRef idx="1">
+            <a:schemeClr val="accent1"/>
+          </a:fillRef>
+          <a:effectRef idx="0">
+            <a:schemeClr val="accent1"/>
+          </a:effectRef>
+          <a:fontRef idx="minor">
+            <a:schemeClr val="lt1"/>
+          </a:fontRef>
+        </p:style>
+        <p:txBody>
+          <a:bodyPr rtlCol="0" anchor="ctr"/>
+          <a:lstStyle/>
+          <a:p>
+            <a:pPr algn="ctr"/>
+            <a:endParaRPr lang="en-US"/>
+          </a:p>
+        </p:txBody>
+      </p:sp>
+      <p:sp>
+        <p:nvSpPr>
+          <p:cNvPr id="13" name="Rectangle: Rounded Corners 12">
+            <a:extLst>
+              <a:ext uri="{FF2B5EF4-FFF2-40B4-BE49-F238E27FC236}">
+                <a16:creationId xmlns:a16="http://schemas.microsoft.com/office/drawing/2014/main" id="{CABE4459-09E6-B2D4-38FB-E9D1BB13B969}"/>
+              </a:ext>
+            </a:extLst>
+          </p:cNvPr>
+          <p:cNvSpPr/>
+          <p:nvPr/>
+        </p:nvSpPr>
+        <p:spPr>
+          <a:xfrm>
+            <a:off x="3311921" y="5771457"/>
+            <a:ext cx="1982011" cy="665475"/>
+          </a:xfrm>
+          <a:prstGeom prst="roundRect">
+            <a:avLst/>
+          </a:prstGeom>
+        </p:spPr>
+        <p:style>
+          <a:lnRef idx="2">
+            <a:schemeClr val="accent1">
+              <a:shade val="15000"/>
+            </a:schemeClr>
+          </a:lnRef>
+          <a:fillRef idx="1">
+            <a:schemeClr val="accent1"/>
+          </a:fillRef>
+          <a:effectRef idx="0">
+            <a:schemeClr val="accent1"/>
+          </a:effectRef>
+          <a:fontRef idx="minor">
+            <a:schemeClr val="lt1"/>
+          </a:fontRef>
+        </p:style>
+        <p:txBody>
+          <a:bodyPr lIns="91440" tIns="45720" rIns="91440" bIns="45720" rtlCol="0" anchor="ctr"/>
+          <a:lstStyle/>
+          <a:p>
+            <a:pPr algn="ctr"/>
+            <a:r>
+              <a:rPr lang="en-US" dirty="0">
+                <a:cs typeface="Arial"/>
+              </a:rPr>
+              <a:t>Student-Teacher Booking App</a:t>
+            </a:r>
+            <a:endParaRPr lang="en-US" dirty="0"/>
+          </a:p>
+        </p:txBody>
+      </p:sp>
     </p:spTree>
     <p:extLst>
       <p:ext uri="{BB962C8B-B14F-4D97-AF65-F5344CB8AC3E}">
@@ -14294,7 +14720,13 @@
   <p:cSld>
     <p:spTree>
       <p:nvGrpSpPr>
-        <p:cNvPr id="1" name=""/>
+        <p:cNvPr id="1" name="">
+          <a:extLst>
+            <a:ext uri="{FF2B5EF4-FFF2-40B4-BE49-F238E27FC236}">
+              <a16:creationId xmlns:a16="http://schemas.microsoft.com/office/drawing/2014/main" id="{BF87E23F-FF3E-428C-9A5B-E5C7BCB46497}"/>
+            </a:ext>
+          </a:extLst>
+        </p:cNvPr>
         <p:cNvGrpSpPr/>
         <p:nvPr/>
       </p:nvGrpSpPr>
@@ -14308,7 +14740,13 @@
       </p:grpSpPr>
       <p:sp>
         <p:nvSpPr>
-          <p:cNvPr id="2" name="Title 1"/>
+          <p:cNvPr id="2" name="Title 1">
+            <a:extLst>
+              <a:ext uri="{FF2B5EF4-FFF2-40B4-BE49-F238E27FC236}">
+                <a16:creationId xmlns:a16="http://schemas.microsoft.com/office/drawing/2014/main" id="{10493822-44DD-36CC-BFD3-B29D9F7715D4}"/>
+              </a:ext>
+            </a:extLst>
+          </p:cNvPr>
           <p:cNvSpPr>
             <a:spLocks noGrp="1"/>
           </p:cNvSpPr>
@@ -14322,694 +14760,50 @@
           <a:lstStyle/>
           <a:p>
             <a:r>
+              <a:rPr lang="en-US" b="1" dirty="0" err="1"/>
+              <a:t>Supabase</a:t>
+            </a:r>
+            <a:r>
               <a:rPr lang="en-US" b="1" dirty="0"/>
-              <a:t>Logging In</a:t>
-            </a:r>
-            <a:endParaRPr lang="en-IN" b="1" dirty="0"/>
-          </a:p>
-        </p:txBody>
-      </p:sp>
-      <p:sp>
-        <p:nvSpPr>
-          <p:cNvPr id="4" name="Rectangle 3"/>
-          <p:cNvSpPr/>
+              <a:t> Database</a:t>
+            </a:r>
+          </a:p>
+        </p:txBody>
+      </p:sp>
+      <p:pic>
+        <p:nvPicPr>
+          <p:cNvPr id="9" name="Picture 8" descr="A screenshot of a computer&#10;&#10;AI-generated content may be incorrect.">
+            <a:extLst>
+              <a:ext uri="{FF2B5EF4-FFF2-40B4-BE49-F238E27FC236}">
+                <a16:creationId xmlns:a16="http://schemas.microsoft.com/office/drawing/2014/main" id="{47B680B7-3507-8EBA-46C9-FEB62DFB8CA9}"/>
+              </a:ext>
+            </a:extLst>
+          </p:cNvPr>
+          <p:cNvPicPr>
+            <a:picLocks noChangeAspect="1"/>
+          </p:cNvPicPr>
           <p:nvPr/>
-        </p:nvSpPr>
-        <p:spPr>
-          <a:xfrm>
-            <a:off x="767751" y="2009955"/>
-            <a:ext cx="1708030" cy="526211"/>
+        </p:nvPicPr>
+        <p:blipFill>
+          <a:blip r:embed="rId2"/>
+          <a:stretch>
+            <a:fillRect/>
+          </a:stretch>
+        </p:blipFill>
+        <p:spPr>
+          <a:xfrm>
+            <a:off x="0" y="1423517"/>
+            <a:ext cx="9144000" cy="4819520"/>
           </a:xfrm>
           <a:prstGeom prst="rect">
             <a:avLst/>
           </a:prstGeom>
         </p:spPr>
-        <p:style>
-          <a:lnRef idx="2">
-            <a:schemeClr val="accent1">
-              <a:shade val="50000"/>
-            </a:schemeClr>
-          </a:lnRef>
-          <a:fillRef idx="1">
-            <a:schemeClr val="accent1"/>
-          </a:fillRef>
-          <a:effectRef idx="0">
-            <a:schemeClr val="accent1"/>
-          </a:effectRef>
-          <a:fontRef idx="minor">
-            <a:schemeClr val="lt1"/>
-          </a:fontRef>
-        </p:style>
-        <p:txBody>
-          <a:bodyPr rtlCol="0" anchor="ctr"/>
-          <a:lstStyle/>
-          <a:p>
-            <a:pPr algn="ctr"/>
-            <a:r>
-              <a:rPr lang="en-IN" dirty="0"/>
-              <a:t>User submits </a:t>
-            </a:r>
-          </a:p>
-          <a:p>
-            <a:pPr algn="ctr"/>
-            <a:r>
-              <a:rPr lang="en-IN" dirty="0"/>
-              <a:t>Login form</a:t>
-            </a:r>
-          </a:p>
-        </p:txBody>
-      </p:sp>
-      <p:sp>
-        <p:nvSpPr>
-          <p:cNvPr id="5" name="Rectangle 4"/>
-          <p:cNvSpPr/>
-          <p:nvPr/>
-        </p:nvSpPr>
-        <p:spPr>
-          <a:xfrm>
-            <a:off x="3059503" y="2009954"/>
-            <a:ext cx="1708030" cy="914401"/>
-          </a:xfrm>
-          <a:prstGeom prst="rect">
-            <a:avLst/>
-          </a:prstGeom>
-        </p:spPr>
-        <p:style>
-          <a:lnRef idx="2">
-            <a:schemeClr val="accent1">
-              <a:shade val="50000"/>
-            </a:schemeClr>
-          </a:lnRef>
-          <a:fillRef idx="1">
-            <a:schemeClr val="accent1"/>
-          </a:fillRef>
-          <a:effectRef idx="0">
-            <a:schemeClr val="accent1"/>
-          </a:effectRef>
-          <a:fontRef idx="minor">
-            <a:schemeClr val="lt1"/>
-          </a:fontRef>
-        </p:style>
-        <p:txBody>
-          <a:bodyPr rtlCol="0" anchor="ctr"/>
-          <a:lstStyle/>
-          <a:p>
-            <a:pPr algn="ctr"/>
-            <a:r>
-              <a:rPr lang="en-IN" dirty="0" err="1"/>
-              <a:t>AuthContext</a:t>
-            </a:r>
-            <a:r>
-              <a:rPr lang="en-IN" dirty="0"/>
-              <a:t> login</a:t>
-            </a:r>
-          </a:p>
-          <a:p>
-            <a:pPr algn="ctr"/>
-            <a:r>
-              <a:rPr lang="en-IN" dirty="0"/>
-              <a:t>function called</a:t>
-            </a:r>
-          </a:p>
-          <a:p>
-            <a:pPr algn="ctr"/>
-            <a:r>
-              <a:rPr lang="en-IN" dirty="0"/>
-              <a:t>with role and credentials</a:t>
-            </a:r>
-          </a:p>
-        </p:txBody>
-      </p:sp>
-      <p:sp>
-        <p:nvSpPr>
-          <p:cNvPr id="6" name="Rectangle 5"/>
-          <p:cNvSpPr/>
-          <p:nvPr/>
-        </p:nvSpPr>
-        <p:spPr>
-          <a:xfrm>
-            <a:off x="6120441" y="1727439"/>
-            <a:ext cx="1708030" cy="1285336"/>
-          </a:xfrm>
-          <a:prstGeom prst="rect">
-            <a:avLst/>
-          </a:prstGeom>
-        </p:spPr>
-        <p:style>
-          <a:lnRef idx="2">
-            <a:schemeClr val="accent1">
-              <a:shade val="50000"/>
-            </a:schemeClr>
-          </a:lnRef>
-          <a:fillRef idx="1">
-            <a:schemeClr val="accent1"/>
-          </a:fillRef>
-          <a:effectRef idx="0">
-            <a:schemeClr val="accent1"/>
-          </a:effectRef>
-          <a:fontRef idx="minor">
-            <a:schemeClr val="lt1"/>
-          </a:fontRef>
-        </p:style>
-        <p:txBody>
-          <a:bodyPr rtlCol="0" anchor="ctr"/>
-          <a:lstStyle/>
-          <a:p>
-            <a:pPr algn="ctr"/>
-            <a:r>
-              <a:rPr lang="en-IN" dirty="0"/>
-              <a:t>login function</a:t>
-            </a:r>
-          </a:p>
-          <a:p>
-            <a:pPr algn="ctr"/>
-            <a:r>
-              <a:rPr lang="en-IN" dirty="0"/>
-              <a:t>fetches user (admin, student, teacher)</a:t>
-            </a:r>
-          </a:p>
-          <a:p>
-            <a:pPr algn="ctr"/>
-            <a:r>
-              <a:rPr lang="en-IN" dirty="0"/>
-              <a:t>from </a:t>
-            </a:r>
-            <a:r>
-              <a:rPr lang="en-IN" dirty="0" err="1"/>
-              <a:t>supabase</a:t>
-            </a:r>
-            <a:endParaRPr lang="en-IN" dirty="0"/>
-          </a:p>
-        </p:txBody>
-      </p:sp>
-      <p:sp>
-        <p:nvSpPr>
-          <p:cNvPr id="7" name="Flowchart: Decision 6"/>
-          <p:cNvSpPr/>
-          <p:nvPr/>
-        </p:nvSpPr>
-        <p:spPr>
-          <a:xfrm>
-            <a:off x="6313097" y="3651129"/>
-            <a:ext cx="1337095" cy="1173193"/>
-          </a:xfrm>
-          <a:prstGeom prst="flowChartDecision">
-            <a:avLst/>
-          </a:prstGeom>
-        </p:spPr>
-        <p:style>
-          <a:lnRef idx="2">
-            <a:schemeClr val="accent1">
-              <a:shade val="50000"/>
-            </a:schemeClr>
-          </a:lnRef>
-          <a:fillRef idx="1">
-            <a:schemeClr val="accent1"/>
-          </a:fillRef>
-          <a:effectRef idx="0">
-            <a:schemeClr val="accent1"/>
-          </a:effectRef>
-          <a:fontRef idx="minor">
-            <a:schemeClr val="lt1"/>
-          </a:fontRef>
-        </p:style>
-        <p:txBody>
-          <a:bodyPr rtlCol="0" anchor="ctr"/>
-          <a:lstStyle/>
-          <a:p>
-            <a:pPr algn="ctr"/>
-            <a:r>
-              <a:rPr lang="en-IN" dirty="0"/>
-              <a:t>User</a:t>
-            </a:r>
-          </a:p>
-          <a:p>
-            <a:pPr algn="ctr"/>
-            <a:r>
-              <a:rPr lang="en-IN" dirty="0"/>
-              <a:t>found</a:t>
-            </a:r>
-          </a:p>
-        </p:txBody>
-      </p:sp>
-      <p:sp>
-        <p:nvSpPr>
-          <p:cNvPr id="8" name="Right Arrow 7"/>
-          <p:cNvSpPr/>
-          <p:nvPr/>
-        </p:nvSpPr>
-        <p:spPr>
-          <a:xfrm>
-            <a:off x="2475781" y="2191109"/>
-            <a:ext cx="583722" cy="276045"/>
-          </a:xfrm>
-          <a:prstGeom prst="rightArrow">
-            <a:avLst/>
-          </a:prstGeom>
-        </p:spPr>
-        <p:style>
-          <a:lnRef idx="2">
-            <a:schemeClr val="accent6">
-              <a:shade val="50000"/>
-            </a:schemeClr>
-          </a:lnRef>
-          <a:fillRef idx="1">
-            <a:schemeClr val="accent6"/>
-          </a:fillRef>
-          <a:effectRef idx="0">
-            <a:schemeClr val="accent6"/>
-          </a:effectRef>
-          <a:fontRef idx="minor">
-            <a:schemeClr val="lt1"/>
-          </a:fontRef>
-        </p:style>
-        <p:txBody>
-          <a:bodyPr rtlCol="0" anchor="ctr"/>
-          <a:lstStyle/>
-          <a:p>
-            <a:pPr algn="ctr"/>
-            <a:endParaRPr lang="en-IN"/>
-          </a:p>
-        </p:txBody>
-      </p:sp>
-      <p:sp>
-        <p:nvSpPr>
-          <p:cNvPr id="9" name="Right Arrow 8"/>
-          <p:cNvSpPr/>
-          <p:nvPr/>
-        </p:nvSpPr>
-        <p:spPr>
-          <a:xfrm>
-            <a:off x="4767533" y="2273060"/>
-            <a:ext cx="1352908" cy="194094"/>
-          </a:xfrm>
-          <a:prstGeom prst="rightArrow">
-            <a:avLst/>
-          </a:prstGeom>
-        </p:spPr>
-        <p:style>
-          <a:lnRef idx="2">
-            <a:schemeClr val="accent6">
-              <a:shade val="50000"/>
-            </a:schemeClr>
-          </a:lnRef>
-          <a:fillRef idx="1">
-            <a:schemeClr val="accent6"/>
-          </a:fillRef>
-          <a:effectRef idx="0">
-            <a:schemeClr val="accent6"/>
-          </a:effectRef>
-          <a:fontRef idx="minor">
-            <a:schemeClr val="lt1"/>
-          </a:fontRef>
-        </p:style>
-        <p:txBody>
-          <a:bodyPr rtlCol="0" anchor="ctr"/>
-          <a:lstStyle/>
-          <a:p>
-            <a:pPr algn="ctr"/>
-            <a:endParaRPr lang="en-IN"/>
-          </a:p>
-        </p:txBody>
-      </p:sp>
-      <p:sp>
-        <p:nvSpPr>
-          <p:cNvPr id="10" name="Down Arrow 9"/>
-          <p:cNvSpPr/>
-          <p:nvPr/>
-        </p:nvSpPr>
-        <p:spPr>
-          <a:xfrm>
-            <a:off x="6888191" y="3012775"/>
-            <a:ext cx="175404" cy="638354"/>
-          </a:xfrm>
-          <a:prstGeom prst="downArrow">
-            <a:avLst/>
-          </a:prstGeom>
-        </p:spPr>
-        <p:style>
-          <a:lnRef idx="2">
-            <a:schemeClr val="accent6">
-              <a:shade val="50000"/>
-            </a:schemeClr>
-          </a:lnRef>
-          <a:fillRef idx="1">
-            <a:schemeClr val="accent6"/>
-          </a:fillRef>
-          <a:effectRef idx="0">
-            <a:schemeClr val="accent6"/>
-          </a:effectRef>
-          <a:fontRef idx="minor">
-            <a:schemeClr val="lt1"/>
-          </a:fontRef>
-        </p:style>
-        <p:txBody>
-          <a:bodyPr rtlCol="0" anchor="ctr"/>
-          <a:lstStyle/>
-          <a:p>
-            <a:pPr algn="ctr"/>
-            <a:endParaRPr lang="en-IN"/>
-          </a:p>
-        </p:txBody>
-      </p:sp>
-      <p:sp>
-        <p:nvSpPr>
-          <p:cNvPr id="11" name="Down Arrow 10"/>
-          <p:cNvSpPr/>
-          <p:nvPr/>
-        </p:nvSpPr>
-        <p:spPr>
-          <a:xfrm>
-            <a:off x="6864468" y="4729431"/>
-            <a:ext cx="234352" cy="879894"/>
-          </a:xfrm>
-          <a:prstGeom prst="downArrow">
-            <a:avLst/>
-          </a:prstGeom>
-        </p:spPr>
-        <p:style>
-          <a:lnRef idx="2">
-            <a:schemeClr val="accent6">
-              <a:shade val="50000"/>
-            </a:schemeClr>
-          </a:lnRef>
-          <a:fillRef idx="1">
-            <a:schemeClr val="accent6"/>
-          </a:fillRef>
-          <a:effectRef idx="0">
-            <a:schemeClr val="accent6"/>
-          </a:effectRef>
-          <a:fontRef idx="minor">
-            <a:schemeClr val="lt1"/>
-          </a:fontRef>
-        </p:style>
-        <p:txBody>
-          <a:bodyPr rtlCol="0" anchor="ctr"/>
-          <a:lstStyle/>
-          <a:p>
-            <a:pPr algn="ctr"/>
-            <a:endParaRPr lang="en-IN"/>
-          </a:p>
-        </p:txBody>
-      </p:sp>
-      <p:sp>
-        <p:nvSpPr>
-          <p:cNvPr id="12" name="Left Arrow 11"/>
-          <p:cNvSpPr/>
-          <p:nvPr/>
-        </p:nvSpPr>
-        <p:spPr>
-          <a:xfrm>
-            <a:off x="4747403" y="4080294"/>
-            <a:ext cx="1679275" cy="258792"/>
-          </a:xfrm>
-          <a:prstGeom prst="leftArrow">
-            <a:avLst/>
-          </a:prstGeom>
-        </p:spPr>
-        <p:style>
-          <a:lnRef idx="2">
-            <a:schemeClr val="accent6">
-              <a:shade val="50000"/>
-            </a:schemeClr>
-          </a:lnRef>
-          <a:fillRef idx="1">
-            <a:schemeClr val="accent6"/>
-          </a:fillRef>
-          <a:effectRef idx="0">
-            <a:schemeClr val="accent6"/>
-          </a:effectRef>
-          <a:fontRef idx="minor">
-            <a:schemeClr val="lt1"/>
-          </a:fontRef>
-        </p:style>
-        <p:txBody>
-          <a:bodyPr rtlCol="0" anchor="ctr"/>
-          <a:lstStyle/>
-          <a:p>
-            <a:pPr algn="ctr"/>
-            <a:endParaRPr lang="en-IN"/>
-          </a:p>
-        </p:txBody>
-      </p:sp>
-      <p:sp>
-        <p:nvSpPr>
-          <p:cNvPr id="13" name="TextBox 12"/>
-          <p:cNvSpPr txBox="1"/>
-          <p:nvPr/>
-        </p:nvSpPr>
-        <p:spPr>
-          <a:xfrm>
-            <a:off x="7098820" y="4873001"/>
-            <a:ext cx="453970" cy="307777"/>
-          </a:xfrm>
-          <a:prstGeom prst="rect">
-            <a:avLst/>
-          </a:prstGeom>
-          <a:noFill/>
-        </p:spPr>
-        <p:txBody>
-          <a:bodyPr wrap="none" rtlCol="0">
-            <a:spAutoFit/>
-          </a:bodyPr>
-          <a:lstStyle/>
-          <a:p>
-            <a:r>
-              <a:rPr lang="en-IN" dirty="0"/>
-              <a:t>NO</a:t>
-            </a:r>
-          </a:p>
-        </p:txBody>
-      </p:sp>
-      <p:sp>
-        <p:nvSpPr>
-          <p:cNvPr id="14" name="TextBox 13"/>
-          <p:cNvSpPr txBox="1"/>
-          <p:nvPr/>
-        </p:nvSpPr>
-        <p:spPr>
-          <a:xfrm>
-            <a:off x="5447765" y="4339086"/>
-            <a:ext cx="494046" cy="307777"/>
-          </a:xfrm>
-          <a:prstGeom prst="rect">
-            <a:avLst/>
-          </a:prstGeom>
-          <a:noFill/>
-        </p:spPr>
-        <p:txBody>
-          <a:bodyPr wrap="none" rtlCol="0">
-            <a:spAutoFit/>
-          </a:bodyPr>
-          <a:lstStyle/>
-          <a:p>
-            <a:r>
-              <a:rPr lang="en-IN" dirty="0"/>
-              <a:t>Yes</a:t>
-            </a:r>
-          </a:p>
-        </p:txBody>
-      </p:sp>
-      <p:sp>
-        <p:nvSpPr>
-          <p:cNvPr id="16" name="Rectangle 15"/>
-          <p:cNvSpPr/>
-          <p:nvPr/>
-        </p:nvSpPr>
-        <p:spPr>
-          <a:xfrm>
-            <a:off x="6127629" y="5613638"/>
-            <a:ext cx="1708030" cy="526211"/>
-          </a:xfrm>
-          <a:prstGeom prst="rect">
-            <a:avLst/>
-          </a:prstGeom>
-        </p:spPr>
-        <p:style>
-          <a:lnRef idx="2">
-            <a:schemeClr val="accent1">
-              <a:shade val="50000"/>
-            </a:schemeClr>
-          </a:lnRef>
-          <a:fillRef idx="1">
-            <a:schemeClr val="accent1"/>
-          </a:fillRef>
-          <a:effectRef idx="0">
-            <a:schemeClr val="accent1"/>
-          </a:effectRef>
-          <a:fontRef idx="minor">
-            <a:schemeClr val="lt1"/>
-          </a:fontRef>
-        </p:style>
-        <p:txBody>
-          <a:bodyPr rtlCol="0" anchor="ctr"/>
-          <a:lstStyle/>
-          <a:p>
-            <a:pPr algn="ctr"/>
-            <a:r>
-              <a:rPr lang="en-IN" dirty="0"/>
-              <a:t>Display error</a:t>
-            </a:r>
-          </a:p>
-        </p:txBody>
-      </p:sp>
-      <p:sp>
-        <p:nvSpPr>
-          <p:cNvPr id="17" name="Rectangle 16"/>
-          <p:cNvSpPr/>
-          <p:nvPr/>
-        </p:nvSpPr>
-        <p:spPr>
-          <a:xfrm>
-            <a:off x="3059503" y="3781294"/>
-            <a:ext cx="1708030" cy="898382"/>
-          </a:xfrm>
-          <a:prstGeom prst="rect">
-            <a:avLst/>
-          </a:prstGeom>
-        </p:spPr>
-        <p:style>
-          <a:lnRef idx="2">
-            <a:schemeClr val="accent1">
-              <a:shade val="50000"/>
-            </a:schemeClr>
-          </a:lnRef>
-          <a:fillRef idx="1">
-            <a:schemeClr val="accent1"/>
-          </a:fillRef>
-          <a:effectRef idx="0">
-            <a:schemeClr val="accent1"/>
-          </a:effectRef>
-          <a:fontRef idx="minor">
-            <a:schemeClr val="lt1"/>
-          </a:fontRef>
-        </p:style>
-        <p:txBody>
-          <a:bodyPr rtlCol="0" anchor="ctr"/>
-          <a:lstStyle/>
-          <a:p>
-            <a:pPr algn="ctr"/>
-            <a:r>
-              <a:rPr lang="en-IN" dirty="0"/>
-              <a:t>Set user in </a:t>
-            </a:r>
-            <a:r>
-              <a:rPr lang="en-IN" dirty="0" err="1"/>
-              <a:t>AuthContext</a:t>
-            </a:r>
-            <a:r>
-              <a:rPr lang="en-IN" dirty="0"/>
-              <a:t> to the user found</a:t>
-            </a:r>
-          </a:p>
-        </p:txBody>
-      </p:sp>
-      <p:sp>
-        <p:nvSpPr>
-          <p:cNvPr id="18" name="Left Arrow 17"/>
-          <p:cNvSpPr/>
-          <p:nvPr/>
-        </p:nvSpPr>
-        <p:spPr>
-          <a:xfrm>
-            <a:off x="2257247" y="4113107"/>
-            <a:ext cx="802256" cy="258792"/>
-          </a:xfrm>
-          <a:prstGeom prst="leftArrow">
-            <a:avLst/>
-          </a:prstGeom>
-        </p:spPr>
-        <p:style>
-          <a:lnRef idx="2">
-            <a:schemeClr val="accent6">
-              <a:shade val="50000"/>
-            </a:schemeClr>
-          </a:lnRef>
-          <a:fillRef idx="1">
-            <a:schemeClr val="accent6"/>
-          </a:fillRef>
-          <a:effectRef idx="0">
-            <a:schemeClr val="accent6"/>
-          </a:effectRef>
-          <a:fontRef idx="minor">
-            <a:schemeClr val="lt1"/>
-          </a:fontRef>
-        </p:style>
-        <p:txBody>
-          <a:bodyPr rtlCol="0" anchor="ctr"/>
-          <a:lstStyle/>
-          <a:p>
-            <a:pPr algn="ctr"/>
-            <a:endParaRPr lang="en-IN"/>
-          </a:p>
-        </p:txBody>
-      </p:sp>
-      <p:sp>
-        <p:nvSpPr>
-          <p:cNvPr id="21" name="Rectangle 20"/>
-          <p:cNvSpPr/>
-          <p:nvPr/>
-        </p:nvSpPr>
-        <p:spPr>
-          <a:xfrm>
-            <a:off x="549217" y="3455494"/>
-            <a:ext cx="1708030" cy="1574017"/>
-          </a:xfrm>
-          <a:prstGeom prst="rect">
-            <a:avLst/>
-          </a:prstGeom>
-        </p:spPr>
-        <p:style>
-          <a:lnRef idx="2">
-            <a:schemeClr val="accent1">
-              <a:shade val="50000"/>
-            </a:schemeClr>
-          </a:lnRef>
-          <a:fillRef idx="1">
-            <a:schemeClr val="accent1"/>
-          </a:fillRef>
-          <a:effectRef idx="0">
-            <a:schemeClr val="accent1"/>
-          </a:effectRef>
-          <a:fontRef idx="minor">
-            <a:schemeClr val="lt1"/>
-          </a:fontRef>
-        </p:style>
-        <p:txBody>
-          <a:bodyPr rtlCol="0" anchor="ctr"/>
-          <a:lstStyle/>
-          <a:p>
-            <a:pPr algn="ctr"/>
-            <a:r>
-              <a:rPr lang="en-IN" dirty="0" err="1"/>
-              <a:t>useEffect</a:t>
-            </a:r>
-            <a:r>
-              <a:rPr lang="en-IN" dirty="0"/>
-              <a:t> in </a:t>
-            </a:r>
-            <a:r>
-              <a:rPr lang="en-IN" dirty="0" err="1"/>
-              <a:t>AuthContext</a:t>
-            </a:r>
-            <a:r>
-              <a:rPr lang="en-IN" dirty="0"/>
-              <a:t> reacts to the change in user</a:t>
-            </a:r>
-          </a:p>
-          <a:p>
-            <a:pPr algn="ctr"/>
-            <a:r>
-              <a:rPr lang="en-IN" dirty="0"/>
-              <a:t>And redirects to a route based on role</a:t>
-            </a:r>
-          </a:p>
-        </p:txBody>
-      </p:sp>
+      </p:pic>
     </p:spTree>
     <p:extLst>
       <p:ext uri="{BB962C8B-B14F-4D97-AF65-F5344CB8AC3E}">
-        <p14:creationId xmlns:p14="http://schemas.microsoft.com/office/powerpoint/2010/main" val="268808511"/>
+        <p14:creationId xmlns:p14="http://schemas.microsoft.com/office/powerpoint/2010/main" val="1446241095"/>
       </p:ext>
     </p:extLst>
   </p:cSld>
@@ -15052,9 +14846,10 @@
           <a:lstStyle/>
           <a:p>
             <a:r>
-              <a:rPr lang="en-IN" b="1" dirty="0"/>
-              <a:t>Registering a student</a:t>
-            </a:r>
+              <a:rPr lang="en-US" b="1" dirty="0"/>
+              <a:t>Logging In</a:t>
+            </a:r>
+            <a:endParaRPr lang="en-IN" b="1" dirty="0"/>
           </a:p>
         </p:txBody>
       </p:sp>
@@ -15066,8 +14861,8 @@
         </p:nvSpPr>
         <p:spPr>
           <a:xfrm>
-            <a:off x="764877" y="1667822"/>
-            <a:ext cx="1708030" cy="898382"/>
+            <a:off x="767751" y="2009955"/>
+            <a:ext cx="1708030" cy="526211"/>
           </a:xfrm>
           <a:prstGeom prst="rect">
             <a:avLst/>
@@ -15096,20 +14891,200 @@
             <a:pPr algn="ctr"/>
             <a:r>
               <a:rPr lang="en-IN" dirty="0"/>
-              <a:t>Register form submitted</a:t>
-            </a:r>
-          </a:p>
-        </p:txBody>
-      </p:sp>
-      <p:sp>
-        <p:nvSpPr>
-          <p:cNvPr id="5" name="Right Arrow 4"/>
+              <a:t>User submits </a:t>
+            </a:r>
+          </a:p>
+          <a:p>
+            <a:pPr algn="ctr"/>
+            <a:r>
+              <a:rPr lang="en-IN" dirty="0"/>
+              <a:t>Login form</a:t>
+            </a:r>
+          </a:p>
+        </p:txBody>
+      </p:sp>
+      <p:sp>
+        <p:nvSpPr>
+          <p:cNvPr id="5" name="Rectangle 4"/>
           <p:cNvSpPr/>
           <p:nvPr/>
         </p:nvSpPr>
         <p:spPr>
           <a:xfrm>
-            <a:off x="2475781" y="1978990"/>
+            <a:off x="3059503" y="2009954"/>
+            <a:ext cx="1708030" cy="914401"/>
+          </a:xfrm>
+          <a:prstGeom prst="rect">
+            <a:avLst/>
+          </a:prstGeom>
+        </p:spPr>
+        <p:style>
+          <a:lnRef idx="2">
+            <a:schemeClr val="accent1">
+              <a:shade val="50000"/>
+            </a:schemeClr>
+          </a:lnRef>
+          <a:fillRef idx="1">
+            <a:schemeClr val="accent1"/>
+          </a:fillRef>
+          <a:effectRef idx="0">
+            <a:schemeClr val="accent1"/>
+          </a:effectRef>
+          <a:fontRef idx="minor">
+            <a:schemeClr val="lt1"/>
+          </a:fontRef>
+        </p:style>
+        <p:txBody>
+          <a:bodyPr rtlCol="0" anchor="ctr"/>
+          <a:lstStyle/>
+          <a:p>
+            <a:pPr algn="ctr"/>
+            <a:r>
+              <a:rPr lang="en-IN" dirty="0" err="1"/>
+              <a:t>AuthContext</a:t>
+            </a:r>
+            <a:r>
+              <a:rPr lang="en-IN" dirty="0"/>
+              <a:t> login</a:t>
+            </a:r>
+          </a:p>
+          <a:p>
+            <a:pPr algn="ctr"/>
+            <a:r>
+              <a:rPr lang="en-IN" dirty="0"/>
+              <a:t>function called</a:t>
+            </a:r>
+          </a:p>
+          <a:p>
+            <a:pPr algn="ctr"/>
+            <a:r>
+              <a:rPr lang="en-IN" dirty="0"/>
+              <a:t>with role and credentials</a:t>
+            </a:r>
+          </a:p>
+        </p:txBody>
+      </p:sp>
+      <p:sp>
+        <p:nvSpPr>
+          <p:cNvPr id="6" name="Rectangle 5"/>
+          <p:cNvSpPr/>
+          <p:nvPr/>
+        </p:nvSpPr>
+        <p:spPr>
+          <a:xfrm>
+            <a:off x="6120441" y="1727439"/>
+            <a:ext cx="1708030" cy="1285336"/>
+          </a:xfrm>
+          <a:prstGeom prst="rect">
+            <a:avLst/>
+          </a:prstGeom>
+        </p:spPr>
+        <p:style>
+          <a:lnRef idx="2">
+            <a:schemeClr val="accent1">
+              <a:shade val="50000"/>
+            </a:schemeClr>
+          </a:lnRef>
+          <a:fillRef idx="1">
+            <a:schemeClr val="accent1"/>
+          </a:fillRef>
+          <a:effectRef idx="0">
+            <a:schemeClr val="accent1"/>
+          </a:effectRef>
+          <a:fontRef idx="minor">
+            <a:schemeClr val="lt1"/>
+          </a:fontRef>
+        </p:style>
+        <p:txBody>
+          <a:bodyPr rtlCol="0" anchor="ctr"/>
+          <a:lstStyle/>
+          <a:p>
+            <a:pPr algn="ctr"/>
+            <a:r>
+              <a:rPr lang="en-IN" dirty="0"/>
+              <a:t>login function</a:t>
+            </a:r>
+          </a:p>
+          <a:p>
+            <a:pPr algn="ctr"/>
+            <a:r>
+              <a:rPr lang="en-IN" dirty="0"/>
+              <a:t>fetches user (admin, student, teacher)</a:t>
+            </a:r>
+          </a:p>
+          <a:p>
+            <a:pPr algn="ctr"/>
+            <a:r>
+              <a:rPr lang="en-IN" dirty="0"/>
+              <a:t>from </a:t>
+            </a:r>
+            <a:r>
+              <a:rPr lang="en-IN" dirty="0" err="1"/>
+              <a:t>supabase</a:t>
+            </a:r>
+            <a:endParaRPr lang="en-IN" dirty="0"/>
+          </a:p>
+        </p:txBody>
+      </p:sp>
+      <p:sp>
+        <p:nvSpPr>
+          <p:cNvPr id="7" name="Flowchart: Decision 6"/>
+          <p:cNvSpPr/>
+          <p:nvPr/>
+        </p:nvSpPr>
+        <p:spPr>
+          <a:xfrm>
+            <a:off x="6313097" y="3651129"/>
+            <a:ext cx="1337095" cy="1173193"/>
+          </a:xfrm>
+          <a:prstGeom prst="flowChartDecision">
+            <a:avLst/>
+          </a:prstGeom>
+        </p:spPr>
+        <p:style>
+          <a:lnRef idx="2">
+            <a:schemeClr val="accent1">
+              <a:shade val="50000"/>
+            </a:schemeClr>
+          </a:lnRef>
+          <a:fillRef idx="1">
+            <a:schemeClr val="accent1"/>
+          </a:fillRef>
+          <a:effectRef idx="0">
+            <a:schemeClr val="accent1"/>
+          </a:effectRef>
+          <a:fontRef idx="minor">
+            <a:schemeClr val="lt1"/>
+          </a:fontRef>
+        </p:style>
+        <p:txBody>
+          <a:bodyPr rtlCol="0" anchor="ctr"/>
+          <a:lstStyle/>
+          <a:p>
+            <a:pPr algn="ctr"/>
+            <a:r>
+              <a:rPr lang="en-IN" dirty="0"/>
+              <a:t>User</a:t>
+            </a:r>
+          </a:p>
+          <a:p>
+            <a:pPr algn="ctr"/>
+            <a:r>
+              <a:rPr lang="en-IN" dirty="0"/>
+              <a:t>found</a:t>
+            </a:r>
+          </a:p>
+        </p:txBody>
+      </p:sp>
+      <p:sp>
+        <p:nvSpPr>
+          <p:cNvPr id="8" name="Right Arrow 7"/>
+          <p:cNvSpPr/>
+          <p:nvPr/>
+        </p:nvSpPr>
+        <p:spPr>
+          <a:xfrm>
+            <a:off x="2475781" y="2191109"/>
             <a:ext cx="583722" cy="276045"/>
           </a:xfrm>
           <a:prstGeom prst="rightArrow">
@@ -15143,14 +15118,232 @@
       </p:sp>
       <p:sp>
         <p:nvSpPr>
-          <p:cNvPr id="6" name="Rectangle 5"/>
+          <p:cNvPr id="9" name="Right Arrow 8"/>
           <p:cNvSpPr/>
           <p:nvPr/>
         </p:nvSpPr>
         <p:spPr>
           <a:xfrm>
-            <a:off x="3059503" y="1667822"/>
-            <a:ext cx="1708030" cy="1567084"/>
+            <a:off x="4767533" y="2273060"/>
+            <a:ext cx="1352908" cy="194094"/>
+          </a:xfrm>
+          <a:prstGeom prst="rightArrow">
+            <a:avLst/>
+          </a:prstGeom>
+        </p:spPr>
+        <p:style>
+          <a:lnRef idx="2">
+            <a:schemeClr val="accent6">
+              <a:shade val="50000"/>
+            </a:schemeClr>
+          </a:lnRef>
+          <a:fillRef idx="1">
+            <a:schemeClr val="accent6"/>
+          </a:fillRef>
+          <a:effectRef idx="0">
+            <a:schemeClr val="accent6"/>
+          </a:effectRef>
+          <a:fontRef idx="minor">
+            <a:schemeClr val="lt1"/>
+          </a:fontRef>
+        </p:style>
+        <p:txBody>
+          <a:bodyPr rtlCol="0" anchor="ctr"/>
+          <a:lstStyle/>
+          <a:p>
+            <a:pPr algn="ctr"/>
+            <a:endParaRPr lang="en-IN"/>
+          </a:p>
+        </p:txBody>
+      </p:sp>
+      <p:sp>
+        <p:nvSpPr>
+          <p:cNvPr id="10" name="Down Arrow 9"/>
+          <p:cNvSpPr/>
+          <p:nvPr/>
+        </p:nvSpPr>
+        <p:spPr>
+          <a:xfrm>
+            <a:off x="6888191" y="3012775"/>
+            <a:ext cx="175404" cy="638354"/>
+          </a:xfrm>
+          <a:prstGeom prst="downArrow">
+            <a:avLst/>
+          </a:prstGeom>
+        </p:spPr>
+        <p:style>
+          <a:lnRef idx="2">
+            <a:schemeClr val="accent6">
+              <a:shade val="50000"/>
+            </a:schemeClr>
+          </a:lnRef>
+          <a:fillRef idx="1">
+            <a:schemeClr val="accent6"/>
+          </a:fillRef>
+          <a:effectRef idx="0">
+            <a:schemeClr val="accent6"/>
+          </a:effectRef>
+          <a:fontRef idx="minor">
+            <a:schemeClr val="lt1"/>
+          </a:fontRef>
+        </p:style>
+        <p:txBody>
+          <a:bodyPr rtlCol="0" anchor="ctr"/>
+          <a:lstStyle/>
+          <a:p>
+            <a:pPr algn="ctr"/>
+            <a:endParaRPr lang="en-IN"/>
+          </a:p>
+        </p:txBody>
+      </p:sp>
+      <p:sp>
+        <p:nvSpPr>
+          <p:cNvPr id="11" name="Down Arrow 10"/>
+          <p:cNvSpPr/>
+          <p:nvPr/>
+        </p:nvSpPr>
+        <p:spPr>
+          <a:xfrm>
+            <a:off x="6864468" y="4729431"/>
+            <a:ext cx="234352" cy="879894"/>
+          </a:xfrm>
+          <a:prstGeom prst="downArrow">
+            <a:avLst/>
+          </a:prstGeom>
+        </p:spPr>
+        <p:style>
+          <a:lnRef idx="2">
+            <a:schemeClr val="accent6">
+              <a:shade val="50000"/>
+            </a:schemeClr>
+          </a:lnRef>
+          <a:fillRef idx="1">
+            <a:schemeClr val="accent6"/>
+          </a:fillRef>
+          <a:effectRef idx="0">
+            <a:schemeClr val="accent6"/>
+          </a:effectRef>
+          <a:fontRef idx="minor">
+            <a:schemeClr val="lt1"/>
+          </a:fontRef>
+        </p:style>
+        <p:txBody>
+          <a:bodyPr rtlCol="0" anchor="ctr"/>
+          <a:lstStyle/>
+          <a:p>
+            <a:pPr algn="ctr"/>
+            <a:endParaRPr lang="en-IN"/>
+          </a:p>
+        </p:txBody>
+      </p:sp>
+      <p:sp>
+        <p:nvSpPr>
+          <p:cNvPr id="12" name="Left Arrow 11"/>
+          <p:cNvSpPr/>
+          <p:nvPr/>
+        </p:nvSpPr>
+        <p:spPr>
+          <a:xfrm>
+            <a:off x="4747403" y="4080294"/>
+            <a:ext cx="1679275" cy="258792"/>
+          </a:xfrm>
+          <a:prstGeom prst="leftArrow">
+            <a:avLst/>
+          </a:prstGeom>
+        </p:spPr>
+        <p:style>
+          <a:lnRef idx="2">
+            <a:schemeClr val="accent6">
+              <a:shade val="50000"/>
+            </a:schemeClr>
+          </a:lnRef>
+          <a:fillRef idx="1">
+            <a:schemeClr val="accent6"/>
+          </a:fillRef>
+          <a:effectRef idx="0">
+            <a:schemeClr val="accent6"/>
+          </a:effectRef>
+          <a:fontRef idx="minor">
+            <a:schemeClr val="lt1"/>
+          </a:fontRef>
+        </p:style>
+        <p:txBody>
+          <a:bodyPr rtlCol="0" anchor="ctr"/>
+          <a:lstStyle/>
+          <a:p>
+            <a:pPr algn="ctr"/>
+            <a:endParaRPr lang="en-IN"/>
+          </a:p>
+        </p:txBody>
+      </p:sp>
+      <p:sp>
+        <p:nvSpPr>
+          <p:cNvPr id="13" name="TextBox 12"/>
+          <p:cNvSpPr txBox="1"/>
+          <p:nvPr/>
+        </p:nvSpPr>
+        <p:spPr>
+          <a:xfrm>
+            <a:off x="7098820" y="4873001"/>
+            <a:ext cx="453970" cy="307777"/>
+          </a:xfrm>
+          <a:prstGeom prst="rect">
+            <a:avLst/>
+          </a:prstGeom>
+          <a:noFill/>
+        </p:spPr>
+        <p:txBody>
+          <a:bodyPr wrap="none" rtlCol="0">
+            <a:spAutoFit/>
+          </a:bodyPr>
+          <a:lstStyle/>
+          <a:p>
+            <a:r>
+              <a:rPr lang="en-IN" dirty="0"/>
+              <a:t>NO</a:t>
+            </a:r>
+          </a:p>
+        </p:txBody>
+      </p:sp>
+      <p:sp>
+        <p:nvSpPr>
+          <p:cNvPr id="14" name="TextBox 13"/>
+          <p:cNvSpPr txBox="1"/>
+          <p:nvPr/>
+        </p:nvSpPr>
+        <p:spPr>
+          <a:xfrm>
+            <a:off x="5447765" y="4339086"/>
+            <a:ext cx="494046" cy="307777"/>
+          </a:xfrm>
+          <a:prstGeom prst="rect">
+            <a:avLst/>
+          </a:prstGeom>
+          <a:noFill/>
+        </p:spPr>
+        <p:txBody>
+          <a:bodyPr wrap="none" rtlCol="0">
+            <a:spAutoFit/>
+          </a:bodyPr>
+          <a:lstStyle/>
+          <a:p>
+            <a:r>
+              <a:rPr lang="en-IN" dirty="0"/>
+              <a:t>Yes</a:t>
+            </a:r>
+          </a:p>
+        </p:txBody>
+      </p:sp>
+      <p:sp>
+        <p:nvSpPr>
+          <p:cNvPr id="16" name="Rectangle 15"/>
+          <p:cNvSpPr/>
+          <p:nvPr/>
+        </p:nvSpPr>
+        <p:spPr>
+          <a:xfrm>
+            <a:off x="6127629" y="5613638"/>
+            <a:ext cx="1708030" cy="526211"/>
           </a:xfrm>
           <a:prstGeom prst="rect">
             <a:avLst/>
@@ -15179,83 +15372,23 @@
             <a:pPr algn="ctr"/>
             <a:r>
               <a:rPr lang="en-IN" dirty="0"/>
-              <a:t>React query mutation, to add a student to </a:t>
-            </a:r>
-            <a:r>
-              <a:rPr lang="en-IN" dirty="0" err="1"/>
-              <a:t>supabase</a:t>
-            </a:r>
-            <a:r>
-              <a:rPr lang="en-IN" dirty="0"/>
-              <a:t>,</a:t>
-            </a:r>
-          </a:p>
-          <a:p>
-            <a:pPr algn="ctr"/>
-            <a:r>
-              <a:rPr lang="en-IN" dirty="0"/>
-              <a:t>runs.</a:t>
-            </a:r>
-          </a:p>
-          <a:p>
-            <a:pPr algn="ctr"/>
-            <a:endParaRPr lang="en-IN" dirty="0"/>
-          </a:p>
-        </p:txBody>
-      </p:sp>
-      <p:sp>
-        <p:nvSpPr>
-          <p:cNvPr id="7" name="TextBox 6"/>
-          <p:cNvSpPr txBox="1"/>
-          <p:nvPr/>
-        </p:nvSpPr>
-        <p:spPr>
-          <a:xfrm>
-            <a:off x="695866" y="5589917"/>
-            <a:ext cx="7510389" cy="369332"/>
-          </a:xfrm>
-          <a:prstGeom prst="rect">
-            <a:avLst/>
-          </a:prstGeom>
-          <a:noFill/>
-        </p:spPr>
-        <p:txBody>
-          <a:bodyPr wrap="none" rtlCol="0">
-            <a:spAutoFit/>
-          </a:bodyPr>
-          <a:lstStyle/>
-          <a:p>
-            <a:r>
-              <a:rPr lang="en-IN" sz="1800" b="1" dirty="0">
-                <a:latin typeface="Calibri" pitchFamily="34" charset="0"/>
-                <a:ea typeface="Calibri" pitchFamily="34" charset="0"/>
-                <a:cs typeface="Calibri" pitchFamily="34" charset="0"/>
-              </a:rPr>
-              <a:t>Note</a:t>
-            </a:r>
-            <a:r>
-              <a:rPr lang="en-IN" sz="1800" dirty="0">
-                <a:latin typeface="Calibri" pitchFamily="34" charset="0"/>
-                <a:ea typeface="Calibri" pitchFamily="34" charset="0"/>
-                <a:cs typeface="Calibri" pitchFamily="34" charset="0"/>
-              </a:rPr>
-              <a:t>: Student who registered will need admin approval before they can login.</a:t>
-            </a:r>
-          </a:p>
-        </p:txBody>
-      </p:sp>
-      <p:sp>
-        <p:nvSpPr>
-          <p:cNvPr id="8" name="Flowchart: Decision 7"/>
+              <a:t>Display error</a:t>
+            </a:r>
+          </a:p>
+        </p:txBody>
+      </p:sp>
+      <p:sp>
+        <p:nvSpPr>
+          <p:cNvPr id="17" name="Rectangle 16"/>
           <p:cNvSpPr/>
           <p:nvPr/>
         </p:nvSpPr>
         <p:spPr>
           <a:xfrm>
-            <a:off x="5305243" y="2163686"/>
-            <a:ext cx="2044461" cy="1704490"/>
-          </a:xfrm>
-          <a:prstGeom prst="flowChartDecision">
+            <a:off x="3059503" y="3781294"/>
+            <a:ext cx="1708030" cy="898382"/>
+          </a:xfrm>
+          <a:prstGeom prst="rect">
             <a:avLst/>
           </a:prstGeom>
         </p:spPr>
@@ -15282,30 +15415,31 @@
             <a:pPr algn="ctr"/>
             <a:r>
               <a:rPr lang="en-IN" dirty="0"/>
-              <a:t>Email</a:t>
-            </a:r>
-          </a:p>
-          <a:p>
-            <a:pPr algn="ctr"/>
+              <a:t>Set user in </a:t>
+            </a:r>
+            <a:r>
+              <a:rPr lang="en-IN" dirty="0" err="1"/>
+              <a:t>AuthContext</a:t>
+            </a:r>
             <a:r>
               <a:rPr lang="en-IN" dirty="0"/>
-              <a:t>Already registered</a:t>
-            </a:r>
-          </a:p>
-        </p:txBody>
-      </p:sp>
-      <p:sp>
-        <p:nvSpPr>
-          <p:cNvPr id="10" name="Down Arrow 9"/>
+              <a:t> to the user found</a:t>
+            </a:r>
+          </a:p>
+        </p:txBody>
+      </p:sp>
+      <p:sp>
+        <p:nvSpPr>
+          <p:cNvPr id="18" name="Left Arrow 17"/>
           <p:cNvSpPr/>
           <p:nvPr/>
         </p:nvSpPr>
         <p:spPr>
           <a:xfrm>
-            <a:off x="6210297" y="3859549"/>
-            <a:ext cx="234352" cy="879894"/>
-          </a:xfrm>
-          <a:prstGeom prst="downArrow">
+            <a:off x="2257247" y="4113107"/>
+            <a:ext cx="802256" cy="258792"/>
+          </a:xfrm>
+          <a:prstGeom prst="leftArrow">
             <a:avLst/>
           </a:prstGeom>
         </p:spPr>
@@ -15334,91 +15468,16 @@
           </a:p>
         </p:txBody>
       </p:sp>
-      <p:cxnSp>
-        <p:nvCxnSpPr>
-          <p:cNvPr id="12" name="Straight Arrow Connector 11"/>
-          <p:cNvCxnSpPr>
-            <a:stCxn id="6" idx="3"/>
-          </p:cNvCxnSpPr>
-          <p:nvPr/>
-        </p:nvCxnSpPr>
-        <p:spPr>
-          <a:xfrm>
-            <a:off x="4767533" y="2451364"/>
-            <a:ext cx="753373" cy="386727"/>
-          </a:xfrm>
-          <a:prstGeom prst="straightConnector1">
-            <a:avLst/>
-          </a:prstGeom>
-          <a:ln>
-            <a:tailEnd type="arrow"/>
-          </a:ln>
-        </p:spPr>
-        <p:style>
-          <a:lnRef idx="1">
-            <a:schemeClr val="accent1"/>
-          </a:lnRef>
-          <a:fillRef idx="0">
-            <a:schemeClr val="accent1"/>
-          </a:fillRef>
-          <a:effectRef idx="0">
-            <a:schemeClr val="accent1"/>
-          </a:effectRef>
-          <a:fontRef idx="minor">
-            <a:schemeClr val="tx1"/>
-          </a:fontRef>
-        </p:style>
-      </p:cxnSp>
-      <p:sp>
-        <p:nvSpPr>
-          <p:cNvPr id="14" name="Right Arrow 13"/>
+      <p:sp>
+        <p:nvSpPr>
+          <p:cNvPr id="21" name="Rectangle 20"/>
           <p:cNvSpPr/>
           <p:nvPr/>
         </p:nvSpPr>
         <p:spPr>
           <a:xfrm>
-            <a:off x="7349704" y="2877908"/>
-            <a:ext cx="583722" cy="276045"/>
-          </a:xfrm>
-          <a:prstGeom prst="rightArrow">
-            <a:avLst/>
-          </a:prstGeom>
-        </p:spPr>
-        <p:style>
-          <a:lnRef idx="2">
-            <a:schemeClr val="accent6">
-              <a:shade val="50000"/>
-            </a:schemeClr>
-          </a:lnRef>
-          <a:fillRef idx="1">
-            <a:schemeClr val="accent6"/>
-          </a:fillRef>
-          <a:effectRef idx="0">
-            <a:schemeClr val="accent6"/>
-          </a:effectRef>
-          <a:fontRef idx="minor">
-            <a:schemeClr val="lt1"/>
-          </a:fontRef>
-        </p:style>
-        <p:txBody>
-          <a:bodyPr rtlCol="0" anchor="ctr"/>
-          <a:lstStyle/>
-          <a:p>
-            <a:pPr algn="ctr"/>
-            <a:endParaRPr lang="en-IN"/>
-          </a:p>
-        </p:txBody>
-      </p:sp>
-      <p:sp>
-        <p:nvSpPr>
-          <p:cNvPr id="15" name="Rectangle 14"/>
-          <p:cNvSpPr/>
-          <p:nvPr/>
-        </p:nvSpPr>
-        <p:spPr>
-          <a:xfrm>
-            <a:off x="7933424" y="2791645"/>
-            <a:ext cx="994915" cy="469141"/>
+            <a:off x="549217" y="3455494"/>
+            <a:ext cx="1708030" cy="1574017"/>
           </a:xfrm>
           <a:prstGeom prst="rect">
             <a:avLst/>
@@ -15446,109 +15505,27 @@
           <a:p>
             <a:pPr algn="ctr"/>
             <a:r>
+              <a:rPr lang="en-IN" dirty="0" err="1"/>
+              <a:t>useEffect</a:t>
+            </a:r>
+            <a:r>
               <a:rPr lang="en-IN" dirty="0"/>
-              <a:t>Show error</a:t>
-            </a:r>
-          </a:p>
-        </p:txBody>
-      </p:sp>
-      <p:sp>
-        <p:nvSpPr>
-          <p:cNvPr id="16" name="TextBox 15"/>
-          <p:cNvSpPr txBox="1"/>
-          <p:nvPr/>
-        </p:nvSpPr>
-        <p:spPr>
-          <a:xfrm>
-            <a:off x="7349704" y="2451364"/>
-            <a:ext cx="583720" cy="307777"/>
-          </a:xfrm>
-          <a:prstGeom prst="rect">
-            <a:avLst/>
-          </a:prstGeom>
-          <a:noFill/>
-        </p:spPr>
-        <p:txBody>
-          <a:bodyPr wrap="square" rtlCol="0">
-            <a:spAutoFit/>
-          </a:bodyPr>
-          <a:lstStyle/>
-          <a:p>
+              <a:t> in </a:t>
+            </a:r>
+            <a:r>
+              <a:rPr lang="en-IN" dirty="0" err="1"/>
+              <a:t>AuthContext</a:t>
+            </a:r>
             <a:r>
               <a:rPr lang="en-IN" dirty="0"/>
-              <a:t>YES</a:t>
-            </a:r>
-          </a:p>
-        </p:txBody>
-      </p:sp>
-      <p:sp>
-        <p:nvSpPr>
-          <p:cNvPr id="17" name="TextBox 16"/>
-          <p:cNvSpPr txBox="1"/>
-          <p:nvPr/>
-        </p:nvSpPr>
-        <p:spPr>
-          <a:xfrm>
-            <a:off x="6444649" y="4145607"/>
-            <a:ext cx="583720" cy="307777"/>
-          </a:xfrm>
-          <a:prstGeom prst="rect">
-            <a:avLst/>
-          </a:prstGeom>
-          <a:noFill/>
-        </p:spPr>
-        <p:txBody>
-          <a:bodyPr wrap="square" rtlCol="0">
-            <a:spAutoFit/>
-          </a:bodyPr>
-          <a:lstStyle/>
-          <a:p>
+              <a:t> reacts to the change in user</a:t>
+            </a:r>
+          </a:p>
+          <a:p>
+            <a:pPr algn="ctr"/>
             <a:r>
               <a:rPr lang="en-IN" dirty="0"/>
-              <a:t>NO</a:t>
-            </a:r>
-          </a:p>
-        </p:txBody>
-      </p:sp>
-      <p:sp>
-        <p:nvSpPr>
-          <p:cNvPr id="19" name="Rectangle 18"/>
-          <p:cNvSpPr/>
-          <p:nvPr/>
-        </p:nvSpPr>
-        <p:spPr>
-          <a:xfrm>
-            <a:off x="5830015" y="4730818"/>
-            <a:ext cx="994915" cy="469141"/>
-          </a:xfrm>
-          <a:prstGeom prst="rect">
-            <a:avLst/>
-          </a:prstGeom>
-        </p:spPr>
-        <p:style>
-          <a:lnRef idx="2">
-            <a:schemeClr val="accent1">
-              <a:shade val="50000"/>
-            </a:schemeClr>
-          </a:lnRef>
-          <a:fillRef idx="1">
-            <a:schemeClr val="accent1"/>
-          </a:fillRef>
-          <a:effectRef idx="0">
-            <a:schemeClr val="accent1"/>
-          </a:effectRef>
-          <a:fontRef idx="minor">
-            <a:schemeClr val="lt1"/>
-          </a:fontRef>
-        </p:style>
-        <p:txBody>
-          <a:bodyPr rtlCol="0" anchor="ctr"/>
-          <a:lstStyle/>
-          <a:p>
-            <a:pPr algn="ctr"/>
-            <a:r>
-              <a:rPr lang="en-IN" dirty="0"/>
-              <a:t>Add student</a:t>
+              <a:t>And redirects to a route based on role</a:t>
             </a:r>
           </a:p>
         </p:txBody>
@@ -15556,7 +15533,7 @@
     </p:spTree>
     <p:extLst>
       <p:ext uri="{BB962C8B-B14F-4D97-AF65-F5344CB8AC3E}">
-        <p14:creationId xmlns:p14="http://schemas.microsoft.com/office/powerpoint/2010/main" val="2938174994"/>
+        <p14:creationId xmlns:p14="http://schemas.microsoft.com/office/powerpoint/2010/main" val="268808511"/>
       </p:ext>
     </p:extLst>
   </p:cSld>
@@ -15593,19 +15570,509 @@
             <p:ph type="title"/>
           </p:nvPr>
         </p:nvSpPr>
-        <p:spPr>
-          <a:xfrm>
-            <a:off x="457200" y="274637"/>
-            <a:ext cx="8229600" cy="6264185"/>
-          </a:xfrm>
-        </p:spPr>
+        <p:spPr/>
         <p:txBody>
           <a:bodyPr/>
           <a:lstStyle/>
           <a:p>
             <a:r>
               <a:rPr lang="en-IN" b="1" dirty="0"/>
-              <a:t>Admin</a:t>
+              <a:t>Registering a student</a:t>
+            </a:r>
+          </a:p>
+        </p:txBody>
+      </p:sp>
+      <p:sp>
+        <p:nvSpPr>
+          <p:cNvPr id="4" name="Rectangle 3"/>
+          <p:cNvSpPr/>
+          <p:nvPr/>
+        </p:nvSpPr>
+        <p:spPr>
+          <a:xfrm>
+            <a:off x="764877" y="1667822"/>
+            <a:ext cx="1708030" cy="898382"/>
+          </a:xfrm>
+          <a:prstGeom prst="rect">
+            <a:avLst/>
+          </a:prstGeom>
+        </p:spPr>
+        <p:style>
+          <a:lnRef idx="2">
+            <a:schemeClr val="accent1">
+              <a:shade val="50000"/>
+            </a:schemeClr>
+          </a:lnRef>
+          <a:fillRef idx="1">
+            <a:schemeClr val="accent1"/>
+          </a:fillRef>
+          <a:effectRef idx="0">
+            <a:schemeClr val="accent1"/>
+          </a:effectRef>
+          <a:fontRef idx="minor">
+            <a:schemeClr val="lt1"/>
+          </a:fontRef>
+        </p:style>
+        <p:txBody>
+          <a:bodyPr rtlCol="0" anchor="ctr"/>
+          <a:lstStyle/>
+          <a:p>
+            <a:pPr algn="ctr"/>
+            <a:r>
+              <a:rPr lang="en-IN" dirty="0"/>
+              <a:t>Register form submitted</a:t>
+            </a:r>
+          </a:p>
+        </p:txBody>
+      </p:sp>
+      <p:sp>
+        <p:nvSpPr>
+          <p:cNvPr id="5" name="Right Arrow 4"/>
+          <p:cNvSpPr/>
+          <p:nvPr/>
+        </p:nvSpPr>
+        <p:spPr>
+          <a:xfrm>
+            <a:off x="2475781" y="1978990"/>
+            <a:ext cx="583722" cy="276045"/>
+          </a:xfrm>
+          <a:prstGeom prst="rightArrow">
+            <a:avLst/>
+          </a:prstGeom>
+        </p:spPr>
+        <p:style>
+          <a:lnRef idx="2">
+            <a:schemeClr val="accent6">
+              <a:shade val="50000"/>
+            </a:schemeClr>
+          </a:lnRef>
+          <a:fillRef idx="1">
+            <a:schemeClr val="accent6"/>
+          </a:fillRef>
+          <a:effectRef idx="0">
+            <a:schemeClr val="accent6"/>
+          </a:effectRef>
+          <a:fontRef idx="minor">
+            <a:schemeClr val="lt1"/>
+          </a:fontRef>
+        </p:style>
+        <p:txBody>
+          <a:bodyPr rtlCol="0" anchor="ctr"/>
+          <a:lstStyle/>
+          <a:p>
+            <a:pPr algn="ctr"/>
+            <a:endParaRPr lang="en-IN"/>
+          </a:p>
+        </p:txBody>
+      </p:sp>
+      <p:sp>
+        <p:nvSpPr>
+          <p:cNvPr id="6" name="Rectangle 5"/>
+          <p:cNvSpPr/>
+          <p:nvPr/>
+        </p:nvSpPr>
+        <p:spPr>
+          <a:xfrm>
+            <a:off x="3059503" y="1667822"/>
+            <a:ext cx="1708030" cy="1567084"/>
+          </a:xfrm>
+          <a:prstGeom prst="rect">
+            <a:avLst/>
+          </a:prstGeom>
+        </p:spPr>
+        <p:style>
+          <a:lnRef idx="2">
+            <a:schemeClr val="accent1">
+              <a:shade val="50000"/>
+            </a:schemeClr>
+          </a:lnRef>
+          <a:fillRef idx="1">
+            <a:schemeClr val="accent1"/>
+          </a:fillRef>
+          <a:effectRef idx="0">
+            <a:schemeClr val="accent1"/>
+          </a:effectRef>
+          <a:fontRef idx="minor">
+            <a:schemeClr val="lt1"/>
+          </a:fontRef>
+        </p:style>
+        <p:txBody>
+          <a:bodyPr rtlCol="0" anchor="ctr"/>
+          <a:lstStyle/>
+          <a:p>
+            <a:pPr algn="ctr"/>
+            <a:r>
+              <a:rPr lang="en-IN" dirty="0"/>
+              <a:t>React query mutation, to add a student to </a:t>
+            </a:r>
+            <a:r>
+              <a:rPr lang="en-IN" dirty="0" err="1"/>
+              <a:t>supabase</a:t>
+            </a:r>
+            <a:r>
+              <a:rPr lang="en-IN" dirty="0"/>
+              <a:t>,</a:t>
+            </a:r>
+          </a:p>
+          <a:p>
+            <a:pPr algn="ctr"/>
+            <a:r>
+              <a:rPr lang="en-IN" dirty="0"/>
+              <a:t>runs.</a:t>
+            </a:r>
+          </a:p>
+          <a:p>
+            <a:pPr algn="ctr"/>
+            <a:endParaRPr lang="en-IN" dirty="0"/>
+          </a:p>
+        </p:txBody>
+      </p:sp>
+      <p:sp>
+        <p:nvSpPr>
+          <p:cNvPr id="7" name="TextBox 6"/>
+          <p:cNvSpPr txBox="1"/>
+          <p:nvPr/>
+        </p:nvSpPr>
+        <p:spPr>
+          <a:xfrm>
+            <a:off x="695866" y="5589917"/>
+            <a:ext cx="7510389" cy="369332"/>
+          </a:xfrm>
+          <a:prstGeom prst="rect">
+            <a:avLst/>
+          </a:prstGeom>
+          <a:noFill/>
+        </p:spPr>
+        <p:txBody>
+          <a:bodyPr wrap="none" rtlCol="0">
+            <a:spAutoFit/>
+          </a:bodyPr>
+          <a:lstStyle/>
+          <a:p>
+            <a:r>
+              <a:rPr lang="en-IN" sz="1800" b="1" dirty="0">
+                <a:latin typeface="Calibri" pitchFamily="34" charset="0"/>
+                <a:ea typeface="Calibri" pitchFamily="34" charset="0"/>
+                <a:cs typeface="Calibri" pitchFamily="34" charset="0"/>
+              </a:rPr>
+              <a:t>Note</a:t>
+            </a:r>
+            <a:r>
+              <a:rPr lang="en-IN" sz="1800" dirty="0">
+                <a:latin typeface="Calibri" pitchFamily="34" charset="0"/>
+                <a:ea typeface="Calibri" pitchFamily="34" charset="0"/>
+                <a:cs typeface="Calibri" pitchFamily="34" charset="0"/>
+              </a:rPr>
+              <a:t>: Student who registered will need admin approval before they can login.</a:t>
+            </a:r>
+          </a:p>
+        </p:txBody>
+      </p:sp>
+      <p:sp>
+        <p:nvSpPr>
+          <p:cNvPr id="8" name="Flowchart: Decision 7"/>
+          <p:cNvSpPr/>
+          <p:nvPr/>
+        </p:nvSpPr>
+        <p:spPr>
+          <a:xfrm>
+            <a:off x="5305243" y="2163686"/>
+            <a:ext cx="2044461" cy="1704490"/>
+          </a:xfrm>
+          <a:prstGeom prst="flowChartDecision">
+            <a:avLst/>
+          </a:prstGeom>
+        </p:spPr>
+        <p:style>
+          <a:lnRef idx="2">
+            <a:schemeClr val="accent1">
+              <a:shade val="50000"/>
+            </a:schemeClr>
+          </a:lnRef>
+          <a:fillRef idx="1">
+            <a:schemeClr val="accent1"/>
+          </a:fillRef>
+          <a:effectRef idx="0">
+            <a:schemeClr val="accent1"/>
+          </a:effectRef>
+          <a:fontRef idx="minor">
+            <a:schemeClr val="lt1"/>
+          </a:fontRef>
+        </p:style>
+        <p:txBody>
+          <a:bodyPr rtlCol="0" anchor="ctr"/>
+          <a:lstStyle/>
+          <a:p>
+            <a:pPr algn="ctr"/>
+            <a:r>
+              <a:rPr lang="en-IN" dirty="0"/>
+              <a:t>Email</a:t>
+            </a:r>
+          </a:p>
+          <a:p>
+            <a:pPr algn="ctr"/>
+            <a:r>
+              <a:rPr lang="en-IN" dirty="0"/>
+              <a:t>Already registered</a:t>
+            </a:r>
+          </a:p>
+        </p:txBody>
+      </p:sp>
+      <p:sp>
+        <p:nvSpPr>
+          <p:cNvPr id="10" name="Down Arrow 9"/>
+          <p:cNvSpPr/>
+          <p:nvPr/>
+        </p:nvSpPr>
+        <p:spPr>
+          <a:xfrm>
+            <a:off x="6210297" y="3859549"/>
+            <a:ext cx="234352" cy="879894"/>
+          </a:xfrm>
+          <a:prstGeom prst="downArrow">
+            <a:avLst/>
+          </a:prstGeom>
+        </p:spPr>
+        <p:style>
+          <a:lnRef idx="2">
+            <a:schemeClr val="accent6">
+              <a:shade val="50000"/>
+            </a:schemeClr>
+          </a:lnRef>
+          <a:fillRef idx="1">
+            <a:schemeClr val="accent6"/>
+          </a:fillRef>
+          <a:effectRef idx="0">
+            <a:schemeClr val="accent6"/>
+          </a:effectRef>
+          <a:fontRef idx="minor">
+            <a:schemeClr val="lt1"/>
+          </a:fontRef>
+        </p:style>
+        <p:txBody>
+          <a:bodyPr rtlCol="0" anchor="ctr"/>
+          <a:lstStyle/>
+          <a:p>
+            <a:pPr algn="ctr"/>
+            <a:endParaRPr lang="en-IN"/>
+          </a:p>
+        </p:txBody>
+      </p:sp>
+      <p:cxnSp>
+        <p:nvCxnSpPr>
+          <p:cNvPr id="12" name="Straight Arrow Connector 11"/>
+          <p:cNvCxnSpPr>
+            <a:stCxn id="6" idx="3"/>
+          </p:cNvCxnSpPr>
+          <p:nvPr/>
+        </p:nvCxnSpPr>
+        <p:spPr>
+          <a:xfrm>
+            <a:off x="4767533" y="2451364"/>
+            <a:ext cx="753373" cy="386727"/>
+          </a:xfrm>
+          <a:prstGeom prst="straightConnector1">
+            <a:avLst/>
+          </a:prstGeom>
+          <a:ln>
+            <a:tailEnd type="arrow"/>
+          </a:ln>
+        </p:spPr>
+        <p:style>
+          <a:lnRef idx="1">
+            <a:schemeClr val="accent1"/>
+          </a:lnRef>
+          <a:fillRef idx="0">
+            <a:schemeClr val="accent1"/>
+          </a:fillRef>
+          <a:effectRef idx="0">
+            <a:schemeClr val="accent1"/>
+          </a:effectRef>
+          <a:fontRef idx="minor">
+            <a:schemeClr val="tx1"/>
+          </a:fontRef>
+        </p:style>
+      </p:cxnSp>
+      <p:sp>
+        <p:nvSpPr>
+          <p:cNvPr id="14" name="Right Arrow 13"/>
+          <p:cNvSpPr/>
+          <p:nvPr/>
+        </p:nvSpPr>
+        <p:spPr>
+          <a:xfrm>
+            <a:off x="7349704" y="2877908"/>
+            <a:ext cx="583722" cy="276045"/>
+          </a:xfrm>
+          <a:prstGeom prst="rightArrow">
+            <a:avLst/>
+          </a:prstGeom>
+        </p:spPr>
+        <p:style>
+          <a:lnRef idx="2">
+            <a:schemeClr val="accent6">
+              <a:shade val="50000"/>
+            </a:schemeClr>
+          </a:lnRef>
+          <a:fillRef idx="1">
+            <a:schemeClr val="accent6"/>
+          </a:fillRef>
+          <a:effectRef idx="0">
+            <a:schemeClr val="accent6"/>
+          </a:effectRef>
+          <a:fontRef idx="minor">
+            <a:schemeClr val="lt1"/>
+          </a:fontRef>
+        </p:style>
+        <p:txBody>
+          <a:bodyPr rtlCol="0" anchor="ctr"/>
+          <a:lstStyle/>
+          <a:p>
+            <a:pPr algn="ctr"/>
+            <a:endParaRPr lang="en-IN"/>
+          </a:p>
+        </p:txBody>
+      </p:sp>
+      <p:sp>
+        <p:nvSpPr>
+          <p:cNvPr id="15" name="Rectangle 14"/>
+          <p:cNvSpPr/>
+          <p:nvPr/>
+        </p:nvSpPr>
+        <p:spPr>
+          <a:xfrm>
+            <a:off x="7933424" y="2791645"/>
+            <a:ext cx="994915" cy="469141"/>
+          </a:xfrm>
+          <a:prstGeom prst="rect">
+            <a:avLst/>
+          </a:prstGeom>
+        </p:spPr>
+        <p:style>
+          <a:lnRef idx="2">
+            <a:schemeClr val="accent1">
+              <a:shade val="50000"/>
+            </a:schemeClr>
+          </a:lnRef>
+          <a:fillRef idx="1">
+            <a:schemeClr val="accent1"/>
+          </a:fillRef>
+          <a:effectRef idx="0">
+            <a:schemeClr val="accent1"/>
+          </a:effectRef>
+          <a:fontRef idx="minor">
+            <a:schemeClr val="lt1"/>
+          </a:fontRef>
+        </p:style>
+        <p:txBody>
+          <a:bodyPr rtlCol="0" anchor="ctr"/>
+          <a:lstStyle/>
+          <a:p>
+            <a:pPr algn="ctr"/>
+            <a:r>
+              <a:rPr lang="en-IN" dirty="0"/>
+              <a:t>Show error</a:t>
+            </a:r>
+          </a:p>
+        </p:txBody>
+      </p:sp>
+      <p:sp>
+        <p:nvSpPr>
+          <p:cNvPr id="16" name="TextBox 15"/>
+          <p:cNvSpPr txBox="1"/>
+          <p:nvPr/>
+        </p:nvSpPr>
+        <p:spPr>
+          <a:xfrm>
+            <a:off x="7349704" y="2451364"/>
+            <a:ext cx="583720" cy="307777"/>
+          </a:xfrm>
+          <a:prstGeom prst="rect">
+            <a:avLst/>
+          </a:prstGeom>
+          <a:noFill/>
+        </p:spPr>
+        <p:txBody>
+          <a:bodyPr wrap="square" rtlCol="0">
+            <a:spAutoFit/>
+          </a:bodyPr>
+          <a:lstStyle/>
+          <a:p>
+            <a:r>
+              <a:rPr lang="en-IN" dirty="0"/>
+              <a:t>YES</a:t>
+            </a:r>
+          </a:p>
+        </p:txBody>
+      </p:sp>
+      <p:sp>
+        <p:nvSpPr>
+          <p:cNvPr id="17" name="TextBox 16"/>
+          <p:cNvSpPr txBox="1"/>
+          <p:nvPr/>
+        </p:nvSpPr>
+        <p:spPr>
+          <a:xfrm>
+            <a:off x="6444649" y="4145607"/>
+            <a:ext cx="583720" cy="307777"/>
+          </a:xfrm>
+          <a:prstGeom prst="rect">
+            <a:avLst/>
+          </a:prstGeom>
+          <a:noFill/>
+        </p:spPr>
+        <p:txBody>
+          <a:bodyPr wrap="square" rtlCol="0">
+            <a:spAutoFit/>
+          </a:bodyPr>
+          <a:lstStyle/>
+          <a:p>
+            <a:r>
+              <a:rPr lang="en-IN" dirty="0"/>
+              <a:t>NO</a:t>
+            </a:r>
+          </a:p>
+        </p:txBody>
+      </p:sp>
+      <p:sp>
+        <p:nvSpPr>
+          <p:cNvPr id="19" name="Rectangle 18"/>
+          <p:cNvSpPr/>
+          <p:nvPr/>
+        </p:nvSpPr>
+        <p:spPr>
+          <a:xfrm>
+            <a:off x="5830015" y="4730818"/>
+            <a:ext cx="994915" cy="469141"/>
+          </a:xfrm>
+          <a:prstGeom prst="rect">
+            <a:avLst/>
+          </a:prstGeom>
+        </p:spPr>
+        <p:style>
+          <a:lnRef idx="2">
+            <a:schemeClr val="accent1">
+              <a:shade val="50000"/>
+            </a:schemeClr>
+          </a:lnRef>
+          <a:fillRef idx="1">
+            <a:schemeClr val="accent1"/>
+          </a:fillRef>
+          <a:effectRef idx="0">
+            <a:schemeClr val="accent1"/>
+          </a:effectRef>
+          <a:fontRef idx="minor">
+            <a:schemeClr val="lt1"/>
+          </a:fontRef>
+        </p:style>
+        <p:txBody>
+          <a:bodyPr rtlCol="0" anchor="ctr"/>
+          <a:lstStyle/>
+          <a:p>
+            <a:pPr algn="ctr"/>
+            <a:r>
+              <a:rPr lang="en-IN" dirty="0"/>
+              <a:t>Add student</a:t>
             </a:r>
           </a:p>
         </p:txBody>
@@ -15613,7 +16080,7 @@
     </p:spTree>
     <p:extLst>
       <p:ext uri="{BB962C8B-B14F-4D97-AF65-F5344CB8AC3E}">
-        <p14:creationId xmlns:p14="http://schemas.microsoft.com/office/powerpoint/2010/main" val="2428395038"/>
+        <p14:creationId xmlns:p14="http://schemas.microsoft.com/office/powerpoint/2010/main" val="2938174994"/>
       </p:ext>
     </p:extLst>
   </p:cSld>
@@ -15650,232 +16117,19 @@
             <p:ph type="title"/>
           </p:nvPr>
         </p:nvSpPr>
-        <p:spPr/>
+        <p:spPr>
+          <a:xfrm>
+            <a:off x="457200" y="274637"/>
+            <a:ext cx="8229600" cy="6264185"/>
+          </a:xfrm>
+        </p:spPr>
         <p:txBody>
           <a:bodyPr/>
           <a:lstStyle/>
           <a:p>
             <a:r>
               <a:rPr lang="en-IN" b="1" dirty="0"/>
-              <a:t>List all teachers (Admin)</a:t>
-            </a:r>
-          </a:p>
-        </p:txBody>
-      </p:sp>
-      <p:sp>
-        <p:nvSpPr>
-          <p:cNvPr id="4" name="Rectangle 3"/>
-          <p:cNvSpPr/>
-          <p:nvPr/>
-        </p:nvSpPr>
-        <p:spPr>
-          <a:xfrm>
-            <a:off x="1092680" y="2659679"/>
-            <a:ext cx="1874806" cy="1118510"/>
-          </a:xfrm>
-          <a:prstGeom prst="rect">
-            <a:avLst/>
-          </a:prstGeom>
-        </p:spPr>
-        <p:style>
-          <a:lnRef idx="2">
-            <a:schemeClr val="accent1">
-              <a:shade val="50000"/>
-            </a:schemeClr>
-          </a:lnRef>
-          <a:fillRef idx="1">
-            <a:schemeClr val="accent1"/>
-          </a:fillRef>
-          <a:effectRef idx="0">
-            <a:schemeClr val="accent1"/>
-          </a:effectRef>
-          <a:fontRef idx="minor">
-            <a:schemeClr val="lt1"/>
-          </a:fontRef>
-        </p:style>
-        <p:txBody>
-          <a:bodyPr rtlCol="0" anchor="ctr"/>
-          <a:lstStyle/>
-          <a:p>
-            <a:pPr algn="ctr"/>
-            <a:r>
-              <a:rPr lang="en-IN" dirty="0"/>
-              <a:t>Admin selects a teachers tab on sidebar, or just logged in</a:t>
-            </a:r>
-          </a:p>
-        </p:txBody>
-      </p:sp>
-      <p:sp>
-        <p:nvSpPr>
-          <p:cNvPr id="5" name="Right Arrow 4"/>
-          <p:cNvSpPr/>
-          <p:nvPr/>
-        </p:nvSpPr>
-        <p:spPr>
-          <a:xfrm>
-            <a:off x="2967486" y="3080912"/>
-            <a:ext cx="583722" cy="276045"/>
-          </a:xfrm>
-          <a:prstGeom prst="rightArrow">
-            <a:avLst/>
-          </a:prstGeom>
-        </p:spPr>
-        <p:style>
-          <a:lnRef idx="2">
-            <a:schemeClr val="accent6">
-              <a:shade val="50000"/>
-            </a:schemeClr>
-          </a:lnRef>
-          <a:fillRef idx="1">
-            <a:schemeClr val="accent6"/>
-          </a:fillRef>
-          <a:effectRef idx="0">
-            <a:schemeClr val="accent6"/>
-          </a:effectRef>
-          <a:fontRef idx="minor">
-            <a:schemeClr val="lt1"/>
-          </a:fontRef>
-        </p:style>
-        <p:txBody>
-          <a:bodyPr rtlCol="0" anchor="ctr"/>
-          <a:lstStyle/>
-          <a:p>
-            <a:pPr algn="ctr"/>
-            <a:endParaRPr lang="en-IN"/>
-          </a:p>
-        </p:txBody>
-      </p:sp>
-      <p:sp>
-        <p:nvSpPr>
-          <p:cNvPr id="7" name="Rectangle 6"/>
-          <p:cNvSpPr/>
-          <p:nvPr/>
-        </p:nvSpPr>
-        <p:spPr>
-          <a:xfrm>
-            <a:off x="3551208" y="2659679"/>
-            <a:ext cx="1874806" cy="1118510"/>
-          </a:xfrm>
-          <a:prstGeom prst="rect">
-            <a:avLst/>
-          </a:prstGeom>
-        </p:spPr>
-        <p:style>
-          <a:lnRef idx="2">
-            <a:schemeClr val="accent1">
-              <a:shade val="50000"/>
-            </a:schemeClr>
-          </a:lnRef>
-          <a:fillRef idx="1">
-            <a:schemeClr val="accent1"/>
-          </a:fillRef>
-          <a:effectRef idx="0">
-            <a:schemeClr val="accent1"/>
-          </a:effectRef>
-          <a:fontRef idx="minor">
-            <a:schemeClr val="lt1"/>
-          </a:fontRef>
-        </p:style>
-        <p:txBody>
-          <a:bodyPr rtlCol="0" anchor="ctr"/>
-          <a:lstStyle/>
-          <a:p>
-            <a:pPr algn="ctr"/>
-            <a:r>
-              <a:rPr lang="en-IN" dirty="0"/>
-              <a:t>React Query fetches and caches all teachers from </a:t>
-            </a:r>
-            <a:r>
-              <a:rPr lang="en-IN" dirty="0" err="1"/>
-              <a:t>supabase</a:t>
-            </a:r>
-            <a:endParaRPr lang="en-IN" dirty="0"/>
-          </a:p>
-        </p:txBody>
-      </p:sp>
-      <p:sp>
-        <p:nvSpPr>
-          <p:cNvPr id="8" name="Right Arrow 7"/>
-          <p:cNvSpPr/>
-          <p:nvPr/>
-        </p:nvSpPr>
-        <p:spPr>
-          <a:xfrm>
-            <a:off x="5426014" y="3064324"/>
-            <a:ext cx="583722" cy="276045"/>
-          </a:xfrm>
-          <a:prstGeom prst="rightArrow">
-            <a:avLst/>
-          </a:prstGeom>
-        </p:spPr>
-        <p:style>
-          <a:lnRef idx="2">
-            <a:schemeClr val="accent6">
-              <a:shade val="50000"/>
-            </a:schemeClr>
-          </a:lnRef>
-          <a:fillRef idx="1">
-            <a:schemeClr val="accent6"/>
-          </a:fillRef>
-          <a:effectRef idx="0">
-            <a:schemeClr val="accent6"/>
-          </a:effectRef>
-          <a:fontRef idx="minor">
-            <a:schemeClr val="lt1"/>
-          </a:fontRef>
-        </p:style>
-        <p:txBody>
-          <a:bodyPr rtlCol="0" anchor="ctr"/>
-          <a:lstStyle/>
-          <a:p>
-            <a:pPr algn="ctr"/>
-            <a:endParaRPr lang="en-IN"/>
-          </a:p>
-        </p:txBody>
-      </p:sp>
-      <p:sp>
-        <p:nvSpPr>
-          <p:cNvPr id="9" name="Rectangle 8"/>
-          <p:cNvSpPr/>
-          <p:nvPr/>
-        </p:nvSpPr>
-        <p:spPr>
-          <a:xfrm>
-            <a:off x="6009736" y="2659679"/>
-            <a:ext cx="1874806" cy="1118510"/>
-          </a:xfrm>
-          <a:prstGeom prst="rect">
-            <a:avLst/>
-          </a:prstGeom>
-        </p:spPr>
-        <p:style>
-          <a:lnRef idx="2">
-            <a:schemeClr val="accent1">
-              <a:shade val="50000"/>
-            </a:schemeClr>
-          </a:lnRef>
-          <a:fillRef idx="1">
-            <a:schemeClr val="accent1"/>
-          </a:fillRef>
-          <a:effectRef idx="0">
-            <a:schemeClr val="accent1"/>
-          </a:effectRef>
-          <a:fontRef idx="minor">
-            <a:schemeClr val="lt1"/>
-          </a:fontRef>
-        </p:style>
-        <p:txBody>
-          <a:bodyPr rtlCol="0" anchor="ctr"/>
-          <a:lstStyle/>
-          <a:p>
-            <a:pPr algn="ctr"/>
-            <a:r>
-              <a:rPr lang="en-IN" dirty="0" err="1"/>
-              <a:t>TeacherList</a:t>
-            </a:r>
-            <a:r>
-              <a:rPr lang="en-IN" dirty="0"/>
-              <a:t> is displayed</a:t>
+              <a:t>Admin</a:t>
             </a:r>
           </a:p>
         </p:txBody>
@@ -15883,7 +16137,7 @@
     </p:spTree>
     <p:extLst>
       <p:ext uri="{BB962C8B-B14F-4D97-AF65-F5344CB8AC3E}">
-        <p14:creationId xmlns:p14="http://schemas.microsoft.com/office/powerpoint/2010/main" val="3222498117"/>
+        <p14:creationId xmlns:p14="http://schemas.microsoft.com/office/powerpoint/2010/main" val="2428395038"/>
       </p:ext>
     </p:extLst>
   </p:cSld>
@@ -15927,7 +16181,7 @@
           <a:p>
             <a:r>
               <a:rPr lang="en-IN" b="1" dirty="0"/>
-              <a:t>Add a teacher (Admin)</a:t>
+              <a:t>List all teachers (Admin)</a:t>
             </a:r>
           </a:p>
         </p:txBody>
@@ -15940,8 +16194,8 @@
         </p:nvSpPr>
         <p:spPr>
           <a:xfrm>
-            <a:off x="473016" y="1667824"/>
-            <a:ext cx="1708030" cy="898382"/>
+            <a:off x="1092680" y="2659679"/>
+            <a:ext cx="1874806" cy="1118510"/>
           </a:xfrm>
           <a:prstGeom prst="rect">
             <a:avLst/>
@@ -15970,15 +16224,7 @@
             <a:pPr algn="ctr"/>
             <a:r>
               <a:rPr lang="en-IN" dirty="0"/>
-              <a:t>Admin clicks on add teacher button (</a:t>
-            </a:r>
-            <a:r>
-              <a:rPr lang="en-IN" dirty="0" err="1"/>
-              <a:t>Modal.Open</a:t>
-            </a:r>
-            <a:r>
-              <a:rPr lang="en-IN" dirty="0"/>
-              <a:t> button)</a:t>
+              <a:t>Admin selects a teachers tab on sidebar, or just logged in</a:t>
             </a:r>
           </a:p>
         </p:txBody>
@@ -15991,7 +16237,7 @@
         </p:nvSpPr>
         <p:spPr>
           <a:xfrm>
-            <a:off x="2181046" y="1978992"/>
+            <a:off x="2967486" y="3080912"/>
             <a:ext cx="583722" cy="276045"/>
           </a:xfrm>
           <a:prstGeom prst="rightArrow">
@@ -16025,14 +16271,14 @@
       </p:sp>
       <p:sp>
         <p:nvSpPr>
-          <p:cNvPr id="8" name="Rectangle 7"/>
+          <p:cNvPr id="7" name="Rectangle 6"/>
           <p:cNvSpPr/>
           <p:nvPr/>
         </p:nvSpPr>
         <p:spPr>
           <a:xfrm>
-            <a:off x="2764768" y="1667823"/>
-            <a:ext cx="2705816" cy="898382"/>
+            <a:off x="3551208" y="2659679"/>
+            <a:ext cx="1874806" cy="1118510"/>
           </a:xfrm>
           <a:prstGeom prst="rect">
             <a:avLst/>
@@ -16061,28 +16307,25 @@
             <a:pPr algn="ctr"/>
             <a:r>
               <a:rPr lang="en-IN" dirty="0"/>
-              <a:t>Modal window containing </a:t>
+              <a:t>React Query fetches and caches all teachers from </a:t>
             </a:r>
             <a:r>
               <a:rPr lang="en-IN" dirty="0" err="1"/>
-              <a:t>AddUpdateTeacherForm</a:t>
-            </a:r>
-            <a:r>
-              <a:rPr lang="en-IN" dirty="0"/>
-              <a:t> opens</a:t>
-            </a:r>
-          </a:p>
-        </p:txBody>
-      </p:sp>
-      <p:sp>
-        <p:nvSpPr>
-          <p:cNvPr id="9" name="Right Arrow 8"/>
+              <a:t>supabase</a:t>
+            </a:r>
+            <a:endParaRPr lang="en-IN" dirty="0"/>
+          </a:p>
+        </p:txBody>
+      </p:sp>
+      <p:sp>
+        <p:nvSpPr>
+          <p:cNvPr id="8" name="Right Arrow 7"/>
           <p:cNvSpPr/>
           <p:nvPr/>
         </p:nvSpPr>
         <p:spPr>
           <a:xfrm>
-            <a:off x="5470584" y="1978991"/>
+            <a:off x="5426014" y="3064324"/>
             <a:ext cx="583722" cy="276045"/>
           </a:xfrm>
           <a:prstGeom prst="rightArrow">
@@ -16116,14 +16359,14 @@
       </p:sp>
       <p:sp>
         <p:nvSpPr>
-          <p:cNvPr id="10" name="Rectangle 9"/>
+          <p:cNvPr id="9" name="Rectangle 8"/>
           <p:cNvSpPr/>
           <p:nvPr/>
         </p:nvSpPr>
         <p:spPr>
           <a:xfrm>
-            <a:off x="6054306" y="1592263"/>
-            <a:ext cx="2705816" cy="1049499"/>
+            <a:off x="6009736" y="2659679"/>
+            <a:ext cx="1874806" cy="1118510"/>
           </a:xfrm>
           <a:prstGeom prst="rect">
             <a:avLst/>
@@ -16151,270 +16394,12 @@
           <a:p>
             <a:pPr algn="ctr"/>
             <a:r>
+              <a:rPr lang="en-IN" dirty="0" err="1"/>
+              <a:t>TeacherList</a:t>
+            </a:r>
+            <a:r>
               <a:rPr lang="en-IN" dirty="0"/>
-              <a:t>Departments and subjects are fetched from </a:t>
-            </a:r>
-            <a:r>
-              <a:rPr lang="en-IN" dirty="0" err="1"/>
-              <a:t>supabase</a:t>
-            </a:r>
-            <a:r>
-              <a:rPr lang="en-IN" dirty="0"/>
-              <a:t> or cache using RQ and are filled in </a:t>
-            </a:r>
-            <a:r>
-              <a:rPr lang="en-IN" dirty="0" err="1"/>
-              <a:t>AddUpdateTeacherForm</a:t>
-            </a:r>
-            <a:endParaRPr lang="en-IN" dirty="0"/>
-          </a:p>
-        </p:txBody>
-      </p:sp>
-      <p:sp>
-        <p:nvSpPr>
-          <p:cNvPr id="11" name="Down Arrow 10"/>
-          <p:cNvSpPr/>
-          <p:nvPr/>
-        </p:nvSpPr>
-        <p:spPr>
-          <a:xfrm>
-            <a:off x="7290038" y="2641762"/>
-            <a:ext cx="234352" cy="879894"/>
-          </a:xfrm>
-          <a:prstGeom prst="downArrow">
-            <a:avLst/>
-          </a:prstGeom>
-        </p:spPr>
-        <p:style>
-          <a:lnRef idx="2">
-            <a:schemeClr val="accent6">
-              <a:shade val="50000"/>
-            </a:schemeClr>
-          </a:lnRef>
-          <a:fillRef idx="1">
-            <a:schemeClr val="accent6"/>
-          </a:fillRef>
-          <a:effectRef idx="0">
-            <a:schemeClr val="accent6"/>
-          </a:effectRef>
-          <a:fontRef idx="minor">
-            <a:schemeClr val="lt1"/>
-          </a:fontRef>
-        </p:style>
-        <p:txBody>
-          <a:bodyPr rtlCol="0" anchor="ctr"/>
-          <a:lstStyle/>
-          <a:p>
-            <a:pPr algn="ctr"/>
-            <a:endParaRPr lang="en-IN"/>
-          </a:p>
-        </p:txBody>
-      </p:sp>
-      <p:sp>
-        <p:nvSpPr>
-          <p:cNvPr id="13" name="Rectangle 12"/>
-          <p:cNvSpPr/>
-          <p:nvPr/>
-        </p:nvSpPr>
-        <p:spPr>
-          <a:xfrm>
-            <a:off x="6553199" y="3540194"/>
-            <a:ext cx="1708030" cy="898382"/>
-          </a:xfrm>
-          <a:prstGeom prst="rect">
-            <a:avLst/>
-          </a:prstGeom>
-        </p:spPr>
-        <p:style>
-          <a:lnRef idx="2">
-            <a:schemeClr val="accent1">
-              <a:shade val="50000"/>
-            </a:schemeClr>
-          </a:lnRef>
-          <a:fillRef idx="1">
-            <a:schemeClr val="accent1"/>
-          </a:fillRef>
-          <a:effectRef idx="0">
-            <a:schemeClr val="accent1"/>
-          </a:effectRef>
-          <a:fontRef idx="minor">
-            <a:schemeClr val="lt1"/>
-          </a:fontRef>
-        </p:style>
-        <p:txBody>
-          <a:bodyPr rtlCol="0" anchor="ctr"/>
-          <a:lstStyle/>
-          <a:p>
-            <a:pPr algn="ctr"/>
-            <a:r>
-              <a:rPr lang="en-IN" dirty="0"/>
-              <a:t>On form submit</a:t>
-            </a:r>
-          </a:p>
-        </p:txBody>
-      </p:sp>
-      <p:sp>
-        <p:nvSpPr>
-          <p:cNvPr id="14" name="Left Arrow 13"/>
-          <p:cNvSpPr/>
-          <p:nvPr/>
-        </p:nvSpPr>
-        <p:spPr>
-          <a:xfrm>
-            <a:off x="5633049" y="3844726"/>
-            <a:ext cx="920150" cy="289317"/>
-          </a:xfrm>
-          <a:prstGeom prst="leftArrow">
-            <a:avLst/>
-          </a:prstGeom>
-        </p:spPr>
-        <p:style>
-          <a:lnRef idx="2">
-            <a:schemeClr val="accent6">
-              <a:shade val="50000"/>
-            </a:schemeClr>
-          </a:lnRef>
-          <a:fillRef idx="1">
-            <a:schemeClr val="accent6"/>
-          </a:fillRef>
-          <a:effectRef idx="0">
-            <a:schemeClr val="accent6"/>
-          </a:effectRef>
-          <a:fontRef idx="minor">
-            <a:schemeClr val="lt1"/>
-          </a:fontRef>
-        </p:style>
-        <p:txBody>
-          <a:bodyPr rtlCol="0" anchor="ctr"/>
-          <a:lstStyle/>
-          <a:p>
-            <a:pPr algn="ctr"/>
-            <a:endParaRPr lang="en-IN"/>
-          </a:p>
-        </p:txBody>
-      </p:sp>
-      <p:sp>
-        <p:nvSpPr>
-          <p:cNvPr id="16" name="Rectangle 15"/>
-          <p:cNvSpPr/>
-          <p:nvPr/>
-        </p:nvSpPr>
-        <p:spPr>
-          <a:xfrm>
-            <a:off x="3925019" y="3546164"/>
-            <a:ext cx="1708030" cy="1241495"/>
-          </a:xfrm>
-          <a:prstGeom prst="rect">
-            <a:avLst/>
-          </a:prstGeom>
-        </p:spPr>
-        <p:style>
-          <a:lnRef idx="2">
-            <a:schemeClr val="accent1">
-              <a:shade val="50000"/>
-            </a:schemeClr>
-          </a:lnRef>
-          <a:fillRef idx="1">
-            <a:schemeClr val="accent1"/>
-          </a:fillRef>
-          <a:effectRef idx="0">
-            <a:schemeClr val="accent1"/>
-          </a:effectRef>
-          <a:fontRef idx="minor">
-            <a:schemeClr val="lt1"/>
-          </a:fontRef>
-        </p:style>
-        <p:txBody>
-          <a:bodyPr rtlCol="0" anchor="ctr"/>
-          <a:lstStyle/>
-          <a:p>
-            <a:pPr algn="ctr"/>
-            <a:r>
-              <a:rPr lang="en-IN" dirty="0"/>
-              <a:t>Add teacher RQ mutation runs, adding a teacher or throwing an error</a:t>
-            </a:r>
-          </a:p>
-        </p:txBody>
-      </p:sp>
-      <p:sp>
-        <p:nvSpPr>
-          <p:cNvPr id="17" name="Left Arrow 16"/>
-          <p:cNvSpPr/>
-          <p:nvPr/>
-        </p:nvSpPr>
-        <p:spPr>
-          <a:xfrm>
-            <a:off x="3004869" y="3820217"/>
-            <a:ext cx="920150" cy="289317"/>
-          </a:xfrm>
-          <a:prstGeom prst="leftArrow">
-            <a:avLst/>
-          </a:prstGeom>
-        </p:spPr>
-        <p:style>
-          <a:lnRef idx="2">
-            <a:schemeClr val="accent6">
-              <a:shade val="50000"/>
-            </a:schemeClr>
-          </a:lnRef>
-          <a:fillRef idx="1">
-            <a:schemeClr val="accent6"/>
-          </a:fillRef>
-          <a:effectRef idx="0">
-            <a:schemeClr val="accent6"/>
-          </a:effectRef>
-          <a:fontRef idx="minor">
-            <a:schemeClr val="lt1"/>
-          </a:fontRef>
-        </p:style>
-        <p:txBody>
-          <a:bodyPr rtlCol="0" anchor="ctr"/>
-          <a:lstStyle/>
-          <a:p>
-            <a:pPr algn="ctr"/>
-            <a:endParaRPr lang="en-IN"/>
-          </a:p>
-        </p:txBody>
-      </p:sp>
-      <p:sp>
-        <p:nvSpPr>
-          <p:cNvPr id="18" name="Rectangle 17"/>
-          <p:cNvSpPr/>
-          <p:nvPr/>
-        </p:nvSpPr>
-        <p:spPr>
-          <a:xfrm>
-            <a:off x="1296839" y="3521656"/>
-            <a:ext cx="1708030" cy="2499582"/>
-          </a:xfrm>
-          <a:prstGeom prst="rect">
-            <a:avLst/>
-          </a:prstGeom>
-        </p:spPr>
-        <p:style>
-          <a:lnRef idx="2">
-            <a:schemeClr val="accent1">
-              <a:shade val="50000"/>
-            </a:schemeClr>
-          </a:lnRef>
-          <a:fillRef idx="1">
-            <a:schemeClr val="accent1"/>
-          </a:fillRef>
-          <a:effectRef idx="0">
-            <a:schemeClr val="accent1"/>
-          </a:effectRef>
-          <a:fontRef idx="minor">
-            <a:schemeClr val="lt1"/>
-          </a:fontRef>
-        </p:style>
-        <p:txBody>
-          <a:bodyPr rtlCol="0" anchor="ctr"/>
-          <a:lstStyle/>
-          <a:p>
-            <a:pPr algn="ctr"/>
-            <a:r>
-              <a:rPr lang="en-IN" dirty="0"/>
-              <a:t>On addition, form modal window closes, teachers in cache are invalidated and fetched again, showing newly added teacher in teachers list.</a:t>
+              <a:t> is displayed</a:t>
             </a:r>
           </a:p>
         </p:txBody>
@@ -16422,7 +16407,7 @@
     </p:spTree>
     <p:extLst>
       <p:ext uri="{BB962C8B-B14F-4D97-AF65-F5344CB8AC3E}">
-        <p14:creationId xmlns:p14="http://schemas.microsoft.com/office/powerpoint/2010/main" val="602089236"/>
+        <p14:creationId xmlns:p14="http://schemas.microsoft.com/office/powerpoint/2010/main" val="3222498117"/>
       </p:ext>
     </p:extLst>
   </p:cSld>
@@ -16466,14 +16451,14 @@
           <a:p>
             <a:r>
               <a:rPr lang="en-IN" b="1" dirty="0"/>
-              <a:t>Update a teacher (Admin)</a:t>
-            </a:r>
-          </a:p>
-        </p:txBody>
-      </p:sp>
-      <p:sp>
-        <p:nvSpPr>
-          <p:cNvPr id="6" name="Rectangle 5"/>
+              <a:t>Add a teacher (Admin)</a:t>
+            </a:r>
+          </a:p>
+        </p:txBody>
+      </p:sp>
+      <p:sp>
+        <p:nvSpPr>
+          <p:cNvPr id="4" name="Rectangle 3"/>
           <p:cNvSpPr/>
           <p:nvPr/>
         </p:nvSpPr>
@@ -16509,14 +16494,22 @@
             <a:pPr algn="ctr"/>
             <a:r>
               <a:rPr lang="en-IN" dirty="0"/>
-              <a:t>Admin clicks update teacher button</a:t>
-            </a:r>
-          </a:p>
-        </p:txBody>
-      </p:sp>
-      <p:sp>
-        <p:nvSpPr>
-          <p:cNvPr id="4" name="Right Arrow 3"/>
+              <a:t>Admin clicks on add teacher button (</a:t>
+            </a:r>
+            <a:r>
+              <a:rPr lang="en-IN" dirty="0" err="1"/>
+              <a:t>Modal.Open</a:t>
+            </a:r>
+            <a:r>
+              <a:rPr lang="en-IN" dirty="0"/>
+              <a:t> button)</a:t>
+            </a:r>
+          </a:p>
+        </p:txBody>
+      </p:sp>
+      <p:sp>
+        <p:nvSpPr>
+          <p:cNvPr id="5" name="Right Arrow 4"/>
           <p:cNvSpPr/>
           <p:nvPr/>
         </p:nvSpPr>
@@ -16556,14 +16549,14 @@
       </p:sp>
       <p:sp>
         <p:nvSpPr>
-          <p:cNvPr id="5" name="Rectangle 4"/>
+          <p:cNvPr id="8" name="Rectangle 7"/>
           <p:cNvSpPr/>
           <p:nvPr/>
         </p:nvSpPr>
         <p:spPr>
           <a:xfrm>
             <a:off x="2764768" y="1667823"/>
-            <a:ext cx="2307564" cy="898382"/>
+            <a:ext cx="2705816" cy="898382"/>
           </a:xfrm>
           <a:prstGeom prst="rect">
             <a:avLst/>
@@ -16591,29 +16584,29 @@
           <a:p>
             <a:pPr algn="ctr"/>
             <a:r>
+              <a:rPr lang="en-IN" dirty="0"/>
+              <a:t>Modal window containing </a:t>
+            </a:r>
+            <a:r>
               <a:rPr lang="en-IN" dirty="0" err="1"/>
               <a:t>AddUpdateTeacherForm</a:t>
             </a:r>
-            <a:endParaRPr lang="en-IN" dirty="0"/>
-          </a:p>
-          <a:p>
-            <a:pPr algn="ctr"/>
             <a:r>
               <a:rPr lang="en-IN" dirty="0"/>
-              <a:t>Is shown and is passed the clicked teacher object</a:t>
-            </a:r>
-          </a:p>
-        </p:txBody>
-      </p:sp>
-      <p:sp>
-        <p:nvSpPr>
-          <p:cNvPr id="7" name="Right Arrow 6"/>
+              <a:t> opens</a:t>
+            </a:r>
+          </a:p>
+        </p:txBody>
+      </p:sp>
+      <p:sp>
+        <p:nvSpPr>
+          <p:cNvPr id="9" name="Right Arrow 8"/>
           <p:cNvSpPr/>
           <p:nvPr/>
         </p:nvSpPr>
         <p:spPr>
           <a:xfrm>
-            <a:off x="5072332" y="1978991"/>
+            <a:off x="5470584" y="1978991"/>
             <a:ext cx="583722" cy="276045"/>
           </a:xfrm>
           <a:prstGeom prst="rightArrow">
@@ -16647,14 +16640,14 @@
       </p:sp>
       <p:sp>
         <p:nvSpPr>
-          <p:cNvPr id="9" name="Rectangle 8"/>
+          <p:cNvPr id="10" name="Rectangle 9"/>
           <p:cNvSpPr/>
           <p:nvPr/>
         </p:nvSpPr>
         <p:spPr>
           <a:xfrm>
-            <a:off x="5656054" y="1667822"/>
-            <a:ext cx="1708030" cy="898382"/>
+            <a:off x="6054306" y="1592263"/>
+            <a:ext cx="2705816" cy="1049499"/>
           </a:xfrm>
           <a:prstGeom prst="rect">
             <a:avLst/>
@@ -16683,32 +16676,33 @@
             <a:pPr algn="ctr"/>
             <a:r>
               <a:rPr lang="en-IN" dirty="0"/>
-              <a:t>On submit, teacher is updated using </a:t>
+              <a:t>Departments and subjects are fetched from </a:t>
             </a:r>
             <a:r>
               <a:rPr lang="en-IN" dirty="0" err="1"/>
-              <a:t>updateTeacher</a:t>
+              <a:t>supabase</a:t>
+            </a:r>
+            <a:r>
+              <a:rPr lang="en-IN" dirty="0"/>
+              <a:t> or cache using RQ and are filled in </a:t>
+            </a:r>
+            <a:r>
+              <a:rPr lang="en-IN" dirty="0" err="1"/>
+              <a:t>AddUpdateTeacherForm</a:t>
             </a:r>
             <a:endParaRPr lang="en-IN" dirty="0"/>
           </a:p>
-          <a:p>
-            <a:pPr algn="ctr"/>
-            <a:r>
-              <a:rPr lang="en-IN" dirty="0"/>
-              <a:t>mutation</a:t>
-            </a:r>
-          </a:p>
-        </p:txBody>
-      </p:sp>
-      <p:sp>
-        <p:nvSpPr>
-          <p:cNvPr id="10" name="Down Arrow 9"/>
+        </p:txBody>
+      </p:sp>
+      <p:sp>
+        <p:nvSpPr>
+          <p:cNvPr id="11" name="Down Arrow 10"/>
           <p:cNvSpPr/>
           <p:nvPr/>
         </p:nvSpPr>
         <p:spPr>
           <a:xfrm>
-            <a:off x="6392893" y="2566206"/>
+            <a:off x="7290038" y="2641762"/>
             <a:ext cx="234352" cy="879894"/>
           </a:xfrm>
           <a:prstGeom prst="downArrow">
@@ -16742,14 +16736,14 @@
       </p:sp>
       <p:sp>
         <p:nvSpPr>
-          <p:cNvPr id="11" name="Rectangle 10"/>
+          <p:cNvPr id="13" name="Rectangle 12"/>
           <p:cNvSpPr/>
           <p:nvPr/>
         </p:nvSpPr>
         <p:spPr>
           <a:xfrm>
-            <a:off x="5656054" y="3446099"/>
-            <a:ext cx="1708030" cy="1186285"/>
+            <a:off x="6553199" y="3540194"/>
+            <a:ext cx="1708030" cy="898382"/>
           </a:xfrm>
           <a:prstGeom prst="rect">
             <a:avLst/>
@@ -16778,7 +16772,173 @@
             <a:pPr algn="ctr"/>
             <a:r>
               <a:rPr lang="en-IN" dirty="0"/>
-              <a:t>Teachers cache is refreshed showing all teachers along with the updated one</a:t>
+              <a:t>On form submit</a:t>
+            </a:r>
+          </a:p>
+        </p:txBody>
+      </p:sp>
+      <p:sp>
+        <p:nvSpPr>
+          <p:cNvPr id="14" name="Left Arrow 13"/>
+          <p:cNvSpPr/>
+          <p:nvPr/>
+        </p:nvSpPr>
+        <p:spPr>
+          <a:xfrm>
+            <a:off x="5633049" y="3844726"/>
+            <a:ext cx="920150" cy="289317"/>
+          </a:xfrm>
+          <a:prstGeom prst="leftArrow">
+            <a:avLst/>
+          </a:prstGeom>
+        </p:spPr>
+        <p:style>
+          <a:lnRef idx="2">
+            <a:schemeClr val="accent6">
+              <a:shade val="50000"/>
+            </a:schemeClr>
+          </a:lnRef>
+          <a:fillRef idx="1">
+            <a:schemeClr val="accent6"/>
+          </a:fillRef>
+          <a:effectRef idx="0">
+            <a:schemeClr val="accent6"/>
+          </a:effectRef>
+          <a:fontRef idx="minor">
+            <a:schemeClr val="lt1"/>
+          </a:fontRef>
+        </p:style>
+        <p:txBody>
+          <a:bodyPr rtlCol="0" anchor="ctr"/>
+          <a:lstStyle/>
+          <a:p>
+            <a:pPr algn="ctr"/>
+            <a:endParaRPr lang="en-IN"/>
+          </a:p>
+        </p:txBody>
+      </p:sp>
+      <p:sp>
+        <p:nvSpPr>
+          <p:cNvPr id="16" name="Rectangle 15"/>
+          <p:cNvSpPr/>
+          <p:nvPr/>
+        </p:nvSpPr>
+        <p:spPr>
+          <a:xfrm>
+            <a:off x="3925019" y="3546164"/>
+            <a:ext cx="1708030" cy="1241495"/>
+          </a:xfrm>
+          <a:prstGeom prst="rect">
+            <a:avLst/>
+          </a:prstGeom>
+        </p:spPr>
+        <p:style>
+          <a:lnRef idx="2">
+            <a:schemeClr val="accent1">
+              <a:shade val="50000"/>
+            </a:schemeClr>
+          </a:lnRef>
+          <a:fillRef idx="1">
+            <a:schemeClr val="accent1"/>
+          </a:fillRef>
+          <a:effectRef idx="0">
+            <a:schemeClr val="accent1"/>
+          </a:effectRef>
+          <a:fontRef idx="minor">
+            <a:schemeClr val="lt1"/>
+          </a:fontRef>
+        </p:style>
+        <p:txBody>
+          <a:bodyPr rtlCol="0" anchor="ctr"/>
+          <a:lstStyle/>
+          <a:p>
+            <a:pPr algn="ctr"/>
+            <a:r>
+              <a:rPr lang="en-IN" dirty="0"/>
+              <a:t>Add teacher RQ mutation runs, adding a teacher or throwing an error</a:t>
+            </a:r>
+          </a:p>
+        </p:txBody>
+      </p:sp>
+      <p:sp>
+        <p:nvSpPr>
+          <p:cNvPr id="17" name="Left Arrow 16"/>
+          <p:cNvSpPr/>
+          <p:nvPr/>
+        </p:nvSpPr>
+        <p:spPr>
+          <a:xfrm>
+            <a:off x="3004869" y="3820217"/>
+            <a:ext cx="920150" cy="289317"/>
+          </a:xfrm>
+          <a:prstGeom prst="leftArrow">
+            <a:avLst/>
+          </a:prstGeom>
+        </p:spPr>
+        <p:style>
+          <a:lnRef idx="2">
+            <a:schemeClr val="accent6">
+              <a:shade val="50000"/>
+            </a:schemeClr>
+          </a:lnRef>
+          <a:fillRef idx="1">
+            <a:schemeClr val="accent6"/>
+          </a:fillRef>
+          <a:effectRef idx="0">
+            <a:schemeClr val="accent6"/>
+          </a:effectRef>
+          <a:fontRef idx="minor">
+            <a:schemeClr val="lt1"/>
+          </a:fontRef>
+        </p:style>
+        <p:txBody>
+          <a:bodyPr rtlCol="0" anchor="ctr"/>
+          <a:lstStyle/>
+          <a:p>
+            <a:pPr algn="ctr"/>
+            <a:endParaRPr lang="en-IN"/>
+          </a:p>
+        </p:txBody>
+      </p:sp>
+      <p:sp>
+        <p:nvSpPr>
+          <p:cNvPr id="18" name="Rectangle 17"/>
+          <p:cNvSpPr/>
+          <p:nvPr/>
+        </p:nvSpPr>
+        <p:spPr>
+          <a:xfrm>
+            <a:off x="1296839" y="3521656"/>
+            <a:ext cx="1708030" cy="2499582"/>
+          </a:xfrm>
+          <a:prstGeom prst="rect">
+            <a:avLst/>
+          </a:prstGeom>
+        </p:spPr>
+        <p:style>
+          <a:lnRef idx="2">
+            <a:schemeClr val="accent1">
+              <a:shade val="50000"/>
+            </a:schemeClr>
+          </a:lnRef>
+          <a:fillRef idx="1">
+            <a:schemeClr val="accent1"/>
+          </a:fillRef>
+          <a:effectRef idx="0">
+            <a:schemeClr val="accent1"/>
+          </a:effectRef>
+          <a:fontRef idx="minor">
+            <a:schemeClr val="lt1"/>
+          </a:fontRef>
+        </p:style>
+        <p:txBody>
+          <a:bodyPr rtlCol="0" anchor="ctr"/>
+          <a:lstStyle/>
+          <a:p>
+            <a:pPr algn="ctr"/>
+            <a:r>
+              <a:rPr lang="en-IN" dirty="0"/>
+              <a:t>On addition, form modal window closes, teachers in cache are invalidated and fetched again, showing newly added teacher in teachers list.</a:t>
             </a:r>
           </a:p>
         </p:txBody>
@@ -16786,7 +16946,7 @@
     </p:spTree>
     <p:extLst>
       <p:ext uri="{BB962C8B-B14F-4D97-AF65-F5344CB8AC3E}">
-        <p14:creationId xmlns:p14="http://schemas.microsoft.com/office/powerpoint/2010/main" val="4208297666"/>
+        <p14:creationId xmlns:p14="http://schemas.microsoft.com/office/powerpoint/2010/main" val="602089236"/>
       </p:ext>
     </p:extLst>
   </p:cSld>
@@ -16986,14 +17146,14 @@
           <a:p>
             <a:r>
               <a:rPr lang="en-IN" b="1" dirty="0"/>
-              <a:t>Delete a teacher (Admin)</a:t>
-            </a:r>
-          </a:p>
-        </p:txBody>
-      </p:sp>
-      <p:sp>
-        <p:nvSpPr>
-          <p:cNvPr id="4" name="Rectangle 3"/>
+              <a:t>Update a teacher (Admin)</a:t>
+            </a:r>
+          </a:p>
+        </p:txBody>
+      </p:sp>
+      <p:sp>
+        <p:nvSpPr>
+          <p:cNvPr id="6" name="Rectangle 5"/>
           <p:cNvSpPr/>
           <p:nvPr/>
         </p:nvSpPr>
@@ -17029,14 +17189,14 @@
             <a:pPr algn="ctr"/>
             <a:r>
               <a:rPr lang="en-IN" dirty="0"/>
-              <a:t>Admin clicks delete teacher button</a:t>
-            </a:r>
-          </a:p>
-        </p:txBody>
-      </p:sp>
-      <p:sp>
-        <p:nvSpPr>
-          <p:cNvPr id="5" name="Right Arrow 4"/>
+              <a:t>Admin clicks update teacher button</a:t>
+            </a:r>
+          </a:p>
+        </p:txBody>
+      </p:sp>
+      <p:sp>
+        <p:nvSpPr>
+          <p:cNvPr id="4" name="Right Arrow 3"/>
           <p:cNvSpPr/>
           <p:nvPr/>
         </p:nvSpPr>
@@ -17076,14 +17236,14 @@
       </p:sp>
       <p:sp>
         <p:nvSpPr>
-          <p:cNvPr id="6" name="Rectangle 5"/>
+          <p:cNvPr id="5" name="Rectangle 4"/>
           <p:cNvSpPr/>
           <p:nvPr/>
         </p:nvSpPr>
         <p:spPr>
           <a:xfrm>
-            <a:off x="2764768" y="1667824"/>
-            <a:ext cx="1708030" cy="898382"/>
+            <a:off x="2764768" y="1667823"/>
+            <a:ext cx="2307564" cy="898382"/>
           </a:xfrm>
           <a:prstGeom prst="rect">
             <a:avLst/>
@@ -17111,23 +17271,16 @@
           <a:p>
             <a:pPr algn="ctr"/>
             <a:r>
+              <a:rPr lang="en-IN" dirty="0" err="1"/>
+              <a:t>AddUpdateTeacherForm</a:t>
+            </a:r>
+            <a:endParaRPr lang="en-IN" dirty="0"/>
+          </a:p>
+          <a:p>
+            <a:pPr algn="ctr"/>
+            <a:r>
               <a:rPr lang="en-IN" dirty="0"/>
-              <a:t>Opens </a:t>
-            </a:r>
-            <a:r>
-              <a:rPr lang="en-IN" dirty="0" err="1"/>
-              <a:t>ConfirmDelete</a:t>
-            </a:r>
-            <a:r>
-              <a:rPr lang="en-IN" dirty="0"/>
-              <a:t> as</a:t>
-            </a:r>
-          </a:p>
-          <a:p>
-            <a:pPr algn="ctr"/>
-            <a:r>
-              <a:rPr lang="en-IN" dirty="0"/>
-              <a:t>Modal window</a:t>
+              <a:t>Is shown and is passed the clicked teacher object</a:t>
             </a:r>
           </a:p>
         </p:txBody>
@@ -17140,7 +17293,7 @@
         </p:nvSpPr>
         <p:spPr>
           <a:xfrm>
-            <a:off x="4477113" y="1993369"/>
+            <a:off x="5072332" y="1978991"/>
             <a:ext cx="583722" cy="276045"/>
           </a:xfrm>
           <a:prstGeom prst="rightArrow">
@@ -17174,14 +17327,14 @@
       </p:sp>
       <p:sp>
         <p:nvSpPr>
-          <p:cNvPr id="8" name="Rectangle 7"/>
+          <p:cNvPr id="9" name="Rectangle 8"/>
           <p:cNvSpPr/>
           <p:nvPr/>
         </p:nvSpPr>
         <p:spPr>
           <a:xfrm>
-            <a:off x="5060835" y="1682201"/>
-            <a:ext cx="1708030" cy="1293912"/>
+            <a:off x="5656054" y="1667822"/>
+            <a:ext cx="1708030" cy="898382"/>
           </a:xfrm>
           <a:prstGeom prst="rect">
             <a:avLst/>
@@ -17210,11 +17363,11 @@
             <a:pPr algn="ctr"/>
             <a:r>
               <a:rPr lang="en-IN" dirty="0"/>
-              <a:t>On confirm, deletes a teacher using </a:t>
+              <a:t>On submit, teacher is updated using </a:t>
             </a:r>
             <a:r>
               <a:rPr lang="en-IN" dirty="0" err="1"/>
-              <a:t>deleteTeacher</a:t>
+              <a:t>updateTeacher</a:t>
             </a:r>
             <a:endParaRPr lang="en-IN" dirty="0"/>
           </a:p>
@@ -17229,13 +17382,13 @@
       </p:sp>
       <p:sp>
         <p:nvSpPr>
-          <p:cNvPr id="9" name="Down Arrow 8"/>
+          <p:cNvPr id="10" name="Down Arrow 9"/>
           <p:cNvSpPr/>
           <p:nvPr/>
         </p:nvSpPr>
         <p:spPr>
           <a:xfrm>
-            <a:off x="5797674" y="2976113"/>
+            <a:off x="6392893" y="2566206"/>
             <a:ext cx="234352" cy="879894"/>
           </a:xfrm>
           <a:prstGeom prst="downArrow">
@@ -17269,14 +17422,14 @@
       </p:sp>
       <p:sp>
         <p:nvSpPr>
-          <p:cNvPr id="10" name="Rectangle 9"/>
+          <p:cNvPr id="11" name="Rectangle 10"/>
           <p:cNvSpPr/>
           <p:nvPr/>
         </p:nvSpPr>
         <p:spPr>
           <a:xfrm>
-            <a:off x="5060835" y="3856007"/>
-            <a:ext cx="1708030" cy="898382"/>
+            <a:off x="5656054" y="3446099"/>
+            <a:ext cx="1708030" cy="1186285"/>
           </a:xfrm>
           <a:prstGeom prst="rect">
             <a:avLst/>
@@ -17305,7 +17458,7 @@
             <a:pPr algn="ctr"/>
             <a:r>
               <a:rPr lang="en-IN" dirty="0"/>
-              <a:t>Teachers cache is refreshed showing all teachers except the deleted one</a:t>
+              <a:t>Teachers cache is refreshed showing all teachers along with the updated one</a:t>
             </a:r>
           </a:p>
         </p:txBody>
@@ -17313,7 +17466,7 @@
     </p:spTree>
     <p:extLst>
       <p:ext uri="{BB962C8B-B14F-4D97-AF65-F5344CB8AC3E}">
-        <p14:creationId xmlns:p14="http://schemas.microsoft.com/office/powerpoint/2010/main" val="2009163050"/>
+        <p14:creationId xmlns:p14="http://schemas.microsoft.com/office/powerpoint/2010/main" val="4208297666"/>
       </p:ext>
     </p:extLst>
   </p:cSld>
@@ -17352,21 +17505,12 @@
         </p:nvSpPr>
         <p:spPr/>
         <p:txBody>
-          <a:bodyPr>
-            <a:normAutofit fontScale="90000"/>
-          </a:bodyPr>
+          <a:bodyPr/>
           <a:lstStyle/>
           <a:p>
             <a:r>
               <a:rPr lang="en-IN" b="1" dirty="0"/>
-              <a:t>View all registering students</a:t>
-            </a:r>
-            <a:br>
-              <a:rPr lang="en-IN" b="1" dirty="0"/>
-            </a:br>
-            <a:r>
-              <a:rPr lang="en-IN" b="1" dirty="0"/>
-              <a:t>(Admin)</a:t>
+              <a:t>Delete a teacher (Admin)</a:t>
             </a:r>
           </a:p>
         </p:txBody>
@@ -17409,7 +17553,7 @@
             <a:pPr algn="ctr"/>
             <a:r>
               <a:rPr lang="en-IN" dirty="0"/>
-              <a:t>Admin clicks students tab from sidebar</a:t>
+              <a:t>Admin clicks delete teacher button</a:t>
             </a:r>
           </a:p>
         </p:txBody>
@@ -17462,7 +17606,7 @@
         </p:nvSpPr>
         <p:spPr>
           <a:xfrm>
-            <a:off x="2764768" y="1667823"/>
+            <a:off x="2764768" y="1667824"/>
             <a:ext cx="1708030" cy="898382"/>
           </a:xfrm>
           <a:prstGeom prst="rect">
@@ -17492,7 +17636,22 @@
             <a:pPr algn="ctr"/>
             <a:r>
               <a:rPr lang="en-IN" dirty="0"/>
-              <a:t>Go to route “/students”</a:t>
+              <a:t>Opens </a:t>
+            </a:r>
+            <a:r>
+              <a:rPr lang="en-IN" dirty="0" err="1"/>
+              <a:t>ConfirmDelete</a:t>
+            </a:r>
+            <a:r>
+              <a:rPr lang="en-IN" dirty="0"/>
+              <a:t> as</a:t>
+            </a:r>
+          </a:p>
+          <a:p>
+            <a:pPr algn="ctr"/>
+            <a:r>
+              <a:rPr lang="en-IN" dirty="0"/>
+              <a:t>Modal window</a:t>
             </a:r>
           </a:p>
         </p:txBody>
@@ -17505,7 +17664,7 @@
         </p:nvSpPr>
         <p:spPr>
           <a:xfrm>
-            <a:off x="4472798" y="1978992"/>
+            <a:off x="4477113" y="1993369"/>
             <a:ext cx="583722" cy="276045"/>
           </a:xfrm>
           <a:prstGeom prst="rightArrow">
@@ -17545,8 +17704,8 @@
         </p:nvSpPr>
         <p:spPr>
           <a:xfrm>
-            <a:off x="5056519" y="1667823"/>
-            <a:ext cx="2948793" cy="898382"/>
+            <a:off x="5060835" y="1682201"/>
+            <a:ext cx="1708030" cy="1293912"/>
           </a:xfrm>
           <a:prstGeom prst="rect">
             <a:avLst/>
@@ -17575,17 +17734,20 @@
             <a:pPr algn="ctr"/>
             <a:r>
               <a:rPr lang="en-IN" dirty="0"/>
-              <a:t>Fetch and cache all registering students using </a:t>
+              <a:t>On confirm, deletes a teacher using </a:t>
             </a:r>
             <a:r>
               <a:rPr lang="en-IN" dirty="0" err="1"/>
-              <a:t>useGetRegisteringStudents</a:t>
+              <a:t>deleteTeacher</a:t>
             </a:r>
             <a:endParaRPr lang="en-IN" dirty="0"/>
           </a:p>
           <a:p>
             <a:pPr algn="ctr"/>
-            <a:endParaRPr lang="en-IN" dirty="0"/>
+            <a:r>
+              <a:rPr lang="en-IN" dirty="0"/>
+              <a:t>mutation</a:t>
+            </a:r>
           </a:p>
         </p:txBody>
       </p:sp>
@@ -17597,7 +17759,7 @@
         </p:nvSpPr>
         <p:spPr>
           <a:xfrm>
-            <a:off x="6296563" y="2566206"/>
+            <a:off x="5797674" y="2976113"/>
             <a:ext cx="234352" cy="879894"/>
           </a:xfrm>
           <a:prstGeom prst="downArrow">
@@ -17637,8 +17799,8 @@
         </p:nvSpPr>
         <p:spPr>
           <a:xfrm>
-            <a:off x="5027042" y="3446100"/>
-            <a:ext cx="2773393" cy="1617606"/>
+            <a:off x="5060835" y="3856007"/>
+            <a:ext cx="1708030" cy="898382"/>
           </a:xfrm>
           <a:prstGeom prst="rect">
             <a:avLst/>
@@ -17667,27 +17829,15 @@
             <a:pPr algn="ctr"/>
             <a:r>
               <a:rPr lang="en-IN" dirty="0"/>
-              <a:t>Display all registering students</a:t>
-            </a:r>
-          </a:p>
-          <a:p>
-            <a:pPr algn="ctr"/>
-            <a:r>
-              <a:rPr lang="en-IN" dirty="0"/>
-              <a:t>In a table using </a:t>
-            </a:r>
-            <a:r>
-              <a:rPr lang="en-IN" dirty="0" err="1"/>
-              <a:t>RegisteringStudentList</a:t>
-            </a:r>
-            <a:endParaRPr lang="en-IN" dirty="0"/>
+              <a:t>Teachers cache is refreshed showing all teachers except the deleted one</a:t>
+            </a:r>
           </a:p>
         </p:txBody>
       </p:sp>
     </p:spTree>
     <p:extLst>
       <p:ext uri="{BB962C8B-B14F-4D97-AF65-F5344CB8AC3E}">
-        <p14:creationId xmlns:p14="http://schemas.microsoft.com/office/powerpoint/2010/main" val="332042696"/>
+        <p14:creationId xmlns:p14="http://schemas.microsoft.com/office/powerpoint/2010/main" val="2009163050"/>
       </p:ext>
     </p:extLst>
   </p:cSld>
@@ -17733,14 +17883,14 @@
           <a:p>
             <a:r>
               <a:rPr lang="en-IN" b="1" dirty="0"/>
-              <a:t>Approve or Reject student</a:t>
+              <a:t>View all registering students</a:t>
             </a:r>
             <a:br>
               <a:rPr lang="en-IN" b="1" dirty="0"/>
             </a:br>
             <a:r>
               <a:rPr lang="en-IN" b="1" dirty="0"/>
-              <a:t>registration (Admin)</a:t>
+              <a:t>(Admin)</a:t>
             </a:r>
           </a:p>
         </p:txBody>
@@ -17753,7 +17903,7 @@
         </p:nvSpPr>
         <p:spPr>
           <a:xfrm>
-            <a:off x="257355" y="1667827"/>
+            <a:off x="473016" y="1667824"/>
             <a:ext cx="1708030" cy="898382"/>
           </a:xfrm>
           <a:prstGeom prst="rect">
@@ -17783,7 +17933,7 @@
             <a:pPr algn="ctr"/>
             <a:r>
               <a:rPr lang="en-IN" dirty="0"/>
-              <a:t>Admin clicks approve / reject button</a:t>
+              <a:t>Admin clicks students tab from sidebar</a:t>
             </a:r>
           </a:p>
         </p:txBody>
@@ -17796,7 +17946,7 @@
         </p:nvSpPr>
         <p:spPr>
           <a:xfrm>
-            <a:off x="1965385" y="1978995"/>
+            <a:off x="2181046" y="1978992"/>
             <a:ext cx="583722" cy="276045"/>
           </a:xfrm>
           <a:prstGeom prst="rightArrow">
@@ -17836,8 +17986,8 @@
         </p:nvSpPr>
         <p:spPr>
           <a:xfrm>
-            <a:off x="2549107" y="1667826"/>
-            <a:ext cx="3092568" cy="898382"/>
+            <a:off x="2764768" y="1667823"/>
+            <a:ext cx="1708030" cy="898382"/>
           </a:xfrm>
           <a:prstGeom prst="rect">
             <a:avLst/>
@@ -17866,22 +18016,7 @@
             <a:pPr algn="ctr"/>
             <a:r>
               <a:rPr lang="en-IN" dirty="0"/>
-              <a:t>Open</a:t>
-            </a:r>
-          </a:p>
-          <a:p>
-            <a:pPr algn="ctr"/>
-            <a:r>
-              <a:rPr lang="en-IN" dirty="0" err="1"/>
-              <a:t>ApproveRejectRegistrationWindow</a:t>
-            </a:r>
-            <a:endParaRPr lang="en-IN" dirty="0"/>
-          </a:p>
-          <a:p>
-            <a:pPr algn="ctr"/>
-            <a:r>
-              <a:rPr lang="en-IN" dirty="0"/>
-              <a:t>Modal window</a:t>
+              <a:t>Go to route “/students”</a:t>
             </a:r>
           </a:p>
         </p:txBody>
@@ -17894,7 +18029,7 @@
         </p:nvSpPr>
         <p:spPr>
           <a:xfrm>
-            <a:off x="5641675" y="1978994"/>
+            <a:off x="4472798" y="1978992"/>
             <a:ext cx="583722" cy="276045"/>
           </a:xfrm>
           <a:prstGeom prst="rightArrow">
@@ -17934,8 +18069,8 @@
         </p:nvSpPr>
         <p:spPr>
           <a:xfrm>
-            <a:off x="6225396" y="1667824"/>
-            <a:ext cx="2677064" cy="1549832"/>
+            <a:off x="5056519" y="1667823"/>
+            <a:ext cx="2948793" cy="898382"/>
           </a:xfrm>
           <a:prstGeom prst="rect">
             <a:avLst/>
@@ -17964,32 +18099,17 @@
             <a:pPr algn="ctr"/>
             <a:r>
               <a:rPr lang="en-IN" dirty="0"/>
-              <a:t>On confirm approve / reject run </a:t>
+              <a:t>Fetch and cache all registering students using </a:t>
             </a:r>
             <a:r>
               <a:rPr lang="en-IN" dirty="0" err="1"/>
-              <a:t>approveStudentRegisteration</a:t>
+              <a:t>useGetRegisteringStudents</a:t>
             </a:r>
             <a:endParaRPr lang="en-IN" dirty="0"/>
           </a:p>
           <a:p>
             <a:pPr algn="ctr"/>
-            <a:r>
-              <a:rPr lang="en-IN" dirty="0"/>
-              <a:t>Or </a:t>
-            </a:r>
-            <a:r>
-              <a:rPr lang="en-IN" dirty="0" err="1"/>
-              <a:t>deleteStudent</a:t>
-            </a:r>
             <a:endParaRPr lang="en-IN" dirty="0"/>
-          </a:p>
-          <a:p>
-            <a:pPr algn="ctr"/>
-            <a:r>
-              <a:rPr lang="en-IN" dirty="0"/>
-              <a:t>mutations respectively</a:t>
-            </a:r>
           </a:p>
         </p:txBody>
       </p:sp>
@@ -18001,7 +18121,7 @@
         </p:nvSpPr>
         <p:spPr>
           <a:xfrm>
-            <a:off x="7446752" y="3217656"/>
+            <a:off x="6296563" y="2566206"/>
             <a:ext cx="234352" cy="879894"/>
           </a:xfrm>
           <a:prstGeom prst="downArrow">
@@ -18041,8 +18161,8 @@
         </p:nvSpPr>
         <p:spPr>
           <a:xfrm>
-            <a:off x="6467655" y="4097550"/>
-            <a:ext cx="2192546" cy="1466488"/>
+            <a:off x="5027042" y="3446100"/>
+            <a:ext cx="2773393" cy="1617606"/>
           </a:xfrm>
           <a:prstGeom prst="rect">
             <a:avLst/>
@@ -18071,15 +18191,27 @@
             <a:pPr algn="ctr"/>
             <a:r>
               <a:rPr lang="en-IN" dirty="0"/>
-              <a:t>Refresh registering students cache, so student list shows updated results</a:t>
-            </a:r>
+              <a:t>Display all registering students</a:t>
+            </a:r>
+          </a:p>
+          <a:p>
+            <a:pPr algn="ctr"/>
+            <a:r>
+              <a:rPr lang="en-IN" dirty="0"/>
+              <a:t>In a table using </a:t>
+            </a:r>
+            <a:r>
+              <a:rPr lang="en-IN" dirty="0" err="1"/>
+              <a:t>RegisteringStudentList</a:t>
+            </a:r>
+            <a:endParaRPr lang="en-IN" dirty="0"/>
           </a:p>
         </p:txBody>
       </p:sp>
     </p:spTree>
     <p:extLst>
       <p:ext uri="{BB962C8B-B14F-4D97-AF65-F5344CB8AC3E}">
-        <p14:creationId xmlns:p14="http://schemas.microsoft.com/office/powerpoint/2010/main" val="3188447353"/>
+        <p14:creationId xmlns:p14="http://schemas.microsoft.com/office/powerpoint/2010/main" val="332042696"/>
       </p:ext>
     </p:extLst>
   </p:cSld>
@@ -18116,19 +18248,354 @@
             <p:ph type="title"/>
           </p:nvPr>
         </p:nvSpPr>
-        <p:spPr>
-          <a:xfrm>
-            <a:off x="457200" y="274638"/>
-            <a:ext cx="8229600" cy="6255558"/>
-          </a:xfrm>
-        </p:spPr>
-        <p:txBody>
-          <a:bodyPr/>
+        <p:spPr/>
+        <p:txBody>
+          <a:bodyPr>
+            <a:normAutofit fontScale="90000"/>
+          </a:bodyPr>
           <a:lstStyle/>
           <a:p>
             <a:r>
               <a:rPr lang="en-IN" b="1" dirty="0"/>
-              <a:t>Student</a:t>
+              <a:t>Approve or Reject student</a:t>
+            </a:r>
+            <a:br>
+              <a:rPr lang="en-IN" b="1" dirty="0"/>
+            </a:br>
+            <a:r>
+              <a:rPr lang="en-IN" b="1" dirty="0"/>
+              <a:t>registration (Admin)</a:t>
+            </a:r>
+          </a:p>
+        </p:txBody>
+      </p:sp>
+      <p:sp>
+        <p:nvSpPr>
+          <p:cNvPr id="4" name="Rectangle 3"/>
+          <p:cNvSpPr/>
+          <p:nvPr/>
+        </p:nvSpPr>
+        <p:spPr>
+          <a:xfrm>
+            <a:off x="257355" y="1667827"/>
+            <a:ext cx="1708030" cy="898382"/>
+          </a:xfrm>
+          <a:prstGeom prst="rect">
+            <a:avLst/>
+          </a:prstGeom>
+        </p:spPr>
+        <p:style>
+          <a:lnRef idx="2">
+            <a:schemeClr val="accent1">
+              <a:shade val="50000"/>
+            </a:schemeClr>
+          </a:lnRef>
+          <a:fillRef idx="1">
+            <a:schemeClr val="accent1"/>
+          </a:fillRef>
+          <a:effectRef idx="0">
+            <a:schemeClr val="accent1"/>
+          </a:effectRef>
+          <a:fontRef idx="minor">
+            <a:schemeClr val="lt1"/>
+          </a:fontRef>
+        </p:style>
+        <p:txBody>
+          <a:bodyPr rtlCol="0" anchor="ctr"/>
+          <a:lstStyle/>
+          <a:p>
+            <a:pPr algn="ctr"/>
+            <a:r>
+              <a:rPr lang="en-IN" dirty="0"/>
+              <a:t>Admin clicks approve / reject button</a:t>
+            </a:r>
+          </a:p>
+        </p:txBody>
+      </p:sp>
+      <p:sp>
+        <p:nvSpPr>
+          <p:cNvPr id="5" name="Right Arrow 4"/>
+          <p:cNvSpPr/>
+          <p:nvPr/>
+        </p:nvSpPr>
+        <p:spPr>
+          <a:xfrm>
+            <a:off x="1965385" y="1978995"/>
+            <a:ext cx="583722" cy="276045"/>
+          </a:xfrm>
+          <a:prstGeom prst="rightArrow">
+            <a:avLst/>
+          </a:prstGeom>
+        </p:spPr>
+        <p:style>
+          <a:lnRef idx="2">
+            <a:schemeClr val="accent6">
+              <a:shade val="50000"/>
+            </a:schemeClr>
+          </a:lnRef>
+          <a:fillRef idx="1">
+            <a:schemeClr val="accent6"/>
+          </a:fillRef>
+          <a:effectRef idx="0">
+            <a:schemeClr val="accent6"/>
+          </a:effectRef>
+          <a:fontRef idx="minor">
+            <a:schemeClr val="lt1"/>
+          </a:fontRef>
+        </p:style>
+        <p:txBody>
+          <a:bodyPr rtlCol="0" anchor="ctr"/>
+          <a:lstStyle/>
+          <a:p>
+            <a:pPr algn="ctr"/>
+            <a:endParaRPr lang="en-IN"/>
+          </a:p>
+        </p:txBody>
+      </p:sp>
+      <p:sp>
+        <p:nvSpPr>
+          <p:cNvPr id="6" name="Rectangle 5"/>
+          <p:cNvSpPr/>
+          <p:nvPr/>
+        </p:nvSpPr>
+        <p:spPr>
+          <a:xfrm>
+            <a:off x="2549107" y="1667826"/>
+            <a:ext cx="3092568" cy="898382"/>
+          </a:xfrm>
+          <a:prstGeom prst="rect">
+            <a:avLst/>
+          </a:prstGeom>
+        </p:spPr>
+        <p:style>
+          <a:lnRef idx="2">
+            <a:schemeClr val="accent1">
+              <a:shade val="50000"/>
+            </a:schemeClr>
+          </a:lnRef>
+          <a:fillRef idx="1">
+            <a:schemeClr val="accent1"/>
+          </a:fillRef>
+          <a:effectRef idx="0">
+            <a:schemeClr val="accent1"/>
+          </a:effectRef>
+          <a:fontRef idx="minor">
+            <a:schemeClr val="lt1"/>
+          </a:fontRef>
+        </p:style>
+        <p:txBody>
+          <a:bodyPr rtlCol="0" anchor="ctr"/>
+          <a:lstStyle/>
+          <a:p>
+            <a:pPr algn="ctr"/>
+            <a:r>
+              <a:rPr lang="en-IN" dirty="0"/>
+              <a:t>Open</a:t>
+            </a:r>
+          </a:p>
+          <a:p>
+            <a:pPr algn="ctr"/>
+            <a:r>
+              <a:rPr lang="en-IN" dirty="0" err="1"/>
+              <a:t>ApproveRejectRegistrationWindow</a:t>
+            </a:r>
+            <a:endParaRPr lang="en-IN" dirty="0"/>
+          </a:p>
+          <a:p>
+            <a:pPr algn="ctr"/>
+            <a:r>
+              <a:rPr lang="en-IN" dirty="0"/>
+              <a:t>Modal window</a:t>
+            </a:r>
+          </a:p>
+        </p:txBody>
+      </p:sp>
+      <p:sp>
+        <p:nvSpPr>
+          <p:cNvPr id="7" name="Right Arrow 6"/>
+          <p:cNvSpPr/>
+          <p:nvPr/>
+        </p:nvSpPr>
+        <p:spPr>
+          <a:xfrm>
+            <a:off x="5641675" y="1978994"/>
+            <a:ext cx="583722" cy="276045"/>
+          </a:xfrm>
+          <a:prstGeom prst="rightArrow">
+            <a:avLst/>
+          </a:prstGeom>
+        </p:spPr>
+        <p:style>
+          <a:lnRef idx="2">
+            <a:schemeClr val="accent6">
+              <a:shade val="50000"/>
+            </a:schemeClr>
+          </a:lnRef>
+          <a:fillRef idx="1">
+            <a:schemeClr val="accent6"/>
+          </a:fillRef>
+          <a:effectRef idx="0">
+            <a:schemeClr val="accent6"/>
+          </a:effectRef>
+          <a:fontRef idx="minor">
+            <a:schemeClr val="lt1"/>
+          </a:fontRef>
+        </p:style>
+        <p:txBody>
+          <a:bodyPr rtlCol="0" anchor="ctr"/>
+          <a:lstStyle/>
+          <a:p>
+            <a:pPr algn="ctr"/>
+            <a:endParaRPr lang="en-IN"/>
+          </a:p>
+        </p:txBody>
+      </p:sp>
+      <p:sp>
+        <p:nvSpPr>
+          <p:cNvPr id="8" name="Rectangle 7"/>
+          <p:cNvSpPr/>
+          <p:nvPr/>
+        </p:nvSpPr>
+        <p:spPr>
+          <a:xfrm>
+            <a:off x="6225396" y="1667824"/>
+            <a:ext cx="2677064" cy="1549832"/>
+          </a:xfrm>
+          <a:prstGeom prst="rect">
+            <a:avLst/>
+          </a:prstGeom>
+        </p:spPr>
+        <p:style>
+          <a:lnRef idx="2">
+            <a:schemeClr val="accent1">
+              <a:shade val="50000"/>
+            </a:schemeClr>
+          </a:lnRef>
+          <a:fillRef idx="1">
+            <a:schemeClr val="accent1"/>
+          </a:fillRef>
+          <a:effectRef idx="0">
+            <a:schemeClr val="accent1"/>
+          </a:effectRef>
+          <a:fontRef idx="minor">
+            <a:schemeClr val="lt1"/>
+          </a:fontRef>
+        </p:style>
+        <p:txBody>
+          <a:bodyPr rtlCol="0" anchor="ctr"/>
+          <a:lstStyle/>
+          <a:p>
+            <a:pPr algn="ctr"/>
+            <a:r>
+              <a:rPr lang="en-IN" dirty="0"/>
+              <a:t>On confirm approve / reject run </a:t>
+            </a:r>
+            <a:r>
+              <a:rPr lang="en-IN" dirty="0" err="1"/>
+              <a:t>approveStudentRegisteration</a:t>
+            </a:r>
+            <a:endParaRPr lang="en-IN" dirty="0"/>
+          </a:p>
+          <a:p>
+            <a:pPr algn="ctr"/>
+            <a:r>
+              <a:rPr lang="en-IN" dirty="0"/>
+              <a:t>Or </a:t>
+            </a:r>
+            <a:r>
+              <a:rPr lang="en-IN" dirty="0" err="1"/>
+              <a:t>deleteStudent</a:t>
+            </a:r>
+            <a:endParaRPr lang="en-IN" dirty="0"/>
+          </a:p>
+          <a:p>
+            <a:pPr algn="ctr"/>
+            <a:r>
+              <a:rPr lang="en-IN" dirty="0"/>
+              <a:t>mutations respectively</a:t>
+            </a:r>
+          </a:p>
+        </p:txBody>
+      </p:sp>
+      <p:sp>
+        <p:nvSpPr>
+          <p:cNvPr id="9" name="Down Arrow 8"/>
+          <p:cNvSpPr/>
+          <p:nvPr/>
+        </p:nvSpPr>
+        <p:spPr>
+          <a:xfrm>
+            <a:off x="7446752" y="3217656"/>
+            <a:ext cx="234352" cy="879894"/>
+          </a:xfrm>
+          <a:prstGeom prst="downArrow">
+            <a:avLst/>
+          </a:prstGeom>
+        </p:spPr>
+        <p:style>
+          <a:lnRef idx="2">
+            <a:schemeClr val="accent6">
+              <a:shade val="50000"/>
+            </a:schemeClr>
+          </a:lnRef>
+          <a:fillRef idx="1">
+            <a:schemeClr val="accent6"/>
+          </a:fillRef>
+          <a:effectRef idx="0">
+            <a:schemeClr val="accent6"/>
+          </a:effectRef>
+          <a:fontRef idx="minor">
+            <a:schemeClr val="lt1"/>
+          </a:fontRef>
+        </p:style>
+        <p:txBody>
+          <a:bodyPr rtlCol="0" anchor="ctr"/>
+          <a:lstStyle/>
+          <a:p>
+            <a:pPr algn="ctr"/>
+            <a:endParaRPr lang="en-IN"/>
+          </a:p>
+        </p:txBody>
+      </p:sp>
+      <p:sp>
+        <p:nvSpPr>
+          <p:cNvPr id="10" name="Rectangle 9"/>
+          <p:cNvSpPr/>
+          <p:nvPr/>
+        </p:nvSpPr>
+        <p:spPr>
+          <a:xfrm>
+            <a:off x="6467655" y="4097550"/>
+            <a:ext cx="2192546" cy="1466488"/>
+          </a:xfrm>
+          <a:prstGeom prst="rect">
+            <a:avLst/>
+          </a:prstGeom>
+        </p:spPr>
+        <p:style>
+          <a:lnRef idx="2">
+            <a:schemeClr val="accent1">
+              <a:shade val="50000"/>
+            </a:schemeClr>
+          </a:lnRef>
+          <a:fillRef idx="1">
+            <a:schemeClr val="accent1"/>
+          </a:fillRef>
+          <a:effectRef idx="0">
+            <a:schemeClr val="accent1"/>
+          </a:effectRef>
+          <a:fontRef idx="minor">
+            <a:schemeClr val="lt1"/>
+          </a:fontRef>
+        </p:style>
+        <p:txBody>
+          <a:bodyPr rtlCol="0" anchor="ctr"/>
+          <a:lstStyle/>
+          <a:p>
+            <a:pPr algn="ctr"/>
+            <a:r>
+              <a:rPr lang="en-IN" dirty="0"/>
+              <a:t>Refresh registering students cache, so student list shows updated results</a:t>
             </a:r>
           </a:p>
         </p:txBody>
@@ -18136,7 +18603,7 @@
     </p:spTree>
     <p:extLst>
       <p:ext uri="{BB962C8B-B14F-4D97-AF65-F5344CB8AC3E}">
-        <p14:creationId xmlns:p14="http://schemas.microsoft.com/office/powerpoint/2010/main" val="3898042312"/>
+        <p14:creationId xmlns:p14="http://schemas.microsoft.com/office/powerpoint/2010/main" val="3188447353"/>
       </p:ext>
     </p:extLst>
   </p:cSld>
@@ -18173,344 +18640,27 @@
             <p:ph type="title"/>
           </p:nvPr>
         </p:nvSpPr>
-        <p:spPr/>
-        <p:txBody>
-          <a:bodyPr>
-            <a:normAutofit fontScale="90000"/>
-          </a:bodyPr>
+        <p:spPr>
+          <a:xfrm>
+            <a:off x="457200" y="274638"/>
+            <a:ext cx="8229600" cy="6255558"/>
+          </a:xfrm>
+        </p:spPr>
+        <p:txBody>
+          <a:bodyPr/>
           <a:lstStyle/>
           <a:p>
             <a:r>
               <a:rPr lang="en-IN" b="1" dirty="0"/>
-              <a:t>View student appointments</a:t>
-            </a:r>
-            <a:br>
-              <a:rPr lang="en-IN" b="1" dirty="0"/>
-            </a:br>
-            <a:r>
-              <a:rPr lang="en-IN" b="1" dirty="0"/>
-              <a:t>(Student)</a:t>
-            </a:r>
-          </a:p>
-        </p:txBody>
-      </p:sp>
-      <p:sp>
-        <p:nvSpPr>
-          <p:cNvPr id="4" name="Rectangle 3"/>
-          <p:cNvSpPr/>
-          <p:nvPr/>
-        </p:nvSpPr>
-        <p:spPr>
-          <a:xfrm>
-            <a:off x="257355" y="1667827"/>
-            <a:ext cx="2291752" cy="1437682"/>
-          </a:xfrm>
-          <a:prstGeom prst="rect">
-            <a:avLst/>
-          </a:prstGeom>
-        </p:spPr>
-        <p:style>
-          <a:lnRef idx="2">
-            <a:schemeClr val="accent1">
-              <a:shade val="50000"/>
-            </a:schemeClr>
-          </a:lnRef>
-          <a:fillRef idx="1">
-            <a:schemeClr val="accent1"/>
-          </a:fillRef>
-          <a:effectRef idx="0">
-            <a:schemeClr val="accent1"/>
-          </a:effectRef>
-          <a:fontRef idx="minor">
-            <a:schemeClr val="lt1"/>
-          </a:fontRef>
-        </p:style>
-        <p:txBody>
-          <a:bodyPr rtlCol="0" anchor="ctr"/>
-          <a:lstStyle/>
-          <a:p>
-            <a:pPr algn="ctr"/>
-            <a:r>
-              <a:rPr lang="en-IN" dirty="0"/>
-              <a:t>Student logs in and is redirected to “/student/appointments” or clicks  “Appointments” tab from sidebar</a:t>
-            </a:r>
-          </a:p>
-        </p:txBody>
-      </p:sp>
-      <p:sp>
-        <p:nvSpPr>
-          <p:cNvPr id="5" name="Right Arrow 4"/>
-          <p:cNvSpPr/>
-          <p:nvPr/>
-        </p:nvSpPr>
-        <p:spPr>
-          <a:xfrm>
-            <a:off x="2549107" y="2248645"/>
-            <a:ext cx="583722" cy="276045"/>
-          </a:xfrm>
-          <a:prstGeom prst="rightArrow">
-            <a:avLst/>
-          </a:prstGeom>
-        </p:spPr>
-        <p:style>
-          <a:lnRef idx="2">
-            <a:schemeClr val="accent6">
-              <a:shade val="50000"/>
-            </a:schemeClr>
-          </a:lnRef>
-          <a:fillRef idx="1">
-            <a:schemeClr val="accent6"/>
-          </a:fillRef>
-          <a:effectRef idx="0">
-            <a:schemeClr val="accent6"/>
-          </a:effectRef>
-          <a:fontRef idx="minor">
-            <a:schemeClr val="lt1"/>
-          </a:fontRef>
-        </p:style>
-        <p:txBody>
-          <a:bodyPr rtlCol="0" anchor="ctr"/>
-          <a:lstStyle/>
-          <a:p>
-            <a:pPr algn="ctr"/>
-            <a:endParaRPr lang="en-IN"/>
-          </a:p>
-        </p:txBody>
-      </p:sp>
-      <p:sp>
-        <p:nvSpPr>
-          <p:cNvPr id="6" name="Rectangle 5"/>
-          <p:cNvSpPr/>
-          <p:nvPr/>
-        </p:nvSpPr>
-        <p:spPr>
-          <a:xfrm>
-            <a:off x="3132829" y="1676453"/>
-            <a:ext cx="2291752" cy="1437682"/>
-          </a:xfrm>
-          <a:prstGeom prst="rect">
-            <a:avLst/>
-          </a:prstGeom>
-        </p:spPr>
-        <p:style>
-          <a:lnRef idx="2">
-            <a:schemeClr val="accent1">
-              <a:shade val="50000"/>
-            </a:schemeClr>
-          </a:lnRef>
-          <a:fillRef idx="1">
-            <a:schemeClr val="accent1"/>
-          </a:fillRef>
-          <a:effectRef idx="0">
-            <a:schemeClr val="accent1"/>
-          </a:effectRef>
-          <a:fontRef idx="minor">
-            <a:schemeClr val="lt1"/>
-          </a:fontRef>
-        </p:style>
-        <p:txBody>
-          <a:bodyPr rtlCol="0" anchor="ctr"/>
-          <a:lstStyle/>
-          <a:p>
-            <a:pPr algn="ctr"/>
-            <a:r>
-              <a:rPr lang="en-IN" dirty="0" err="1"/>
-              <a:t>StudentAppointmentsCalendar</a:t>
-            </a:r>
-            <a:endParaRPr lang="en-IN" dirty="0"/>
-          </a:p>
-          <a:p>
-            <a:pPr algn="ctr"/>
-            <a:r>
-              <a:rPr lang="en-IN" dirty="0"/>
-              <a:t>is displayed along with other components</a:t>
-            </a:r>
-          </a:p>
-        </p:txBody>
-      </p:sp>
-      <p:sp>
-        <p:nvSpPr>
-          <p:cNvPr id="7" name="Right Arrow 6"/>
-          <p:cNvSpPr/>
-          <p:nvPr/>
-        </p:nvSpPr>
-        <p:spPr>
-          <a:xfrm>
-            <a:off x="5424581" y="2257271"/>
-            <a:ext cx="583722" cy="276045"/>
-          </a:xfrm>
-          <a:prstGeom prst="rightArrow">
-            <a:avLst/>
-          </a:prstGeom>
-        </p:spPr>
-        <p:style>
-          <a:lnRef idx="2">
-            <a:schemeClr val="accent6">
-              <a:shade val="50000"/>
-            </a:schemeClr>
-          </a:lnRef>
-          <a:fillRef idx="1">
-            <a:schemeClr val="accent6"/>
-          </a:fillRef>
-          <a:effectRef idx="0">
-            <a:schemeClr val="accent6"/>
-          </a:effectRef>
-          <a:fontRef idx="minor">
-            <a:schemeClr val="lt1"/>
-          </a:fontRef>
-        </p:style>
-        <p:txBody>
-          <a:bodyPr rtlCol="0" anchor="ctr"/>
-          <a:lstStyle/>
-          <a:p>
-            <a:pPr algn="ctr"/>
-            <a:endParaRPr lang="en-IN"/>
-          </a:p>
-        </p:txBody>
-      </p:sp>
-      <p:sp>
-        <p:nvSpPr>
-          <p:cNvPr id="8" name="Rectangle 7"/>
-          <p:cNvSpPr/>
-          <p:nvPr/>
-        </p:nvSpPr>
-        <p:spPr>
-          <a:xfrm>
-            <a:off x="6008303" y="1667826"/>
-            <a:ext cx="2291752" cy="1437682"/>
-          </a:xfrm>
-          <a:prstGeom prst="rect">
-            <a:avLst/>
-          </a:prstGeom>
-        </p:spPr>
-        <p:style>
-          <a:lnRef idx="2">
-            <a:schemeClr val="accent1">
-              <a:shade val="50000"/>
-            </a:schemeClr>
-          </a:lnRef>
-          <a:fillRef idx="1">
-            <a:schemeClr val="accent1"/>
-          </a:fillRef>
-          <a:effectRef idx="0">
-            <a:schemeClr val="accent1"/>
-          </a:effectRef>
-          <a:fontRef idx="minor">
-            <a:schemeClr val="lt1"/>
-          </a:fontRef>
-        </p:style>
-        <p:txBody>
-          <a:bodyPr rtlCol="0" anchor="ctr"/>
-          <a:lstStyle/>
-          <a:p>
-            <a:pPr algn="ctr"/>
-            <a:r>
-              <a:rPr lang="en-IN" dirty="0" err="1"/>
-              <a:t>StudentAppointmentsCalendar</a:t>
-            </a:r>
-            <a:endParaRPr lang="en-IN" dirty="0"/>
-          </a:p>
-          <a:p>
-            <a:pPr algn="ctr"/>
-            <a:r>
-              <a:rPr lang="en-IN" dirty="0"/>
-              <a:t>fetches and caches all appointments of the logged in student</a:t>
-            </a:r>
-          </a:p>
-        </p:txBody>
-      </p:sp>
-      <p:sp>
-        <p:nvSpPr>
-          <p:cNvPr id="9" name="Down Arrow 8"/>
-          <p:cNvSpPr/>
-          <p:nvPr/>
-        </p:nvSpPr>
-        <p:spPr>
-          <a:xfrm>
-            <a:off x="7057850" y="3105508"/>
-            <a:ext cx="234352" cy="879894"/>
-          </a:xfrm>
-          <a:prstGeom prst="downArrow">
-            <a:avLst/>
-          </a:prstGeom>
-        </p:spPr>
-        <p:style>
-          <a:lnRef idx="2">
-            <a:schemeClr val="accent6">
-              <a:shade val="50000"/>
-            </a:schemeClr>
-          </a:lnRef>
-          <a:fillRef idx="1">
-            <a:schemeClr val="accent6"/>
-          </a:fillRef>
-          <a:effectRef idx="0">
-            <a:schemeClr val="accent6"/>
-          </a:effectRef>
-          <a:fontRef idx="minor">
-            <a:schemeClr val="lt1"/>
-          </a:fontRef>
-        </p:style>
-        <p:txBody>
-          <a:bodyPr rtlCol="0" anchor="ctr"/>
-          <a:lstStyle/>
-          <a:p>
-            <a:pPr algn="ctr"/>
-            <a:endParaRPr lang="en-IN"/>
-          </a:p>
-        </p:txBody>
-      </p:sp>
-      <p:sp>
-        <p:nvSpPr>
-          <p:cNvPr id="10" name="Rectangle 9"/>
-          <p:cNvSpPr/>
-          <p:nvPr/>
-        </p:nvSpPr>
-        <p:spPr>
-          <a:xfrm>
-            <a:off x="6078753" y="3985402"/>
-            <a:ext cx="2192546" cy="1121436"/>
-          </a:xfrm>
-          <a:prstGeom prst="rect">
-            <a:avLst/>
-          </a:prstGeom>
-        </p:spPr>
-        <p:style>
-          <a:lnRef idx="2">
-            <a:schemeClr val="accent1">
-              <a:shade val="50000"/>
-            </a:schemeClr>
-          </a:lnRef>
-          <a:fillRef idx="1">
-            <a:schemeClr val="accent1"/>
-          </a:fillRef>
-          <a:effectRef idx="0">
-            <a:schemeClr val="accent1"/>
-          </a:effectRef>
-          <a:fontRef idx="minor">
-            <a:schemeClr val="lt1"/>
-          </a:fontRef>
-        </p:style>
-        <p:txBody>
-          <a:bodyPr rtlCol="0" anchor="ctr"/>
-          <a:lstStyle/>
-          <a:p>
-            <a:pPr algn="ctr"/>
-            <a:r>
-              <a:rPr lang="en-IN" dirty="0"/>
-              <a:t>These appointments are displayed using </a:t>
-            </a:r>
-            <a:r>
-              <a:rPr lang="en-IN" dirty="0" err="1"/>
-              <a:t>AppointmentsCalendar</a:t>
-            </a:r>
-            <a:endParaRPr lang="en-IN" dirty="0"/>
+              <a:t>Student</a:t>
+            </a:r>
           </a:p>
         </p:txBody>
       </p:sp>
     </p:spTree>
     <p:extLst>
       <p:ext uri="{BB962C8B-B14F-4D97-AF65-F5344CB8AC3E}">
-        <p14:creationId xmlns:p14="http://schemas.microsoft.com/office/powerpoint/2010/main" val="3634625149"/>
+        <p14:creationId xmlns:p14="http://schemas.microsoft.com/office/powerpoint/2010/main" val="3898042312"/>
       </p:ext>
     </p:extLst>
   </p:cSld>
@@ -18547,31 +18697,22 @@
             <p:ph type="title"/>
           </p:nvPr>
         </p:nvSpPr>
-        <p:spPr>
-          <a:xfrm>
-            <a:off x="457200" y="274637"/>
-            <a:ext cx="8229600" cy="2339167"/>
-          </a:xfrm>
-        </p:spPr>
+        <p:spPr/>
         <p:txBody>
           <a:bodyPr>
-            <a:noAutofit/>
+            <a:normAutofit fontScale="90000"/>
           </a:bodyPr>
           <a:lstStyle/>
           <a:p>
             <a:r>
-              <a:rPr lang="en-IN" sz="4000" b="1" dirty="0"/>
-              <a:t>Show appointment details from </a:t>
-            </a:r>
-            <a:r>
-              <a:rPr lang="en-IN" sz="4000" b="1" dirty="0" err="1"/>
-              <a:t>StudentAppointmentsCalendar</a:t>
+              <a:rPr lang="en-IN" b="1" dirty="0"/>
+              <a:t>View student appointments</a:t>
             </a:r>
             <a:br>
-              <a:rPr lang="en-IN" sz="4000" b="1" dirty="0"/>
+              <a:rPr lang="en-IN" b="1" dirty="0"/>
             </a:br>
             <a:r>
-              <a:rPr lang="en-IN" sz="4000" b="1" dirty="0"/>
+              <a:rPr lang="en-IN" b="1" dirty="0"/>
               <a:t>(Student)</a:t>
             </a:r>
           </a:p>
@@ -18585,7 +18726,7 @@
         </p:nvSpPr>
         <p:spPr>
           <a:xfrm>
-            <a:off x="506084" y="2970415"/>
+            <a:off x="257355" y="1667827"/>
             <a:ext cx="2291752" cy="1437682"/>
           </a:xfrm>
           <a:prstGeom prst="rect">
@@ -18612,24 +18753,11 @@
           <a:bodyPr rtlCol="0" anchor="ctr"/>
           <a:lstStyle/>
           <a:p>
-            <a:pPr lvl="1" algn="ctr"/>
+            <a:pPr algn="ctr"/>
             <a:r>
               <a:rPr lang="en-IN" dirty="0"/>
-              <a:t>An appointment is clicked on </a:t>
-            </a:r>
-            <a:r>
-              <a:rPr lang="en-IN" dirty="0" err="1"/>
-              <a:t>AppointmentsCalendar</a:t>
-            </a:r>
-            <a:r>
-              <a:rPr lang="en-IN" dirty="0"/>
-              <a:t> in </a:t>
-            </a:r>
-            <a:r>
-              <a:rPr lang="en-IN" dirty="0" err="1"/>
-              <a:t>StudentAppointmentsCalendar</a:t>
-            </a:r>
-            <a:endParaRPr lang="en-IN" dirty="0"/>
+              <a:t>Student logs in and is redirected to “/student/appointments” or clicks  “Appointments” tab from sidebar</a:t>
+            </a:r>
           </a:p>
         </p:txBody>
       </p:sp>
@@ -18641,7 +18769,7 @@
         </p:nvSpPr>
         <p:spPr>
           <a:xfrm>
-            <a:off x="2797836" y="3551233"/>
+            <a:off x="2549107" y="2248645"/>
             <a:ext cx="583722" cy="276045"/>
           </a:xfrm>
           <a:prstGeom prst="rightArrow">
@@ -18681,7 +18809,7 @@
         </p:nvSpPr>
         <p:spPr>
           <a:xfrm>
-            <a:off x="3381558" y="2979041"/>
+            <a:off x="3132829" y="1676453"/>
             <a:ext cx="2291752" cy="1437682"/>
           </a:xfrm>
           <a:prstGeom prst="rect">
@@ -18710,18 +18838,17 @@
           <a:p>
             <a:pPr algn="ctr"/>
             <a:r>
+              <a:rPr lang="en-IN" dirty="0" err="1"/>
+              <a:t>StudentAppointmentsCalendar</a:t>
+            </a:r>
+            <a:endParaRPr lang="en-IN" dirty="0"/>
+          </a:p>
+          <a:p>
+            <a:pPr algn="ctr"/>
+            <a:r>
               <a:rPr lang="en-IN" dirty="0"/>
-              <a:t>Pass that appointment object to </a:t>
-            </a:r>
-            <a:r>
-              <a:rPr lang="en-IN" dirty="0" err="1"/>
-              <a:t>AppointmentDetailed</a:t>
-            </a:r>
-            <a:endParaRPr lang="en-IN" dirty="0"/>
-          </a:p>
-          <a:p>
-            <a:pPr algn="ctr"/>
-            <a:endParaRPr lang="en-IN" dirty="0"/>
+              <a:t>is displayed along with other components</a:t>
+            </a:r>
           </a:p>
         </p:txBody>
       </p:sp>
@@ -18733,7 +18860,7 @@
         </p:nvSpPr>
         <p:spPr>
           <a:xfrm>
-            <a:off x="5673310" y="3548357"/>
+            <a:off x="5424581" y="2257271"/>
             <a:ext cx="583722" cy="276045"/>
           </a:xfrm>
           <a:prstGeom prst="rightArrow">
@@ -18773,7 +18900,7 @@
         </p:nvSpPr>
         <p:spPr>
           <a:xfrm>
-            <a:off x="6257032" y="2976165"/>
+            <a:off x="6008303" y="1667826"/>
             <a:ext cx="2291752" cy="1437682"/>
           </a:xfrm>
           <a:prstGeom prst="rect">
@@ -18802,8 +18929,16 @@
           <a:p>
             <a:pPr algn="ctr"/>
             <a:r>
+              <a:rPr lang="en-IN" dirty="0" err="1"/>
+              <a:t>StudentAppointmentsCalendar</a:t>
+            </a:r>
+            <a:endParaRPr lang="en-IN" dirty="0"/>
+          </a:p>
+          <a:p>
+            <a:pPr algn="ctr"/>
+            <a:r>
               <a:rPr lang="en-IN" dirty="0"/>
-              <a:t>Fetch and cache that appointment details along with student and teacher name</a:t>
+              <a:t>fetches and caches all appointments of the logged in student</a:t>
             </a:r>
           </a:p>
         </p:txBody>
@@ -18816,7 +18951,7 @@
         </p:nvSpPr>
         <p:spPr>
           <a:xfrm>
-            <a:off x="7236129" y="4408097"/>
+            <a:off x="7057850" y="3105508"/>
             <a:ext cx="234352" cy="879894"/>
           </a:xfrm>
           <a:prstGeom prst="downArrow">
@@ -18856,7 +18991,7 @@
         </p:nvSpPr>
         <p:spPr>
           <a:xfrm>
-            <a:off x="6257032" y="5287991"/>
+            <a:off x="6078753" y="3985402"/>
             <a:ext cx="2192546" cy="1121436"/>
           </a:xfrm>
           <a:prstGeom prst="rect">
@@ -18886,23 +19021,20 @@
             <a:pPr algn="ctr"/>
             <a:r>
               <a:rPr lang="en-IN" dirty="0"/>
-              <a:t>Display appointment details in </a:t>
+              <a:t>These appointments are displayed using </a:t>
             </a:r>
             <a:r>
               <a:rPr lang="en-IN" dirty="0" err="1"/>
-              <a:t>AppointmentDetailed</a:t>
-            </a:r>
-            <a:r>
-              <a:rPr lang="en-IN" dirty="0"/>
-              <a:t> modal window</a:t>
-            </a:r>
+              <a:t>AppointmentsCalendar</a:t>
+            </a:r>
+            <a:endParaRPr lang="en-IN" dirty="0"/>
           </a:p>
         </p:txBody>
       </p:sp>
     </p:spTree>
     <p:extLst>
       <p:ext uri="{BB962C8B-B14F-4D97-AF65-F5344CB8AC3E}">
-        <p14:creationId xmlns:p14="http://schemas.microsoft.com/office/powerpoint/2010/main" val="1408202664"/>
+        <p14:creationId xmlns:p14="http://schemas.microsoft.com/office/powerpoint/2010/main" val="3634625149"/>
       </p:ext>
     </p:extLst>
   </p:cSld>
@@ -18939,14 +19071,32 @@
             <p:ph type="title"/>
           </p:nvPr>
         </p:nvSpPr>
-        <p:spPr/>
-        <p:txBody>
-          <a:bodyPr/>
+        <p:spPr>
+          <a:xfrm>
+            <a:off x="457200" y="274637"/>
+            <a:ext cx="8229600" cy="2339167"/>
+          </a:xfrm>
+        </p:spPr>
+        <p:txBody>
+          <a:bodyPr>
+            <a:noAutofit/>
+          </a:bodyPr>
           <a:lstStyle/>
           <a:p>
             <a:r>
-              <a:rPr lang="en-IN" b="1" dirty="0"/>
-              <a:t>Book an appointment (Student)</a:t>
+              <a:rPr lang="en-IN" sz="4000" b="1" dirty="0"/>
+              <a:t>Show appointment details from </a:t>
+            </a:r>
+            <a:r>
+              <a:rPr lang="en-IN" sz="4000" b="1" dirty="0" err="1"/>
+              <a:t>StudentAppointmentsCalendar</a:t>
+            </a:r>
+            <a:br>
+              <a:rPr lang="en-IN" sz="4000" b="1" dirty="0"/>
+            </a:br>
+            <a:r>
+              <a:rPr lang="en-IN" sz="4000" b="1" dirty="0"/>
+              <a:t>(Student)</a:t>
             </a:r>
           </a:p>
         </p:txBody>
@@ -18959,7 +19109,7 @@
         </p:nvSpPr>
         <p:spPr>
           <a:xfrm>
-            <a:off x="471577" y="1961124"/>
+            <a:off x="506084" y="2970415"/>
             <a:ext cx="2291752" cy="1437682"/>
           </a:xfrm>
           <a:prstGeom prst="rect">
@@ -18989,8 +19139,21 @@
             <a:pPr lvl="1" algn="ctr"/>
             <a:r>
               <a:rPr lang="en-IN" dirty="0"/>
-              <a:t>Student clicks Book an appointment button from appointments tab or student selects Book an appointment tab from sidebar</a:t>
-            </a:r>
+              <a:t>An appointment is clicked on </a:t>
+            </a:r>
+            <a:r>
+              <a:rPr lang="en-IN" dirty="0" err="1"/>
+              <a:t>AppointmentsCalendar</a:t>
+            </a:r>
+            <a:r>
+              <a:rPr lang="en-IN" dirty="0"/>
+              <a:t> in </a:t>
+            </a:r>
+            <a:r>
+              <a:rPr lang="en-IN" dirty="0" err="1"/>
+              <a:t>StudentAppointmentsCalendar</a:t>
+            </a:r>
+            <a:endParaRPr lang="en-IN" dirty="0"/>
           </a:p>
         </p:txBody>
       </p:sp>
@@ -19002,7 +19165,7 @@
         </p:nvSpPr>
         <p:spPr>
           <a:xfrm>
-            <a:off x="2763329" y="2541942"/>
+            <a:off x="2797836" y="3551233"/>
             <a:ext cx="583722" cy="276045"/>
           </a:xfrm>
           <a:prstGeom prst="rightArrow">
@@ -19036,13 +19199,13 @@
       </p:sp>
       <p:sp>
         <p:nvSpPr>
-          <p:cNvPr id="9" name="Rectangle 8"/>
+          <p:cNvPr id="6" name="Rectangle 5"/>
           <p:cNvSpPr/>
           <p:nvPr/>
         </p:nvSpPr>
         <p:spPr>
           <a:xfrm>
-            <a:off x="3347051" y="1961124"/>
+            <a:off x="3381558" y="2979041"/>
             <a:ext cx="2291752" cy="1437682"/>
           </a:xfrm>
           <a:prstGeom prst="rect">
@@ -19069,10 +19232,193 @@
           <a:bodyPr rtlCol="0" anchor="ctr"/>
           <a:lstStyle/>
           <a:p>
-            <a:pPr lvl="1" algn="ctr"/>
+            <a:pPr algn="ctr"/>
             <a:r>
               <a:rPr lang="en-IN" dirty="0"/>
-              <a:t>Render search teacher form</a:t>
+              <a:t>Pass that appointment object to </a:t>
+            </a:r>
+            <a:r>
+              <a:rPr lang="en-IN" dirty="0" err="1"/>
+              <a:t>AppointmentDetailed</a:t>
+            </a:r>
+            <a:endParaRPr lang="en-IN" dirty="0"/>
+          </a:p>
+          <a:p>
+            <a:pPr algn="ctr"/>
+            <a:endParaRPr lang="en-IN" dirty="0"/>
+          </a:p>
+        </p:txBody>
+      </p:sp>
+      <p:sp>
+        <p:nvSpPr>
+          <p:cNvPr id="7" name="Right Arrow 6"/>
+          <p:cNvSpPr/>
+          <p:nvPr/>
+        </p:nvSpPr>
+        <p:spPr>
+          <a:xfrm>
+            <a:off x="5673310" y="3548357"/>
+            <a:ext cx="583722" cy="276045"/>
+          </a:xfrm>
+          <a:prstGeom prst="rightArrow">
+            <a:avLst/>
+          </a:prstGeom>
+        </p:spPr>
+        <p:style>
+          <a:lnRef idx="2">
+            <a:schemeClr val="accent6">
+              <a:shade val="50000"/>
+            </a:schemeClr>
+          </a:lnRef>
+          <a:fillRef idx="1">
+            <a:schemeClr val="accent6"/>
+          </a:fillRef>
+          <a:effectRef idx="0">
+            <a:schemeClr val="accent6"/>
+          </a:effectRef>
+          <a:fontRef idx="minor">
+            <a:schemeClr val="lt1"/>
+          </a:fontRef>
+        </p:style>
+        <p:txBody>
+          <a:bodyPr rtlCol="0" anchor="ctr"/>
+          <a:lstStyle/>
+          <a:p>
+            <a:pPr algn="ctr"/>
+            <a:endParaRPr lang="en-IN"/>
+          </a:p>
+        </p:txBody>
+      </p:sp>
+      <p:sp>
+        <p:nvSpPr>
+          <p:cNvPr id="8" name="Rectangle 7"/>
+          <p:cNvSpPr/>
+          <p:nvPr/>
+        </p:nvSpPr>
+        <p:spPr>
+          <a:xfrm>
+            <a:off x="6257032" y="2976165"/>
+            <a:ext cx="2291752" cy="1437682"/>
+          </a:xfrm>
+          <a:prstGeom prst="rect">
+            <a:avLst/>
+          </a:prstGeom>
+        </p:spPr>
+        <p:style>
+          <a:lnRef idx="2">
+            <a:schemeClr val="accent1">
+              <a:shade val="50000"/>
+            </a:schemeClr>
+          </a:lnRef>
+          <a:fillRef idx="1">
+            <a:schemeClr val="accent1"/>
+          </a:fillRef>
+          <a:effectRef idx="0">
+            <a:schemeClr val="accent1"/>
+          </a:effectRef>
+          <a:fontRef idx="minor">
+            <a:schemeClr val="lt1"/>
+          </a:fontRef>
+        </p:style>
+        <p:txBody>
+          <a:bodyPr rtlCol="0" anchor="ctr"/>
+          <a:lstStyle/>
+          <a:p>
+            <a:pPr algn="ctr"/>
+            <a:r>
+              <a:rPr lang="en-IN" dirty="0"/>
+              <a:t>Fetch and cache that appointment details along with student and teacher name</a:t>
+            </a:r>
+          </a:p>
+        </p:txBody>
+      </p:sp>
+      <p:sp>
+        <p:nvSpPr>
+          <p:cNvPr id="9" name="Down Arrow 8"/>
+          <p:cNvSpPr/>
+          <p:nvPr/>
+        </p:nvSpPr>
+        <p:spPr>
+          <a:xfrm>
+            <a:off x="7236129" y="4408097"/>
+            <a:ext cx="234352" cy="879894"/>
+          </a:xfrm>
+          <a:prstGeom prst="downArrow">
+            <a:avLst/>
+          </a:prstGeom>
+        </p:spPr>
+        <p:style>
+          <a:lnRef idx="2">
+            <a:schemeClr val="accent6">
+              <a:shade val="50000"/>
+            </a:schemeClr>
+          </a:lnRef>
+          <a:fillRef idx="1">
+            <a:schemeClr val="accent6"/>
+          </a:fillRef>
+          <a:effectRef idx="0">
+            <a:schemeClr val="accent6"/>
+          </a:effectRef>
+          <a:fontRef idx="minor">
+            <a:schemeClr val="lt1"/>
+          </a:fontRef>
+        </p:style>
+        <p:txBody>
+          <a:bodyPr rtlCol="0" anchor="ctr"/>
+          <a:lstStyle/>
+          <a:p>
+            <a:pPr algn="ctr"/>
+            <a:endParaRPr lang="en-IN"/>
+          </a:p>
+        </p:txBody>
+      </p:sp>
+      <p:sp>
+        <p:nvSpPr>
+          <p:cNvPr id="10" name="Rectangle 9"/>
+          <p:cNvSpPr/>
+          <p:nvPr/>
+        </p:nvSpPr>
+        <p:spPr>
+          <a:xfrm>
+            <a:off x="6257032" y="5287991"/>
+            <a:ext cx="2192546" cy="1121436"/>
+          </a:xfrm>
+          <a:prstGeom prst="rect">
+            <a:avLst/>
+          </a:prstGeom>
+        </p:spPr>
+        <p:style>
+          <a:lnRef idx="2">
+            <a:schemeClr val="accent1">
+              <a:shade val="50000"/>
+            </a:schemeClr>
+          </a:lnRef>
+          <a:fillRef idx="1">
+            <a:schemeClr val="accent1"/>
+          </a:fillRef>
+          <a:effectRef idx="0">
+            <a:schemeClr val="accent1"/>
+          </a:effectRef>
+          <a:fontRef idx="minor">
+            <a:schemeClr val="lt1"/>
+          </a:fontRef>
+        </p:style>
+        <p:txBody>
+          <a:bodyPr rtlCol="0" anchor="ctr"/>
+          <a:lstStyle/>
+          <a:p>
+            <a:pPr algn="ctr"/>
+            <a:r>
+              <a:rPr lang="en-IN" dirty="0"/>
+              <a:t>Display appointment details in </a:t>
+            </a:r>
+            <a:r>
+              <a:rPr lang="en-IN" dirty="0" err="1"/>
+              <a:t>AppointmentDetailed</a:t>
+            </a:r>
+            <a:r>
+              <a:rPr lang="en-IN" dirty="0"/>
+              <a:t> modal window</a:t>
             </a:r>
           </a:p>
         </p:txBody>
@@ -19080,7 +19426,7 @@
     </p:spTree>
     <p:extLst>
       <p:ext uri="{BB962C8B-B14F-4D97-AF65-F5344CB8AC3E}">
-        <p14:creationId xmlns:p14="http://schemas.microsoft.com/office/powerpoint/2010/main" val="3136596312"/>
+        <p14:creationId xmlns:p14="http://schemas.microsoft.com/office/powerpoint/2010/main" val="1408202664"/>
       </p:ext>
     </p:extLst>
   </p:cSld>
@@ -19119,14 +19465,12 @@
         </p:nvSpPr>
         <p:spPr/>
         <p:txBody>
-          <a:bodyPr>
-            <a:normAutofit/>
-          </a:bodyPr>
+          <a:bodyPr/>
           <a:lstStyle/>
           <a:p>
             <a:r>
-              <a:rPr lang="en-IN" sz="3200" b="1" dirty="0"/>
-              <a:t>#1. Searching a teacher</a:t>
+              <a:rPr lang="en-IN" b="1" dirty="0"/>
+              <a:t>Book an appointment (Student)</a:t>
             </a:r>
           </a:p>
         </p:txBody>
@@ -19169,7 +19513,7 @@
             <a:pPr lvl="1" algn="ctr"/>
             <a:r>
               <a:rPr lang="en-IN" dirty="0"/>
-              <a:t>On search teacher form submit</a:t>
+              <a:t>Student clicks Book an appointment button from appointments tab or student selects Book an appointment tab from sidebar</a:t>
             </a:r>
           </a:p>
         </p:txBody>
@@ -19216,7 +19560,7 @@
       </p:sp>
       <p:sp>
         <p:nvSpPr>
-          <p:cNvPr id="6" name="Rectangle 5"/>
+          <p:cNvPr id="9" name="Rectangle 8"/>
           <p:cNvSpPr/>
           <p:nvPr/>
         </p:nvSpPr>
@@ -19252,186 +19596,15 @@
             <a:pPr lvl="1" algn="ctr"/>
             <a:r>
               <a:rPr lang="en-IN" dirty="0"/>
-              <a:t>Fetch all teachers which matches search queries</a:t>
-            </a:r>
-          </a:p>
-        </p:txBody>
-      </p:sp>
-      <p:sp>
-        <p:nvSpPr>
-          <p:cNvPr id="7" name="Right Arrow 6"/>
-          <p:cNvSpPr/>
-          <p:nvPr/>
-        </p:nvSpPr>
-        <p:spPr>
-          <a:xfrm>
-            <a:off x="5638803" y="2556319"/>
-            <a:ext cx="583722" cy="276045"/>
-          </a:xfrm>
-          <a:prstGeom prst="rightArrow">
-            <a:avLst/>
-          </a:prstGeom>
-        </p:spPr>
-        <p:style>
-          <a:lnRef idx="2">
-            <a:schemeClr val="accent6">
-              <a:shade val="50000"/>
-            </a:schemeClr>
-          </a:lnRef>
-          <a:fillRef idx="1">
-            <a:schemeClr val="accent6"/>
-          </a:fillRef>
-          <a:effectRef idx="0">
-            <a:schemeClr val="accent6"/>
-          </a:effectRef>
-          <a:fontRef idx="minor">
-            <a:schemeClr val="lt1"/>
-          </a:fontRef>
-        </p:style>
-        <p:txBody>
-          <a:bodyPr rtlCol="0" anchor="ctr"/>
-          <a:lstStyle/>
-          <a:p>
-            <a:pPr algn="ctr"/>
-            <a:endParaRPr lang="en-IN"/>
-          </a:p>
-        </p:txBody>
-      </p:sp>
-      <p:sp>
-        <p:nvSpPr>
-          <p:cNvPr id="8" name="Rectangle 7"/>
-          <p:cNvSpPr/>
-          <p:nvPr/>
-        </p:nvSpPr>
-        <p:spPr>
-          <a:xfrm>
-            <a:off x="6222525" y="1975501"/>
-            <a:ext cx="2291752" cy="1437682"/>
-          </a:xfrm>
-          <a:prstGeom prst="rect">
-            <a:avLst/>
-          </a:prstGeom>
-        </p:spPr>
-        <p:style>
-          <a:lnRef idx="2">
-            <a:schemeClr val="accent1">
-              <a:shade val="50000"/>
-            </a:schemeClr>
-          </a:lnRef>
-          <a:fillRef idx="1">
-            <a:schemeClr val="accent1"/>
-          </a:fillRef>
-          <a:effectRef idx="0">
-            <a:schemeClr val="accent1"/>
-          </a:effectRef>
-          <a:fontRef idx="minor">
-            <a:schemeClr val="lt1"/>
-          </a:fontRef>
-        </p:style>
-        <p:txBody>
-          <a:bodyPr rtlCol="0" anchor="ctr"/>
-          <a:lstStyle/>
-          <a:p>
-            <a:pPr lvl="1" algn="ctr"/>
-            <a:r>
-              <a:rPr lang="en-IN" dirty="0"/>
-              <a:t>Close form</a:t>
-            </a:r>
-          </a:p>
-        </p:txBody>
-      </p:sp>
-      <p:sp>
-        <p:nvSpPr>
-          <p:cNvPr id="9" name="Down Arrow 8"/>
-          <p:cNvSpPr/>
-          <p:nvPr/>
-        </p:nvSpPr>
-        <p:spPr>
-          <a:xfrm>
-            <a:off x="7236129" y="3398806"/>
-            <a:ext cx="234352" cy="879894"/>
-          </a:xfrm>
-          <a:prstGeom prst="downArrow">
-            <a:avLst/>
-          </a:prstGeom>
-        </p:spPr>
-        <p:style>
-          <a:lnRef idx="2">
-            <a:schemeClr val="accent6">
-              <a:shade val="50000"/>
-            </a:schemeClr>
-          </a:lnRef>
-          <a:fillRef idx="1">
-            <a:schemeClr val="accent6"/>
-          </a:fillRef>
-          <a:effectRef idx="0">
-            <a:schemeClr val="accent6"/>
-          </a:effectRef>
-          <a:fontRef idx="minor">
-            <a:schemeClr val="lt1"/>
-          </a:fontRef>
-        </p:style>
-        <p:txBody>
-          <a:bodyPr rtlCol="0" anchor="ctr"/>
-          <a:lstStyle/>
-          <a:p>
-            <a:pPr algn="ctr"/>
-            <a:endParaRPr lang="en-IN"/>
-          </a:p>
-        </p:txBody>
-      </p:sp>
-      <p:sp>
-        <p:nvSpPr>
-          <p:cNvPr id="10" name="Rectangle 9"/>
-          <p:cNvSpPr/>
-          <p:nvPr/>
-        </p:nvSpPr>
-        <p:spPr>
-          <a:xfrm>
-            <a:off x="6257032" y="4278700"/>
-            <a:ext cx="2192546" cy="1181821"/>
-          </a:xfrm>
-          <a:prstGeom prst="rect">
-            <a:avLst/>
-          </a:prstGeom>
-        </p:spPr>
-        <p:style>
-          <a:lnRef idx="2">
-            <a:schemeClr val="accent1">
-              <a:shade val="50000"/>
-            </a:schemeClr>
-          </a:lnRef>
-          <a:fillRef idx="1">
-            <a:schemeClr val="accent1"/>
-          </a:fillRef>
-          <a:effectRef idx="0">
-            <a:schemeClr val="accent1"/>
-          </a:effectRef>
-          <a:fontRef idx="minor">
-            <a:schemeClr val="lt1"/>
-          </a:fontRef>
-        </p:style>
-        <p:txBody>
-          <a:bodyPr rtlCol="0" anchor="ctr"/>
-          <a:lstStyle/>
-          <a:p>
-            <a:pPr algn="ctr"/>
-            <a:r>
-              <a:rPr lang="en-IN" dirty="0"/>
-              <a:t>List search results for teachers in using </a:t>
-            </a:r>
-            <a:r>
-              <a:rPr lang="en-IN" dirty="0" err="1"/>
-              <a:t>TeachersList</a:t>
-            </a:r>
-            <a:endParaRPr lang="en-IN" dirty="0"/>
+              <a:t>Render search teacher form</a:t>
+            </a:r>
           </a:p>
         </p:txBody>
       </p:sp>
     </p:spTree>
     <p:extLst>
       <p:ext uri="{BB962C8B-B14F-4D97-AF65-F5344CB8AC3E}">
-        <p14:creationId xmlns:p14="http://schemas.microsoft.com/office/powerpoint/2010/main" val="524650799"/>
+        <p14:creationId xmlns:p14="http://schemas.microsoft.com/office/powerpoint/2010/main" val="3136596312"/>
       </p:ext>
     </p:extLst>
   </p:cSld>
@@ -19477,7 +19650,7 @@
           <a:p>
             <a:r>
               <a:rPr lang="en-IN" sz="3200" b="1" dirty="0"/>
-              <a:t>#2. Selecting a teacher from results</a:t>
+              <a:t>#1. Searching a teacher</a:t>
             </a:r>
           </a:p>
         </p:txBody>
@@ -19520,7 +19693,7 @@
             <a:pPr lvl="1" algn="ctr"/>
             <a:r>
               <a:rPr lang="en-IN" dirty="0"/>
-              <a:t>From searched teachers results list click Book button from teacher row that we want to book an appointment with.</a:t>
+              <a:t>On search teacher form submit</a:t>
             </a:r>
           </a:p>
         </p:txBody>
@@ -19574,7 +19747,7 @@
         <p:spPr>
           <a:xfrm>
             <a:off x="3347051" y="1961124"/>
-            <a:ext cx="2291752" cy="2076038"/>
+            <a:ext cx="2291752" cy="1437682"/>
           </a:xfrm>
           <a:prstGeom prst="rect">
             <a:avLst/>
@@ -19603,27 +19776,186 @@
             <a:pPr lvl="1" algn="ctr"/>
             <a:r>
               <a:rPr lang="en-IN" dirty="0"/>
-              <a:t>Will open </a:t>
+              <a:t>Fetch all teachers which matches search queries</a:t>
+            </a:r>
+          </a:p>
+        </p:txBody>
+      </p:sp>
+      <p:sp>
+        <p:nvSpPr>
+          <p:cNvPr id="7" name="Right Arrow 6"/>
+          <p:cNvSpPr/>
+          <p:nvPr/>
+        </p:nvSpPr>
+        <p:spPr>
+          <a:xfrm>
+            <a:off x="5638803" y="2556319"/>
+            <a:ext cx="583722" cy="276045"/>
+          </a:xfrm>
+          <a:prstGeom prst="rightArrow">
+            <a:avLst/>
+          </a:prstGeom>
+        </p:spPr>
+        <p:style>
+          <a:lnRef idx="2">
+            <a:schemeClr val="accent6">
+              <a:shade val="50000"/>
+            </a:schemeClr>
+          </a:lnRef>
+          <a:fillRef idx="1">
+            <a:schemeClr val="accent6"/>
+          </a:fillRef>
+          <a:effectRef idx="0">
+            <a:schemeClr val="accent6"/>
+          </a:effectRef>
+          <a:fontRef idx="minor">
+            <a:schemeClr val="lt1"/>
+          </a:fontRef>
+        </p:style>
+        <p:txBody>
+          <a:bodyPr rtlCol="0" anchor="ctr"/>
+          <a:lstStyle/>
+          <a:p>
+            <a:pPr algn="ctr"/>
+            <a:endParaRPr lang="en-IN"/>
+          </a:p>
+        </p:txBody>
+      </p:sp>
+      <p:sp>
+        <p:nvSpPr>
+          <p:cNvPr id="8" name="Rectangle 7"/>
+          <p:cNvSpPr/>
+          <p:nvPr/>
+        </p:nvSpPr>
+        <p:spPr>
+          <a:xfrm>
+            <a:off x="6222525" y="1975501"/>
+            <a:ext cx="2291752" cy="1437682"/>
+          </a:xfrm>
+          <a:prstGeom prst="rect">
+            <a:avLst/>
+          </a:prstGeom>
+        </p:spPr>
+        <p:style>
+          <a:lnRef idx="2">
+            <a:schemeClr val="accent1">
+              <a:shade val="50000"/>
+            </a:schemeClr>
+          </a:lnRef>
+          <a:fillRef idx="1">
+            <a:schemeClr val="accent1"/>
+          </a:fillRef>
+          <a:effectRef idx="0">
+            <a:schemeClr val="accent1"/>
+          </a:effectRef>
+          <a:fontRef idx="minor">
+            <a:schemeClr val="lt1"/>
+          </a:fontRef>
+        </p:style>
+        <p:txBody>
+          <a:bodyPr rtlCol="0" anchor="ctr"/>
+          <a:lstStyle/>
+          <a:p>
+            <a:pPr lvl="1" algn="ctr"/>
+            <a:r>
+              <a:rPr lang="en-IN" dirty="0"/>
+              <a:t>Close form</a:t>
+            </a:r>
+          </a:p>
+        </p:txBody>
+      </p:sp>
+      <p:sp>
+        <p:nvSpPr>
+          <p:cNvPr id="9" name="Down Arrow 8"/>
+          <p:cNvSpPr/>
+          <p:nvPr/>
+        </p:nvSpPr>
+        <p:spPr>
+          <a:xfrm>
+            <a:off x="7236129" y="3398806"/>
+            <a:ext cx="234352" cy="879894"/>
+          </a:xfrm>
+          <a:prstGeom prst="downArrow">
+            <a:avLst/>
+          </a:prstGeom>
+        </p:spPr>
+        <p:style>
+          <a:lnRef idx="2">
+            <a:schemeClr val="accent6">
+              <a:shade val="50000"/>
+            </a:schemeClr>
+          </a:lnRef>
+          <a:fillRef idx="1">
+            <a:schemeClr val="accent6"/>
+          </a:fillRef>
+          <a:effectRef idx="0">
+            <a:schemeClr val="accent6"/>
+          </a:effectRef>
+          <a:fontRef idx="minor">
+            <a:schemeClr val="lt1"/>
+          </a:fontRef>
+        </p:style>
+        <p:txBody>
+          <a:bodyPr rtlCol="0" anchor="ctr"/>
+          <a:lstStyle/>
+          <a:p>
+            <a:pPr algn="ctr"/>
+            <a:endParaRPr lang="en-IN"/>
+          </a:p>
+        </p:txBody>
+      </p:sp>
+      <p:sp>
+        <p:nvSpPr>
+          <p:cNvPr id="10" name="Rectangle 9"/>
+          <p:cNvSpPr/>
+          <p:nvPr/>
+        </p:nvSpPr>
+        <p:spPr>
+          <a:xfrm>
+            <a:off x="6257032" y="4278700"/>
+            <a:ext cx="2192546" cy="1181821"/>
+          </a:xfrm>
+          <a:prstGeom prst="rect">
+            <a:avLst/>
+          </a:prstGeom>
+        </p:spPr>
+        <p:style>
+          <a:lnRef idx="2">
+            <a:schemeClr val="accent1">
+              <a:shade val="50000"/>
+            </a:schemeClr>
+          </a:lnRef>
+          <a:fillRef idx="1">
+            <a:schemeClr val="accent1"/>
+          </a:fillRef>
+          <a:effectRef idx="0">
+            <a:schemeClr val="accent1"/>
+          </a:effectRef>
+          <a:fontRef idx="minor">
+            <a:schemeClr val="lt1"/>
+          </a:fontRef>
+        </p:style>
+        <p:txBody>
+          <a:bodyPr rtlCol="0" anchor="ctr"/>
+          <a:lstStyle/>
+          <a:p>
+            <a:pPr algn="ctr"/>
+            <a:r>
+              <a:rPr lang="en-IN" dirty="0"/>
+              <a:t>List search results for teachers in using </a:t>
             </a:r>
             <a:r>
               <a:rPr lang="en-IN" dirty="0" err="1"/>
-              <a:t>SearchedTeacherAppointmentsCalendar</a:t>
+              <a:t>TeachersList</a:t>
             </a:r>
             <a:endParaRPr lang="en-IN" dirty="0"/>
-          </a:p>
-          <a:p>
-            <a:pPr lvl="1" algn="ctr"/>
-            <a:r>
-              <a:rPr lang="en-IN" dirty="0"/>
-              <a:t>Filled with selected teacher’s appointments and ready for booking of new appointments in a modal window</a:t>
-            </a:r>
           </a:p>
         </p:txBody>
       </p:sp>
     </p:spTree>
     <p:extLst>
       <p:ext uri="{BB962C8B-B14F-4D97-AF65-F5344CB8AC3E}">
-        <p14:creationId xmlns:p14="http://schemas.microsoft.com/office/powerpoint/2010/main" val="2032442218"/>
+        <p14:creationId xmlns:p14="http://schemas.microsoft.com/office/powerpoint/2010/main" val="524650799"/>
       </p:ext>
     </p:extLst>
   </p:cSld>
@@ -19669,7 +20001,7 @@
           <a:p>
             <a:r>
               <a:rPr lang="en-IN" sz="3200" b="1" dirty="0"/>
-              <a:t>#3. Book an appointment with the selected teacher</a:t>
+              <a:t>#2. Selecting a teacher from results</a:t>
             </a:r>
           </a:p>
         </p:txBody>
@@ -19682,7 +20014,7 @@
         </p:nvSpPr>
         <p:spPr>
           <a:xfrm>
-            <a:off x="506084" y="2110675"/>
+            <a:off x="471577" y="1961124"/>
             <a:ext cx="2291752" cy="1437682"/>
           </a:xfrm>
           <a:prstGeom prst="rect">
@@ -19712,13 +20044,8 @@
             <a:pPr lvl="1" algn="ctr"/>
             <a:r>
               <a:rPr lang="en-IN" dirty="0"/>
-              <a:t>Time slot for appointment is selected from </a:t>
-            </a:r>
-            <a:r>
-              <a:rPr lang="en-IN" dirty="0" err="1"/>
-              <a:t>SearchedTeacherAppointmentsCalendar</a:t>
-            </a:r>
-            <a:endParaRPr lang="en-IN" dirty="0"/>
+              <a:t>From searched teachers results list click Book button from teacher row that we want to book an appointment with.</a:t>
+            </a:r>
           </a:p>
         </p:txBody>
       </p:sp>
@@ -19730,7 +20057,7 @@
         </p:nvSpPr>
         <p:spPr>
           <a:xfrm>
-            <a:off x="2797836" y="2691493"/>
+            <a:off x="2763329" y="2541942"/>
             <a:ext cx="583722" cy="276045"/>
           </a:xfrm>
           <a:prstGeom prst="rightArrow">
@@ -19770,8 +20097,8 @@
         </p:nvSpPr>
         <p:spPr>
           <a:xfrm>
-            <a:off x="3381558" y="2119301"/>
-            <a:ext cx="2291752" cy="1437682"/>
+            <a:off x="3347051" y="1961124"/>
+            <a:ext cx="2291752" cy="2076038"/>
           </a:xfrm>
           <a:prstGeom prst="rect">
             <a:avLst/>
@@ -19797,343 +20124,11 @@
           <a:bodyPr rtlCol="0" anchor="ctr"/>
           <a:lstStyle/>
           <a:p>
-            <a:pPr algn="ctr"/>
-            <a:r>
-              <a:rPr lang="en-IN" dirty="0" err="1"/>
-              <a:t>BookAppointmentForm</a:t>
-            </a:r>
-            <a:endParaRPr lang="en-IN" dirty="0"/>
-          </a:p>
-          <a:p>
-            <a:pPr algn="ctr"/>
+            <a:pPr lvl="1" algn="ctr"/>
             <a:r>
               <a:rPr lang="en-IN" dirty="0"/>
-              <a:t>Is shown as it is passed start </a:t>
-            </a:r>
-            <a:r>
-              <a:rPr lang="en-IN" dirty="0" err="1"/>
-              <a:t>time,end</a:t>
-            </a:r>
-            <a:r>
-              <a:rPr lang="en-IN" dirty="0"/>
-              <a:t> time and teacher as props.</a:t>
-            </a:r>
-          </a:p>
-        </p:txBody>
-      </p:sp>
-      <p:sp>
-        <p:nvSpPr>
-          <p:cNvPr id="7" name="Right Arrow 6"/>
-          <p:cNvSpPr/>
-          <p:nvPr/>
-        </p:nvSpPr>
-        <p:spPr>
-          <a:xfrm>
-            <a:off x="5673310" y="2697244"/>
-            <a:ext cx="583722" cy="276045"/>
-          </a:xfrm>
-          <a:prstGeom prst="rightArrow">
-            <a:avLst/>
-          </a:prstGeom>
-        </p:spPr>
-        <p:style>
-          <a:lnRef idx="2">
-            <a:schemeClr val="accent6">
-              <a:shade val="50000"/>
-            </a:schemeClr>
-          </a:lnRef>
-          <a:fillRef idx="1">
-            <a:schemeClr val="accent6"/>
-          </a:fillRef>
-          <a:effectRef idx="0">
-            <a:schemeClr val="accent6"/>
-          </a:effectRef>
-          <a:fontRef idx="minor">
-            <a:schemeClr val="lt1"/>
-          </a:fontRef>
-        </p:style>
-        <p:txBody>
-          <a:bodyPr rtlCol="0" anchor="ctr"/>
-          <a:lstStyle/>
-          <a:p>
-            <a:pPr algn="ctr"/>
-            <a:endParaRPr lang="en-IN"/>
-          </a:p>
-        </p:txBody>
-      </p:sp>
-      <p:sp>
-        <p:nvSpPr>
-          <p:cNvPr id="8" name="Rectangle 7"/>
-          <p:cNvSpPr/>
-          <p:nvPr/>
-        </p:nvSpPr>
-        <p:spPr>
-          <a:xfrm>
-            <a:off x="6257032" y="2125052"/>
-            <a:ext cx="2291752" cy="1437682"/>
-          </a:xfrm>
-          <a:prstGeom prst="rect">
-            <a:avLst/>
-          </a:prstGeom>
-        </p:spPr>
-        <p:style>
-          <a:lnRef idx="2">
-            <a:schemeClr val="accent1">
-              <a:shade val="50000"/>
-            </a:schemeClr>
-          </a:lnRef>
-          <a:fillRef idx="1">
-            <a:schemeClr val="accent1"/>
-          </a:fillRef>
-          <a:effectRef idx="0">
-            <a:schemeClr val="accent1"/>
-          </a:effectRef>
-          <a:fontRef idx="minor">
-            <a:schemeClr val="lt1"/>
-          </a:fontRef>
-        </p:style>
-        <p:txBody>
-          <a:bodyPr rtlCol="0" anchor="ctr"/>
-          <a:lstStyle/>
-          <a:p>
-            <a:pPr algn="ctr"/>
-            <a:r>
-              <a:rPr lang="en-IN" dirty="0"/>
-              <a:t>On </a:t>
-            </a:r>
-            <a:r>
-              <a:rPr lang="en-IN" dirty="0" err="1"/>
-              <a:t>BookAppointmentForm</a:t>
-            </a:r>
-            <a:endParaRPr lang="en-IN" dirty="0"/>
-          </a:p>
-          <a:p>
-            <a:pPr algn="ctr"/>
-            <a:r>
-              <a:rPr lang="en-IN" dirty="0"/>
-              <a:t>submit, new appointment is added using </a:t>
-            </a:r>
-            <a:r>
-              <a:rPr lang="en-IN" dirty="0" err="1"/>
-              <a:t>addAppointment</a:t>
-            </a:r>
-            <a:endParaRPr lang="en-IN" dirty="0"/>
-          </a:p>
-          <a:p>
-            <a:pPr algn="ctr"/>
-            <a:r>
-              <a:rPr lang="en-IN" dirty="0"/>
-              <a:t>mutation.</a:t>
-            </a:r>
-          </a:p>
-        </p:txBody>
-      </p:sp>
-      <p:sp>
-        <p:nvSpPr>
-          <p:cNvPr id="9" name="Down Arrow 8"/>
-          <p:cNvSpPr/>
-          <p:nvPr/>
-        </p:nvSpPr>
-        <p:spPr>
-          <a:xfrm>
-            <a:off x="7236129" y="3548357"/>
-            <a:ext cx="234352" cy="879894"/>
-          </a:xfrm>
-          <a:prstGeom prst="downArrow">
-            <a:avLst/>
-          </a:prstGeom>
-        </p:spPr>
-        <p:style>
-          <a:lnRef idx="2">
-            <a:schemeClr val="accent6">
-              <a:shade val="50000"/>
-            </a:schemeClr>
-          </a:lnRef>
-          <a:fillRef idx="1">
-            <a:schemeClr val="accent6"/>
-          </a:fillRef>
-          <a:effectRef idx="0">
-            <a:schemeClr val="accent6"/>
-          </a:effectRef>
-          <a:fontRef idx="minor">
-            <a:schemeClr val="lt1"/>
-          </a:fontRef>
-        </p:style>
-        <p:txBody>
-          <a:bodyPr rtlCol="0" anchor="ctr"/>
-          <a:lstStyle/>
-          <a:p>
-            <a:pPr algn="ctr"/>
-            <a:endParaRPr lang="en-IN"/>
-          </a:p>
-        </p:txBody>
-      </p:sp>
-      <p:sp>
-        <p:nvSpPr>
-          <p:cNvPr id="10" name="Rectangle 9"/>
-          <p:cNvSpPr/>
-          <p:nvPr/>
-        </p:nvSpPr>
-        <p:spPr>
-          <a:xfrm>
-            <a:off x="3371492" y="4106174"/>
-            <a:ext cx="2192546" cy="2035286"/>
-          </a:xfrm>
-          <a:prstGeom prst="rect">
-            <a:avLst/>
-          </a:prstGeom>
-        </p:spPr>
-        <p:style>
-          <a:lnRef idx="2">
-            <a:schemeClr val="accent1">
-              <a:shade val="50000"/>
-            </a:schemeClr>
-          </a:lnRef>
-          <a:fillRef idx="1">
-            <a:schemeClr val="accent1"/>
-          </a:fillRef>
-          <a:effectRef idx="0">
-            <a:schemeClr val="accent1"/>
-          </a:effectRef>
-          <a:fontRef idx="minor">
-            <a:schemeClr val="lt1"/>
-          </a:fontRef>
-        </p:style>
-        <p:txBody>
-          <a:bodyPr rtlCol="0" anchor="ctr"/>
-          <a:lstStyle/>
-          <a:p>
-            <a:pPr algn="ctr"/>
-            <a:r>
-              <a:rPr lang="en-IN" dirty="0" err="1"/>
-              <a:t>BookAppointmentForm</a:t>
-            </a:r>
-            <a:r>
-              <a:rPr lang="en-IN" dirty="0"/>
-              <a:t> is closed and selected teacher’s appointments are refreshed in cache.</a:t>
-            </a:r>
-          </a:p>
-        </p:txBody>
-      </p:sp>
-      <p:sp>
-        <p:nvSpPr>
-          <p:cNvPr id="11" name="Rectangle 10"/>
-          <p:cNvSpPr/>
-          <p:nvPr/>
-        </p:nvSpPr>
-        <p:spPr>
-          <a:xfrm>
-            <a:off x="6484188" y="4438576"/>
-            <a:ext cx="1708030" cy="898382"/>
-          </a:xfrm>
-          <a:prstGeom prst="rect">
-            <a:avLst/>
-          </a:prstGeom>
-        </p:spPr>
-        <p:style>
-          <a:lnRef idx="2">
-            <a:schemeClr val="accent1">
-              <a:shade val="50000"/>
-            </a:schemeClr>
-          </a:lnRef>
-          <a:fillRef idx="1">
-            <a:schemeClr val="accent1"/>
-          </a:fillRef>
-          <a:effectRef idx="0">
-            <a:schemeClr val="accent1"/>
-          </a:effectRef>
-          <a:fontRef idx="minor">
-            <a:schemeClr val="lt1"/>
-          </a:fontRef>
-        </p:style>
-        <p:txBody>
-          <a:bodyPr rtlCol="0" anchor="ctr"/>
-          <a:lstStyle/>
-          <a:p>
-            <a:pPr algn="ctr"/>
-            <a:r>
-              <a:rPr lang="en-IN" dirty="0"/>
-              <a:t>On mutation success</a:t>
-            </a:r>
-          </a:p>
-        </p:txBody>
-      </p:sp>
-      <p:sp>
-        <p:nvSpPr>
-          <p:cNvPr id="12" name="Left Arrow 11"/>
-          <p:cNvSpPr/>
-          <p:nvPr/>
-        </p:nvSpPr>
-        <p:spPr>
-          <a:xfrm>
-            <a:off x="5564038" y="4743108"/>
-            <a:ext cx="920150" cy="289317"/>
-          </a:xfrm>
-          <a:prstGeom prst="leftArrow">
-            <a:avLst/>
-          </a:prstGeom>
-        </p:spPr>
-        <p:style>
-          <a:lnRef idx="2">
-            <a:schemeClr val="accent6">
-              <a:shade val="50000"/>
-            </a:schemeClr>
-          </a:lnRef>
-          <a:fillRef idx="1">
-            <a:schemeClr val="accent6"/>
-          </a:fillRef>
-          <a:effectRef idx="0">
-            <a:schemeClr val="accent6"/>
-          </a:effectRef>
-          <a:fontRef idx="minor">
-            <a:schemeClr val="lt1"/>
-          </a:fontRef>
-        </p:style>
-        <p:txBody>
-          <a:bodyPr rtlCol="0" anchor="ctr"/>
-          <a:lstStyle/>
-          <a:p>
-            <a:pPr algn="ctr"/>
-            <a:endParaRPr lang="en-IN"/>
-          </a:p>
-        </p:txBody>
-      </p:sp>
-      <p:sp>
-        <p:nvSpPr>
-          <p:cNvPr id="14" name="Rectangle 13"/>
-          <p:cNvSpPr/>
-          <p:nvPr/>
-        </p:nvSpPr>
-        <p:spPr>
-          <a:xfrm>
-            <a:off x="268862" y="4014782"/>
-            <a:ext cx="2192546" cy="2035286"/>
-          </a:xfrm>
-          <a:prstGeom prst="rect">
-            <a:avLst/>
-          </a:prstGeom>
-        </p:spPr>
-        <p:style>
-          <a:lnRef idx="2">
-            <a:schemeClr val="accent1">
-              <a:shade val="50000"/>
-            </a:schemeClr>
-          </a:lnRef>
-          <a:fillRef idx="1">
-            <a:schemeClr val="accent1"/>
-          </a:fillRef>
-          <a:effectRef idx="0">
-            <a:schemeClr val="accent1"/>
-          </a:effectRef>
-          <a:fontRef idx="minor">
-            <a:schemeClr val="lt1"/>
-          </a:fontRef>
-        </p:style>
-        <p:txBody>
-          <a:bodyPr rtlCol="0" anchor="ctr"/>
-          <a:lstStyle/>
-          <a:p>
-            <a:pPr lvl="1" algn="ctr"/>
+              <a:t>Will open </a:t>
+            </a:r>
             <a:r>
               <a:rPr lang="en-IN" dirty="0" err="1"/>
               <a:t>SearchedTeacherAppointmentsCalendar</a:t>
@@ -20141,62 +20136,18 @@
             <a:endParaRPr lang="en-IN" dirty="0"/>
           </a:p>
           <a:p>
-            <a:pPr algn="ctr"/>
+            <a:pPr lvl="1" algn="ctr"/>
             <a:r>
               <a:rPr lang="en-IN" dirty="0"/>
-              <a:t>Is shown as it displays all of the selected teacher’s appointments including this newly added one</a:t>
-            </a:r>
-          </a:p>
-          <a:p>
-            <a:pPr algn="ctr"/>
-            <a:endParaRPr lang="en-IN" dirty="0"/>
-          </a:p>
-        </p:txBody>
-      </p:sp>
-      <p:sp>
-        <p:nvSpPr>
-          <p:cNvPr id="15" name="Left Arrow 14"/>
-          <p:cNvSpPr/>
-          <p:nvPr/>
-        </p:nvSpPr>
-        <p:spPr>
-          <a:xfrm>
-            <a:off x="2461408" y="4834500"/>
-            <a:ext cx="920150" cy="289317"/>
-          </a:xfrm>
-          <a:prstGeom prst="leftArrow">
-            <a:avLst/>
-          </a:prstGeom>
-        </p:spPr>
-        <p:style>
-          <a:lnRef idx="2">
-            <a:schemeClr val="accent6">
-              <a:shade val="50000"/>
-            </a:schemeClr>
-          </a:lnRef>
-          <a:fillRef idx="1">
-            <a:schemeClr val="accent6"/>
-          </a:fillRef>
-          <a:effectRef idx="0">
-            <a:schemeClr val="accent6"/>
-          </a:effectRef>
-          <a:fontRef idx="minor">
-            <a:schemeClr val="lt1"/>
-          </a:fontRef>
-        </p:style>
-        <p:txBody>
-          <a:bodyPr rtlCol="0" anchor="ctr"/>
-          <a:lstStyle/>
-          <a:p>
-            <a:pPr algn="ctr"/>
-            <a:endParaRPr lang="en-IN"/>
+              <a:t>Filled with selected teacher’s appointments and ready for booking of new appointments in a modal window</a:t>
+            </a:r>
           </a:p>
         </p:txBody>
       </p:sp>
     </p:spTree>
     <p:extLst>
       <p:ext uri="{BB962C8B-B14F-4D97-AF65-F5344CB8AC3E}">
-        <p14:creationId xmlns:p14="http://schemas.microsoft.com/office/powerpoint/2010/main" val="1525232943"/>
+        <p14:creationId xmlns:p14="http://schemas.microsoft.com/office/powerpoint/2010/main" val="2032442218"/>
       </p:ext>
     </p:extLst>
   </p:cSld>
@@ -20345,13 +20296,8 @@
           <a:p>
             <a:r>
               <a:rPr lang="en-IN" sz="3200" b="1" dirty="0"/>
-              <a:t>#Misc. View appointment details from </a:t>
-            </a:r>
-            <a:r>
-              <a:rPr lang="en-IN" sz="3200" b="1" dirty="0" err="1"/>
-              <a:t>SearchedTeacherAppointmentsCalendar</a:t>
-            </a:r>
-            <a:endParaRPr lang="en-IN" sz="3200" b="1" dirty="0"/>
+              <a:t>#3. Book an appointment with the selected teacher</a:t>
+            </a:r>
           </a:p>
         </p:txBody>
       </p:sp>
@@ -20393,7 +20339,7 @@
             <a:pPr lvl="1" algn="ctr"/>
             <a:r>
               <a:rPr lang="en-IN" dirty="0"/>
-              <a:t>An appointment is clicked on </a:t>
+              <a:t>Time slot for appointment is selected from </a:t>
             </a:r>
             <a:r>
               <a:rPr lang="en-IN" dirty="0" err="1"/>
@@ -20480,18 +20426,25 @@
           <a:p>
             <a:pPr algn="ctr"/>
             <a:r>
+              <a:rPr lang="en-IN" dirty="0" err="1"/>
+              <a:t>BookAppointmentForm</a:t>
+            </a:r>
+            <a:endParaRPr lang="en-IN" dirty="0"/>
+          </a:p>
+          <a:p>
+            <a:pPr algn="ctr"/>
+            <a:r>
               <a:rPr lang="en-IN" dirty="0"/>
-              <a:t>Pass that appointment object to </a:t>
+              <a:t>Is shown as it is passed start </a:t>
             </a:r>
             <a:r>
               <a:rPr lang="en-IN" dirty="0" err="1"/>
-              <a:t>AppointmentDetailed</a:t>
-            </a:r>
-            <a:endParaRPr lang="en-IN" dirty="0"/>
-          </a:p>
-          <a:p>
-            <a:pPr algn="ctr"/>
-            <a:endParaRPr lang="en-IN" dirty="0"/>
+              <a:t>time,end</a:t>
+            </a:r>
+            <a:r>
+              <a:rPr lang="en-IN" dirty="0"/>
+              <a:t> time and teacher as props.</a:t>
+            </a:r>
           </a:p>
         </p:txBody>
       </p:sp>
@@ -20503,7 +20456,7 @@
         </p:nvSpPr>
         <p:spPr>
           <a:xfrm>
-            <a:off x="5673310" y="2688617"/>
+            <a:off x="5673310" y="2697244"/>
             <a:ext cx="583722" cy="276045"/>
           </a:xfrm>
           <a:prstGeom prst="rightArrow">
@@ -20543,7 +20496,7 @@
         </p:nvSpPr>
         <p:spPr>
           <a:xfrm>
-            <a:off x="6257032" y="2116425"/>
+            <a:off x="6257032" y="2125052"/>
             <a:ext cx="2291752" cy="1437682"/>
           </a:xfrm>
           <a:prstGeom prst="rect">
@@ -20573,7 +20526,31 @@
             <a:pPr algn="ctr"/>
             <a:r>
               <a:rPr lang="en-IN" dirty="0"/>
-              <a:t>Fetch and cache that appointment details along with student and teacher name</a:t>
+              <a:t>On </a:t>
+            </a:r>
+            <a:r>
+              <a:rPr lang="en-IN" dirty="0" err="1"/>
+              <a:t>BookAppointmentForm</a:t>
+            </a:r>
+            <a:endParaRPr lang="en-IN" dirty="0"/>
+          </a:p>
+          <a:p>
+            <a:pPr algn="ctr"/>
+            <a:r>
+              <a:rPr lang="en-IN" dirty="0"/>
+              <a:t>submit, new appointment is added using </a:t>
+            </a:r>
+            <a:r>
+              <a:rPr lang="en-IN" dirty="0" err="1"/>
+              <a:t>addAppointment</a:t>
+            </a:r>
+            <a:endParaRPr lang="en-IN" dirty="0"/>
+          </a:p>
+          <a:p>
+            <a:pPr algn="ctr"/>
+            <a:r>
+              <a:rPr lang="en-IN" dirty="0"/>
+              <a:t>mutation.</a:t>
             </a:r>
           </a:p>
         </p:txBody>
@@ -20626,8 +20603,8 @@
         </p:nvSpPr>
         <p:spPr>
           <a:xfrm>
-            <a:off x="6257032" y="4428251"/>
-            <a:ext cx="2192546" cy="1121436"/>
+            <a:off x="3371492" y="4106174"/>
+            <a:ext cx="2192546" cy="2035286"/>
           </a:xfrm>
           <a:prstGeom prst="rect">
             <a:avLst/>
@@ -20655,24 +20632,198 @@
           <a:p>
             <a:pPr algn="ctr"/>
             <a:r>
+              <a:rPr lang="en-IN" dirty="0" err="1"/>
+              <a:t>BookAppointmentForm</a:t>
+            </a:r>
+            <a:r>
               <a:rPr lang="en-IN" dirty="0"/>
-              <a:t>Display appointment details in </a:t>
-            </a:r>
+              <a:t> is closed and selected teacher’s appointments are refreshed in cache.</a:t>
+            </a:r>
+          </a:p>
+        </p:txBody>
+      </p:sp>
+      <p:sp>
+        <p:nvSpPr>
+          <p:cNvPr id="11" name="Rectangle 10"/>
+          <p:cNvSpPr/>
+          <p:nvPr/>
+        </p:nvSpPr>
+        <p:spPr>
+          <a:xfrm>
+            <a:off x="6484188" y="4438576"/>
+            <a:ext cx="1708030" cy="898382"/>
+          </a:xfrm>
+          <a:prstGeom prst="rect">
+            <a:avLst/>
+          </a:prstGeom>
+        </p:spPr>
+        <p:style>
+          <a:lnRef idx="2">
+            <a:schemeClr val="accent1">
+              <a:shade val="50000"/>
+            </a:schemeClr>
+          </a:lnRef>
+          <a:fillRef idx="1">
+            <a:schemeClr val="accent1"/>
+          </a:fillRef>
+          <a:effectRef idx="0">
+            <a:schemeClr val="accent1"/>
+          </a:effectRef>
+          <a:fontRef idx="minor">
+            <a:schemeClr val="lt1"/>
+          </a:fontRef>
+        </p:style>
+        <p:txBody>
+          <a:bodyPr rtlCol="0" anchor="ctr"/>
+          <a:lstStyle/>
+          <a:p>
+            <a:pPr algn="ctr"/>
+            <a:r>
+              <a:rPr lang="en-IN" dirty="0"/>
+              <a:t>On mutation success</a:t>
+            </a:r>
+          </a:p>
+        </p:txBody>
+      </p:sp>
+      <p:sp>
+        <p:nvSpPr>
+          <p:cNvPr id="12" name="Left Arrow 11"/>
+          <p:cNvSpPr/>
+          <p:nvPr/>
+        </p:nvSpPr>
+        <p:spPr>
+          <a:xfrm>
+            <a:off x="5564038" y="4743108"/>
+            <a:ext cx="920150" cy="289317"/>
+          </a:xfrm>
+          <a:prstGeom prst="leftArrow">
+            <a:avLst/>
+          </a:prstGeom>
+        </p:spPr>
+        <p:style>
+          <a:lnRef idx="2">
+            <a:schemeClr val="accent6">
+              <a:shade val="50000"/>
+            </a:schemeClr>
+          </a:lnRef>
+          <a:fillRef idx="1">
+            <a:schemeClr val="accent6"/>
+          </a:fillRef>
+          <a:effectRef idx="0">
+            <a:schemeClr val="accent6"/>
+          </a:effectRef>
+          <a:fontRef idx="minor">
+            <a:schemeClr val="lt1"/>
+          </a:fontRef>
+        </p:style>
+        <p:txBody>
+          <a:bodyPr rtlCol="0" anchor="ctr"/>
+          <a:lstStyle/>
+          <a:p>
+            <a:pPr algn="ctr"/>
+            <a:endParaRPr lang="en-IN"/>
+          </a:p>
+        </p:txBody>
+      </p:sp>
+      <p:sp>
+        <p:nvSpPr>
+          <p:cNvPr id="14" name="Rectangle 13"/>
+          <p:cNvSpPr/>
+          <p:nvPr/>
+        </p:nvSpPr>
+        <p:spPr>
+          <a:xfrm>
+            <a:off x="268862" y="4014782"/>
+            <a:ext cx="2192546" cy="2035286"/>
+          </a:xfrm>
+          <a:prstGeom prst="rect">
+            <a:avLst/>
+          </a:prstGeom>
+        </p:spPr>
+        <p:style>
+          <a:lnRef idx="2">
+            <a:schemeClr val="accent1">
+              <a:shade val="50000"/>
+            </a:schemeClr>
+          </a:lnRef>
+          <a:fillRef idx="1">
+            <a:schemeClr val="accent1"/>
+          </a:fillRef>
+          <a:effectRef idx="0">
+            <a:schemeClr val="accent1"/>
+          </a:effectRef>
+          <a:fontRef idx="minor">
+            <a:schemeClr val="lt1"/>
+          </a:fontRef>
+        </p:style>
+        <p:txBody>
+          <a:bodyPr rtlCol="0" anchor="ctr"/>
+          <a:lstStyle/>
+          <a:p>
+            <a:pPr lvl="1" algn="ctr"/>
             <a:r>
               <a:rPr lang="en-IN" dirty="0" err="1"/>
-              <a:t>AppointmentDetailed</a:t>
-            </a:r>
+              <a:t>SearchedTeacherAppointmentsCalendar</a:t>
+            </a:r>
+            <a:endParaRPr lang="en-IN" dirty="0"/>
+          </a:p>
+          <a:p>
+            <a:pPr algn="ctr"/>
             <a:r>
               <a:rPr lang="en-IN" dirty="0"/>
-              <a:t> modal window</a:t>
-            </a:r>
+              <a:t>Is shown as it displays all of the selected teacher’s appointments including this newly added one</a:t>
+            </a:r>
+          </a:p>
+          <a:p>
+            <a:pPr algn="ctr"/>
+            <a:endParaRPr lang="en-IN" dirty="0"/>
+          </a:p>
+        </p:txBody>
+      </p:sp>
+      <p:sp>
+        <p:nvSpPr>
+          <p:cNvPr id="15" name="Left Arrow 14"/>
+          <p:cNvSpPr/>
+          <p:nvPr/>
+        </p:nvSpPr>
+        <p:spPr>
+          <a:xfrm>
+            <a:off x="2461408" y="4834500"/>
+            <a:ext cx="920150" cy="289317"/>
+          </a:xfrm>
+          <a:prstGeom prst="leftArrow">
+            <a:avLst/>
+          </a:prstGeom>
+        </p:spPr>
+        <p:style>
+          <a:lnRef idx="2">
+            <a:schemeClr val="accent6">
+              <a:shade val="50000"/>
+            </a:schemeClr>
+          </a:lnRef>
+          <a:fillRef idx="1">
+            <a:schemeClr val="accent6"/>
+          </a:fillRef>
+          <a:effectRef idx="0">
+            <a:schemeClr val="accent6"/>
+          </a:effectRef>
+          <a:fontRef idx="minor">
+            <a:schemeClr val="lt1"/>
+          </a:fontRef>
+        </p:style>
+        <p:txBody>
+          <a:bodyPr rtlCol="0" anchor="ctr"/>
+          <a:lstStyle/>
+          <a:p>
+            <a:pPr algn="ctr"/>
+            <a:endParaRPr lang="en-IN"/>
           </a:p>
         </p:txBody>
       </p:sp>
     </p:spTree>
     <p:extLst>
       <p:ext uri="{BB962C8B-B14F-4D97-AF65-F5344CB8AC3E}">
-        <p14:creationId xmlns:p14="http://schemas.microsoft.com/office/powerpoint/2010/main" val="203675651"/>
+        <p14:creationId xmlns:p14="http://schemas.microsoft.com/office/powerpoint/2010/main" val="1525232943"/>
       </p:ext>
     </p:extLst>
   </p:cSld>
@@ -20709,19 +20860,335 @@
             <p:ph type="title"/>
           </p:nvPr>
         </p:nvSpPr>
-        <p:spPr>
-          <a:xfrm>
-            <a:off x="457200" y="274637"/>
-            <a:ext cx="8229600" cy="6229679"/>
-          </a:xfrm>
-        </p:spPr>
-        <p:txBody>
-          <a:bodyPr/>
+        <p:spPr/>
+        <p:txBody>
+          <a:bodyPr>
+            <a:normAutofit/>
+          </a:bodyPr>
           <a:lstStyle/>
           <a:p>
             <a:r>
-              <a:rPr lang="en-IN" b="1" dirty="0"/>
-              <a:t>Teacher</a:t>
+              <a:rPr lang="en-IN" sz="3200" b="1" dirty="0"/>
+              <a:t>#Misc. View appointment details from </a:t>
+            </a:r>
+            <a:r>
+              <a:rPr lang="en-IN" sz="3200" b="1" dirty="0" err="1"/>
+              <a:t>SearchedTeacherAppointmentsCalendar</a:t>
+            </a:r>
+            <a:endParaRPr lang="en-IN" sz="3200" b="1" dirty="0"/>
+          </a:p>
+        </p:txBody>
+      </p:sp>
+      <p:sp>
+        <p:nvSpPr>
+          <p:cNvPr id="4" name="Rectangle 3"/>
+          <p:cNvSpPr/>
+          <p:nvPr/>
+        </p:nvSpPr>
+        <p:spPr>
+          <a:xfrm>
+            <a:off x="506084" y="2110675"/>
+            <a:ext cx="2291752" cy="1437682"/>
+          </a:xfrm>
+          <a:prstGeom prst="rect">
+            <a:avLst/>
+          </a:prstGeom>
+        </p:spPr>
+        <p:style>
+          <a:lnRef idx="2">
+            <a:schemeClr val="accent1">
+              <a:shade val="50000"/>
+            </a:schemeClr>
+          </a:lnRef>
+          <a:fillRef idx="1">
+            <a:schemeClr val="accent1"/>
+          </a:fillRef>
+          <a:effectRef idx="0">
+            <a:schemeClr val="accent1"/>
+          </a:effectRef>
+          <a:fontRef idx="minor">
+            <a:schemeClr val="lt1"/>
+          </a:fontRef>
+        </p:style>
+        <p:txBody>
+          <a:bodyPr rtlCol="0" anchor="ctr"/>
+          <a:lstStyle/>
+          <a:p>
+            <a:pPr lvl="1" algn="ctr"/>
+            <a:r>
+              <a:rPr lang="en-IN" dirty="0"/>
+              <a:t>An appointment is clicked on </a:t>
+            </a:r>
+            <a:r>
+              <a:rPr lang="en-IN" dirty="0" err="1"/>
+              <a:t>SearchedTeacherAppointmentsCalendar</a:t>
+            </a:r>
+            <a:endParaRPr lang="en-IN" dirty="0"/>
+          </a:p>
+        </p:txBody>
+      </p:sp>
+      <p:sp>
+        <p:nvSpPr>
+          <p:cNvPr id="5" name="Right Arrow 4"/>
+          <p:cNvSpPr/>
+          <p:nvPr/>
+        </p:nvSpPr>
+        <p:spPr>
+          <a:xfrm>
+            <a:off x="2797836" y="2691493"/>
+            <a:ext cx="583722" cy="276045"/>
+          </a:xfrm>
+          <a:prstGeom prst="rightArrow">
+            <a:avLst/>
+          </a:prstGeom>
+        </p:spPr>
+        <p:style>
+          <a:lnRef idx="2">
+            <a:schemeClr val="accent6">
+              <a:shade val="50000"/>
+            </a:schemeClr>
+          </a:lnRef>
+          <a:fillRef idx="1">
+            <a:schemeClr val="accent6"/>
+          </a:fillRef>
+          <a:effectRef idx="0">
+            <a:schemeClr val="accent6"/>
+          </a:effectRef>
+          <a:fontRef idx="minor">
+            <a:schemeClr val="lt1"/>
+          </a:fontRef>
+        </p:style>
+        <p:txBody>
+          <a:bodyPr rtlCol="0" anchor="ctr"/>
+          <a:lstStyle/>
+          <a:p>
+            <a:pPr algn="ctr"/>
+            <a:endParaRPr lang="en-IN"/>
+          </a:p>
+        </p:txBody>
+      </p:sp>
+      <p:sp>
+        <p:nvSpPr>
+          <p:cNvPr id="6" name="Rectangle 5"/>
+          <p:cNvSpPr/>
+          <p:nvPr/>
+        </p:nvSpPr>
+        <p:spPr>
+          <a:xfrm>
+            <a:off x="3381558" y="2119301"/>
+            <a:ext cx="2291752" cy="1437682"/>
+          </a:xfrm>
+          <a:prstGeom prst="rect">
+            <a:avLst/>
+          </a:prstGeom>
+        </p:spPr>
+        <p:style>
+          <a:lnRef idx="2">
+            <a:schemeClr val="accent1">
+              <a:shade val="50000"/>
+            </a:schemeClr>
+          </a:lnRef>
+          <a:fillRef idx="1">
+            <a:schemeClr val="accent1"/>
+          </a:fillRef>
+          <a:effectRef idx="0">
+            <a:schemeClr val="accent1"/>
+          </a:effectRef>
+          <a:fontRef idx="minor">
+            <a:schemeClr val="lt1"/>
+          </a:fontRef>
+        </p:style>
+        <p:txBody>
+          <a:bodyPr rtlCol="0" anchor="ctr"/>
+          <a:lstStyle/>
+          <a:p>
+            <a:pPr algn="ctr"/>
+            <a:r>
+              <a:rPr lang="en-IN" dirty="0"/>
+              <a:t>Pass that appointment object to </a:t>
+            </a:r>
+            <a:r>
+              <a:rPr lang="en-IN" dirty="0" err="1"/>
+              <a:t>AppointmentDetailed</a:t>
+            </a:r>
+            <a:endParaRPr lang="en-IN" dirty="0"/>
+          </a:p>
+          <a:p>
+            <a:pPr algn="ctr"/>
+            <a:endParaRPr lang="en-IN" dirty="0"/>
+          </a:p>
+        </p:txBody>
+      </p:sp>
+      <p:sp>
+        <p:nvSpPr>
+          <p:cNvPr id="7" name="Right Arrow 6"/>
+          <p:cNvSpPr/>
+          <p:nvPr/>
+        </p:nvSpPr>
+        <p:spPr>
+          <a:xfrm>
+            <a:off x="5673310" y="2688617"/>
+            <a:ext cx="583722" cy="276045"/>
+          </a:xfrm>
+          <a:prstGeom prst="rightArrow">
+            <a:avLst/>
+          </a:prstGeom>
+        </p:spPr>
+        <p:style>
+          <a:lnRef idx="2">
+            <a:schemeClr val="accent6">
+              <a:shade val="50000"/>
+            </a:schemeClr>
+          </a:lnRef>
+          <a:fillRef idx="1">
+            <a:schemeClr val="accent6"/>
+          </a:fillRef>
+          <a:effectRef idx="0">
+            <a:schemeClr val="accent6"/>
+          </a:effectRef>
+          <a:fontRef idx="minor">
+            <a:schemeClr val="lt1"/>
+          </a:fontRef>
+        </p:style>
+        <p:txBody>
+          <a:bodyPr rtlCol="0" anchor="ctr"/>
+          <a:lstStyle/>
+          <a:p>
+            <a:pPr algn="ctr"/>
+            <a:endParaRPr lang="en-IN"/>
+          </a:p>
+        </p:txBody>
+      </p:sp>
+      <p:sp>
+        <p:nvSpPr>
+          <p:cNvPr id="8" name="Rectangle 7"/>
+          <p:cNvSpPr/>
+          <p:nvPr/>
+        </p:nvSpPr>
+        <p:spPr>
+          <a:xfrm>
+            <a:off x="6257032" y="2116425"/>
+            <a:ext cx="2291752" cy="1437682"/>
+          </a:xfrm>
+          <a:prstGeom prst="rect">
+            <a:avLst/>
+          </a:prstGeom>
+        </p:spPr>
+        <p:style>
+          <a:lnRef idx="2">
+            <a:schemeClr val="accent1">
+              <a:shade val="50000"/>
+            </a:schemeClr>
+          </a:lnRef>
+          <a:fillRef idx="1">
+            <a:schemeClr val="accent1"/>
+          </a:fillRef>
+          <a:effectRef idx="0">
+            <a:schemeClr val="accent1"/>
+          </a:effectRef>
+          <a:fontRef idx="minor">
+            <a:schemeClr val="lt1"/>
+          </a:fontRef>
+        </p:style>
+        <p:txBody>
+          <a:bodyPr rtlCol="0" anchor="ctr"/>
+          <a:lstStyle/>
+          <a:p>
+            <a:pPr algn="ctr"/>
+            <a:r>
+              <a:rPr lang="en-IN" dirty="0"/>
+              <a:t>Fetch and cache that appointment details along with student and teacher name</a:t>
+            </a:r>
+          </a:p>
+        </p:txBody>
+      </p:sp>
+      <p:sp>
+        <p:nvSpPr>
+          <p:cNvPr id="9" name="Down Arrow 8"/>
+          <p:cNvSpPr/>
+          <p:nvPr/>
+        </p:nvSpPr>
+        <p:spPr>
+          <a:xfrm>
+            <a:off x="7236129" y="3548357"/>
+            <a:ext cx="234352" cy="879894"/>
+          </a:xfrm>
+          <a:prstGeom prst="downArrow">
+            <a:avLst/>
+          </a:prstGeom>
+        </p:spPr>
+        <p:style>
+          <a:lnRef idx="2">
+            <a:schemeClr val="accent6">
+              <a:shade val="50000"/>
+            </a:schemeClr>
+          </a:lnRef>
+          <a:fillRef idx="1">
+            <a:schemeClr val="accent6"/>
+          </a:fillRef>
+          <a:effectRef idx="0">
+            <a:schemeClr val="accent6"/>
+          </a:effectRef>
+          <a:fontRef idx="minor">
+            <a:schemeClr val="lt1"/>
+          </a:fontRef>
+        </p:style>
+        <p:txBody>
+          <a:bodyPr rtlCol="0" anchor="ctr"/>
+          <a:lstStyle/>
+          <a:p>
+            <a:pPr algn="ctr"/>
+            <a:endParaRPr lang="en-IN"/>
+          </a:p>
+        </p:txBody>
+      </p:sp>
+      <p:sp>
+        <p:nvSpPr>
+          <p:cNvPr id="10" name="Rectangle 9"/>
+          <p:cNvSpPr/>
+          <p:nvPr/>
+        </p:nvSpPr>
+        <p:spPr>
+          <a:xfrm>
+            <a:off x="6257032" y="4428251"/>
+            <a:ext cx="2192546" cy="1121436"/>
+          </a:xfrm>
+          <a:prstGeom prst="rect">
+            <a:avLst/>
+          </a:prstGeom>
+        </p:spPr>
+        <p:style>
+          <a:lnRef idx="2">
+            <a:schemeClr val="accent1">
+              <a:shade val="50000"/>
+            </a:schemeClr>
+          </a:lnRef>
+          <a:fillRef idx="1">
+            <a:schemeClr val="accent1"/>
+          </a:fillRef>
+          <a:effectRef idx="0">
+            <a:schemeClr val="accent1"/>
+          </a:effectRef>
+          <a:fontRef idx="minor">
+            <a:schemeClr val="lt1"/>
+          </a:fontRef>
+        </p:style>
+        <p:txBody>
+          <a:bodyPr rtlCol="0" anchor="ctr"/>
+          <a:lstStyle/>
+          <a:p>
+            <a:pPr algn="ctr"/>
+            <a:r>
+              <a:rPr lang="en-IN" dirty="0"/>
+              <a:t>Display appointment details in </a:t>
+            </a:r>
+            <a:r>
+              <a:rPr lang="en-IN" dirty="0" err="1"/>
+              <a:t>AppointmentDetailed</a:t>
+            </a:r>
+            <a:r>
+              <a:rPr lang="en-IN" dirty="0"/>
+              <a:t> modal window</a:t>
             </a:r>
           </a:p>
         </p:txBody>
@@ -20729,7 +21196,7 @@
     </p:spTree>
     <p:extLst>
       <p:ext uri="{BB962C8B-B14F-4D97-AF65-F5344CB8AC3E}">
-        <p14:creationId xmlns:p14="http://schemas.microsoft.com/office/powerpoint/2010/main" val="3669892586"/>
+        <p14:creationId xmlns:p14="http://schemas.microsoft.com/office/powerpoint/2010/main" val="203675651"/>
       </p:ext>
     </p:extLst>
   </p:cSld>
@@ -20766,337 +21233,27 @@
             <p:ph type="title"/>
           </p:nvPr>
         </p:nvSpPr>
-        <p:spPr/>
-        <p:txBody>
-          <a:bodyPr>
-            <a:normAutofit fontScale="90000"/>
-          </a:bodyPr>
+        <p:spPr>
+          <a:xfrm>
+            <a:off x="457200" y="274637"/>
+            <a:ext cx="8229600" cy="6229679"/>
+          </a:xfrm>
+        </p:spPr>
+        <p:txBody>
+          <a:bodyPr/>
           <a:lstStyle/>
           <a:p>
             <a:r>
               <a:rPr lang="en-IN" b="1" dirty="0"/>
-              <a:t>View teacher appointments</a:t>
-            </a:r>
-            <a:br>
-              <a:rPr lang="en-IN" b="1" dirty="0"/>
-            </a:br>
-            <a:r>
-              <a:rPr lang="en-IN" b="1" dirty="0"/>
-              <a:t>(Teacher)</a:t>
-            </a:r>
-            <a:endParaRPr lang="en-IN" dirty="0"/>
-          </a:p>
-        </p:txBody>
-      </p:sp>
-      <p:sp>
-        <p:nvSpPr>
-          <p:cNvPr id="4" name="Rectangle 3"/>
-          <p:cNvSpPr/>
-          <p:nvPr/>
-        </p:nvSpPr>
-        <p:spPr>
-          <a:xfrm>
-            <a:off x="257355" y="1667827"/>
-            <a:ext cx="2291752" cy="1437682"/>
-          </a:xfrm>
-          <a:prstGeom prst="rect">
-            <a:avLst/>
-          </a:prstGeom>
-        </p:spPr>
-        <p:style>
-          <a:lnRef idx="2">
-            <a:schemeClr val="accent1">
-              <a:shade val="50000"/>
-            </a:schemeClr>
-          </a:lnRef>
-          <a:fillRef idx="1">
-            <a:schemeClr val="accent1"/>
-          </a:fillRef>
-          <a:effectRef idx="0">
-            <a:schemeClr val="accent1"/>
-          </a:effectRef>
-          <a:fontRef idx="minor">
-            <a:schemeClr val="lt1"/>
-          </a:fontRef>
-        </p:style>
-        <p:txBody>
-          <a:bodyPr rtlCol="0" anchor="ctr"/>
-          <a:lstStyle/>
-          <a:p>
-            <a:pPr algn="ctr"/>
-            <a:r>
-              <a:rPr lang="en-IN" dirty="0"/>
-              <a:t>Teacher logs in and is redirected to “/teacher/appointments” or clicks  “Appointments” tab from sidebar</a:t>
-            </a:r>
-          </a:p>
-        </p:txBody>
-      </p:sp>
-      <p:sp>
-        <p:nvSpPr>
-          <p:cNvPr id="5" name="Right Arrow 4"/>
-          <p:cNvSpPr/>
-          <p:nvPr/>
-        </p:nvSpPr>
-        <p:spPr>
-          <a:xfrm>
-            <a:off x="2549107" y="2248645"/>
-            <a:ext cx="583722" cy="276045"/>
-          </a:xfrm>
-          <a:prstGeom prst="rightArrow">
-            <a:avLst/>
-          </a:prstGeom>
-        </p:spPr>
-        <p:style>
-          <a:lnRef idx="2">
-            <a:schemeClr val="accent6">
-              <a:shade val="50000"/>
-            </a:schemeClr>
-          </a:lnRef>
-          <a:fillRef idx="1">
-            <a:schemeClr val="accent6"/>
-          </a:fillRef>
-          <a:effectRef idx="0">
-            <a:schemeClr val="accent6"/>
-          </a:effectRef>
-          <a:fontRef idx="minor">
-            <a:schemeClr val="lt1"/>
-          </a:fontRef>
-        </p:style>
-        <p:txBody>
-          <a:bodyPr rtlCol="0" anchor="ctr"/>
-          <a:lstStyle/>
-          <a:p>
-            <a:pPr algn="ctr"/>
-            <a:endParaRPr lang="en-IN"/>
-          </a:p>
-        </p:txBody>
-      </p:sp>
-      <p:sp>
-        <p:nvSpPr>
-          <p:cNvPr id="6" name="Rectangle 5"/>
-          <p:cNvSpPr/>
-          <p:nvPr/>
-        </p:nvSpPr>
-        <p:spPr>
-          <a:xfrm>
-            <a:off x="3132829" y="1676453"/>
-            <a:ext cx="2291752" cy="1437682"/>
-          </a:xfrm>
-          <a:prstGeom prst="rect">
-            <a:avLst/>
-          </a:prstGeom>
-        </p:spPr>
-        <p:style>
-          <a:lnRef idx="2">
-            <a:schemeClr val="accent1">
-              <a:shade val="50000"/>
-            </a:schemeClr>
-          </a:lnRef>
-          <a:fillRef idx="1">
-            <a:schemeClr val="accent1"/>
-          </a:fillRef>
-          <a:effectRef idx="0">
-            <a:schemeClr val="accent1"/>
-          </a:effectRef>
-          <a:fontRef idx="minor">
-            <a:schemeClr val="lt1"/>
-          </a:fontRef>
-        </p:style>
-        <p:txBody>
-          <a:bodyPr rtlCol="0" anchor="ctr"/>
-          <a:lstStyle/>
-          <a:p>
-            <a:pPr algn="ctr"/>
-            <a:r>
-              <a:rPr lang="en-IN" dirty="0" err="1"/>
-              <a:t>TeacherAppointmentsCalendar</a:t>
-            </a:r>
-            <a:r>
-              <a:rPr lang="en-IN" dirty="0"/>
-              <a:t> is displayed.</a:t>
-            </a:r>
-          </a:p>
-        </p:txBody>
-      </p:sp>
-      <p:sp>
-        <p:nvSpPr>
-          <p:cNvPr id="7" name="Right Arrow 6"/>
-          <p:cNvSpPr/>
-          <p:nvPr/>
-        </p:nvSpPr>
-        <p:spPr>
-          <a:xfrm>
-            <a:off x="5424581" y="2257271"/>
-            <a:ext cx="583722" cy="276045"/>
-          </a:xfrm>
-          <a:prstGeom prst="rightArrow">
-            <a:avLst/>
-          </a:prstGeom>
-        </p:spPr>
-        <p:style>
-          <a:lnRef idx="2">
-            <a:schemeClr val="accent6">
-              <a:shade val="50000"/>
-            </a:schemeClr>
-          </a:lnRef>
-          <a:fillRef idx="1">
-            <a:schemeClr val="accent6"/>
-          </a:fillRef>
-          <a:effectRef idx="0">
-            <a:schemeClr val="accent6"/>
-          </a:effectRef>
-          <a:fontRef idx="minor">
-            <a:schemeClr val="lt1"/>
-          </a:fontRef>
-        </p:style>
-        <p:txBody>
-          <a:bodyPr rtlCol="0" anchor="ctr"/>
-          <a:lstStyle/>
-          <a:p>
-            <a:pPr algn="ctr"/>
-            <a:endParaRPr lang="en-IN"/>
-          </a:p>
-        </p:txBody>
-      </p:sp>
-      <p:sp>
-        <p:nvSpPr>
-          <p:cNvPr id="8" name="Rectangle 7"/>
-          <p:cNvSpPr/>
-          <p:nvPr/>
-        </p:nvSpPr>
-        <p:spPr>
-          <a:xfrm>
-            <a:off x="6008303" y="1667826"/>
-            <a:ext cx="2291752" cy="1437682"/>
-          </a:xfrm>
-          <a:prstGeom prst="rect">
-            <a:avLst/>
-          </a:prstGeom>
-        </p:spPr>
-        <p:style>
-          <a:lnRef idx="2">
-            <a:schemeClr val="accent1">
-              <a:shade val="50000"/>
-            </a:schemeClr>
-          </a:lnRef>
-          <a:fillRef idx="1">
-            <a:schemeClr val="accent1"/>
-          </a:fillRef>
-          <a:effectRef idx="0">
-            <a:schemeClr val="accent1"/>
-          </a:effectRef>
-          <a:fontRef idx="minor">
-            <a:schemeClr val="lt1"/>
-          </a:fontRef>
-        </p:style>
-        <p:txBody>
-          <a:bodyPr rtlCol="0" anchor="ctr"/>
-          <a:lstStyle/>
-          <a:p>
-            <a:pPr algn="ctr"/>
-            <a:r>
-              <a:rPr lang="en-IN" dirty="0" err="1"/>
-              <a:t>TeacherAppointmentsCalendar</a:t>
-            </a:r>
-            <a:r>
-              <a:rPr lang="en-IN" dirty="0"/>
-              <a:t> fetches and caches all appointments of the logged in teacher</a:t>
-            </a:r>
-          </a:p>
-        </p:txBody>
-      </p:sp>
-      <p:sp>
-        <p:nvSpPr>
-          <p:cNvPr id="9" name="Down Arrow 8"/>
-          <p:cNvSpPr/>
-          <p:nvPr/>
-        </p:nvSpPr>
-        <p:spPr>
-          <a:xfrm>
-            <a:off x="7057850" y="3105508"/>
-            <a:ext cx="234352" cy="879894"/>
-          </a:xfrm>
-          <a:prstGeom prst="downArrow">
-            <a:avLst/>
-          </a:prstGeom>
-        </p:spPr>
-        <p:style>
-          <a:lnRef idx="2">
-            <a:schemeClr val="accent6">
-              <a:shade val="50000"/>
-            </a:schemeClr>
-          </a:lnRef>
-          <a:fillRef idx="1">
-            <a:schemeClr val="accent6"/>
-          </a:fillRef>
-          <a:effectRef idx="0">
-            <a:schemeClr val="accent6"/>
-          </a:effectRef>
-          <a:fontRef idx="minor">
-            <a:schemeClr val="lt1"/>
-          </a:fontRef>
-        </p:style>
-        <p:txBody>
-          <a:bodyPr rtlCol="0" anchor="ctr"/>
-          <a:lstStyle/>
-          <a:p>
-            <a:pPr algn="ctr"/>
-            <a:endParaRPr lang="en-IN"/>
-          </a:p>
-        </p:txBody>
-      </p:sp>
-      <p:sp>
-        <p:nvSpPr>
-          <p:cNvPr id="10" name="Rectangle 9"/>
-          <p:cNvSpPr/>
-          <p:nvPr/>
-        </p:nvSpPr>
-        <p:spPr>
-          <a:xfrm>
-            <a:off x="6078753" y="3985402"/>
-            <a:ext cx="2192546" cy="1121436"/>
-          </a:xfrm>
-          <a:prstGeom prst="rect">
-            <a:avLst/>
-          </a:prstGeom>
-        </p:spPr>
-        <p:style>
-          <a:lnRef idx="2">
-            <a:schemeClr val="accent1">
-              <a:shade val="50000"/>
-            </a:schemeClr>
-          </a:lnRef>
-          <a:fillRef idx="1">
-            <a:schemeClr val="accent1"/>
-          </a:fillRef>
-          <a:effectRef idx="0">
-            <a:schemeClr val="accent1"/>
-          </a:effectRef>
-          <a:fontRef idx="minor">
-            <a:schemeClr val="lt1"/>
-          </a:fontRef>
-        </p:style>
-        <p:txBody>
-          <a:bodyPr rtlCol="0" anchor="ctr"/>
-          <a:lstStyle/>
-          <a:p>
-            <a:pPr algn="ctr"/>
-            <a:r>
-              <a:rPr lang="en-IN" dirty="0"/>
-              <a:t>These appointments are displayed using </a:t>
-            </a:r>
-            <a:r>
-              <a:rPr lang="en-IN" dirty="0" err="1"/>
-              <a:t>AppointmentsCalendar</a:t>
-            </a:r>
-            <a:endParaRPr lang="en-IN" dirty="0"/>
+              <a:t>Teacher</a:t>
+            </a:r>
           </a:p>
         </p:txBody>
       </p:sp>
     </p:spTree>
     <p:extLst>
       <p:ext uri="{BB962C8B-B14F-4D97-AF65-F5344CB8AC3E}">
-        <p14:creationId xmlns:p14="http://schemas.microsoft.com/office/powerpoint/2010/main" val="63541353"/>
+        <p14:creationId xmlns:p14="http://schemas.microsoft.com/office/powerpoint/2010/main" val="3669892586"/>
       </p:ext>
     </p:extLst>
   </p:cSld>
@@ -21133,33 +21290,25 @@
             <p:ph type="title"/>
           </p:nvPr>
         </p:nvSpPr>
-        <p:spPr>
-          <a:xfrm>
-            <a:off x="457200" y="274637"/>
-            <a:ext cx="8229600" cy="2339167"/>
-          </a:xfrm>
-        </p:spPr>
+        <p:spPr/>
         <p:txBody>
           <a:bodyPr>
-            <a:noAutofit/>
+            <a:normAutofit fontScale="90000"/>
           </a:bodyPr>
           <a:lstStyle/>
           <a:p>
             <a:r>
-              <a:rPr lang="en-IN" sz="4000" b="1" dirty="0"/>
-              <a:t>Show appointment details from </a:t>
-            </a:r>
-            <a:r>
-              <a:rPr lang="en-IN" sz="4000" b="1" dirty="0" err="1"/>
-              <a:t>TeacherAppointmentsCalendar</a:t>
+              <a:rPr lang="en-IN" b="1" dirty="0"/>
+              <a:t>View teacher appointments</a:t>
             </a:r>
             <a:br>
-              <a:rPr lang="en-IN" sz="4000" b="1" dirty="0"/>
+              <a:rPr lang="en-IN" b="1" dirty="0"/>
             </a:br>
             <a:r>
-              <a:rPr lang="en-IN" sz="4000" b="1" dirty="0"/>
+              <a:rPr lang="en-IN" b="1" dirty="0"/>
               <a:t>(Teacher)</a:t>
             </a:r>
+            <a:endParaRPr lang="en-IN" dirty="0"/>
           </a:p>
         </p:txBody>
       </p:sp>
@@ -21171,7 +21320,7 @@
         </p:nvSpPr>
         <p:spPr>
           <a:xfrm>
-            <a:off x="506084" y="2970415"/>
+            <a:off x="257355" y="1667827"/>
             <a:ext cx="2291752" cy="1437682"/>
           </a:xfrm>
           <a:prstGeom prst="rect">
@@ -21198,24 +21347,11 @@
           <a:bodyPr rtlCol="0" anchor="ctr"/>
           <a:lstStyle/>
           <a:p>
-            <a:pPr lvl="1" algn="ctr"/>
+            <a:pPr algn="ctr"/>
             <a:r>
               <a:rPr lang="en-IN" dirty="0"/>
-              <a:t>An appointment is clicked on </a:t>
-            </a:r>
-            <a:r>
-              <a:rPr lang="en-IN" dirty="0" err="1"/>
-              <a:t>AppointmentsCalendar</a:t>
-            </a:r>
-            <a:r>
-              <a:rPr lang="en-IN" dirty="0"/>
-              <a:t> in </a:t>
-            </a:r>
-            <a:r>
-              <a:rPr lang="en-IN" dirty="0" err="1"/>
-              <a:t>TeacherAppointmentsCalendar</a:t>
-            </a:r>
-            <a:endParaRPr lang="en-IN" dirty="0"/>
+              <a:t>Teacher logs in and is redirected to “/teacher/appointments” or clicks  “Appointments” tab from sidebar</a:t>
+            </a:r>
           </a:p>
         </p:txBody>
       </p:sp>
@@ -21227,7 +21363,7 @@
         </p:nvSpPr>
         <p:spPr>
           <a:xfrm>
-            <a:off x="2797836" y="3551233"/>
+            <a:off x="2549107" y="2248645"/>
             <a:ext cx="583722" cy="276045"/>
           </a:xfrm>
           <a:prstGeom prst="rightArrow">
@@ -21267,7 +21403,7 @@
         </p:nvSpPr>
         <p:spPr>
           <a:xfrm>
-            <a:off x="3381558" y="2979041"/>
+            <a:off x="3132829" y="1676453"/>
             <a:ext cx="2291752" cy="1437682"/>
           </a:xfrm>
           <a:prstGeom prst="rect">
@@ -21296,18 +21432,13 @@
           <a:p>
             <a:pPr algn="ctr"/>
             <a:r>
+              <a:rPr lang="en-IN" dirty="0" err="1"/>
+              <a:t>TeacherAppointmentsCalendar</a:t>
+            </a:r>
+            <a:r>
               <a:rPr lang="en-IN" dirty="0"/>
-              <a:t>Pass that appointment object to </a:t>
-            </a:r>
-            <a:r>
-              <a:rPr lang="en-IN" dirty="0" err="1"/>
-              <a:t>AppointmentDetailed</a:t>
-            </a:r>
-            <a:endParaRPr lang="en-IN" dirty="0"/>
-          </a:p>
-          <a:p>
-            <a:pPr algn="ctr"/>
-            <a:endParaRPr lang="en-IN" dirty="0"/>
+              <a:t> is displayed.</a:t>
+            </a:r>
           </a:p>
         </p:txBody>
       </p:sp>
@@ -21319,7 +21450,7 @@
         </p:nvSpPr>
         <p:spPr>
           <a:xfrm>
-            <a:off x="5673310" y="3548357"/>
+            <a:off x="5424581" y="2257271"/>
             <a:ext cx="583722" cy="276045"/>
           </a:xfrm>
           <a:prstGeom prst="rightArrow">
@@ -21359,7 +21490,7 @@
         </p:nvSpPr>
         <p:spPr>
           <a:xfrm>
-            <a:off x="6257032" y="2976165"/>
+            <a:off x="6008303" y="1667826"/>
             <a:ext cx="2291752" cy="1437682"/>
           </a:xfrm>
           <a:prstGeom prst="rect">
@@ -21388,8 +21519,12 @@
           <a:p>
             <a:pPr algn="ctr"/>
             <a:r>
+              <a:rPr lang="en-IN" dirty="0" err="1"/>
+              <a:t>TeacherAppointmentsCalendar</a:t>
+            </a:r>
+            <a:r>
               <a:rPr lang="en-IN" dirty="0"/>
-              <a:t>Fetch and cache that appointment details along with student and teacher name</a:t>
+              <a:t> fetches and caches all appointments of the logged in teacher</a:t>
             </a:r>
           </a:p>
         </p:txBody>
@@ -21402,7 +21537,7 @@
         </p:nvSpPr>
         <p:spPr>
           <a:xfrm>
-            <a:off x="7236129" y="4408097"/>
+            <a:off x="7057850" y="3105508"/>
             <a:ext cx="234352" cy="879894"/>
           </a:xfrm>
           <a:prstGeom prst="downArrow">
@@ -21442,7 +21577,7 @@
         </p:nvSpPr>
         <p:spPr>
           <a:xfrm>
-            <a:off x="6257032" y="5287991"/>
+            <a:off x="6078753" y="3985402"/>
             <a:ext cx="2192546" cy="1121436"/>
           </a:xfrm>
           <a:prstGeom prst="rect">
@@ -21472,23 +21607,20 @@
             <a:pPr algn="ctr"/>
             <a:r>
               <a:rPr lang="en-IN" dirty="0"/>
-              <a:t>Display appointment details in </a:t>
+              <a:t>These appointments are displayed using </a:t>
             </a:r>
             <a:r>
               <a:rPr lang="en-IN" dirty="0" err="1"/>
-              <a:t>AppointmentDetailed</a:t>
-            </a:r>
-            <a:r>
-              <a:rPr lang="en-IN" dirty="0"/>
-              <a:t> modal window</a:t>
-            </a:r>
+              <a:t>AppointmentsCalendar</a:t>
+            </a:r>
+            <a:endParaRPr lang="en-IN" dirty="0"/>
           </a:p>
         </p:txBody>
       </p:sp>
     </p:spTree>
     <p:extLst>
       <p:ext uri="{BB962C8B-B14F-4D97-AF65-F5344CB8AC3E}">
-        <p14:creationId xmlns:p14="http://schemas.microsoft.com/office/powerpoint/2010/main" val="3174316612"/>
+        <p14:creationId xmlns:p14="http://schemas.microsoft.com/office/powerpoint/2010/main" val="63541353"/>
       </p:ext>
     </p:extLst>
   </p:cSld>
@@ -21525,16 +21657,32 @@
             <p:ph type="title"/>
           </p:nvPr>
         </p:nvSpPr>
-        <p:spPr/>
+        <p:spPr>
+          <a:xfrm>
+            <a:off x="457200" y="274637"/>
+            <a:ext cx="8229600" cy="2339167"/>
+          </a:xfrm>
+        </p:spPr>
         <p:txBody>
           <a:bodyPr>
-            <a:normAutofit fontScale="90000"/>
+            <a:noAutofit/>
           </a:bodyPr>
           <a:lstStyle/>
           <a:p>
             <a:r>
-              <a:rPr lang="en-IN" b="1" dirty="0"/>
-              <a:t>Approve or Reject pending appointments (Teacher)</a:t>
+              <a:rPr lang="en-IN" sz="4000" b="1" dirty="0"/>
+              <a:t>Show appointment details from </a:t>
+            </a:r>
+            <a:r>
+              <a:rPr lang="en-IN" sz="4000" b="1" dirty="0" err="1"/>
+              <a:t>TeacherAppointmentsCalendar</a:t>
+            </a:r>
+            <a:br>
+              <a:rPr lang="en-IN" sz="4000" b="1" dirty="0"/>
+            </a:br>
+            <a:r>
+              <a:rPr lang="en-IN" sz="4000" b="1" dirty="0"/>
+              <a:t>(Teacher)</a:t>
             </a:r>
           </a:p>
         </p:txBody>
@@ -21547,7 +21695,7 @@
         </p:nvSpPr>
         <p:spPr>
           <a:xfrm>
-            <a:off x="506084" y="2409697"/>
+            <a:off x="506084" y="2970415"/>
             <a:ext cx="2291752" cy="1437682"/>
           </a:xfrm>
           <a:prstGeom prst="rect">
@@ -21577,7 +21725,7 @@
             <a:pPr lvl="1" algn="ctr"/>
             <a:r>
               <a:rPr lang="en-IN" dirty="0"/>
-              <a:t>A pending appointment (yellow) is clicked on </a:t>
+              <a:t>An appointment is clicked on </a:t>
             </a:r>
             <a:r>
               <a:rPr lang="en-IN" dirty="0" err="1"/>
@@ -21603,7 +21751,7 @@
         </p:nvSpPr>
         <p:spPr>
           <a:xfrm>
-            <a:off x="2797836" y="2990515"/>
+            <a:off x="2797836" y="3551233"/>
             <a:ext cx="583722" cy="276045"/>
           </a:xfrm>
           <a:prstGeom prst="rightArrow">
@@ -21643,7 +21791,7 @@
         </p:nvSpPr>
         <p:spPr>
           <a:xfrm>
-            <a:off x="3381558" y="2418323"/>
+            <a:off x="3381558" y="2979041"/>
             <a:ext cx="2291752" cy="1437682"/>
           </a:xfrm>
           <a:prstGeom prst="rect">
@@ -21695,7 +21843,7 @@
         </p:nvSpPr>
         <p:spPr>
           <a:xfrm>
-            <a:off x="5673310" y="2987639"/>
+            <a:off x="5673310" y="3548357"/>
             <a:ext cx="583722" cy="276045"/>
           </a:xfrm>
           <a:prstGeom prst="rightArrow">
@@ -21735,7 +21883,7 @@
         </p:nvSpPr>
         <p:spPr>
           <a:xfrm>
-            <a:off x="6257032" y="2415447"/>
+            <a:off x="6257032" y="2976165"/>
             <a:ext cx="2291752" cy="1437682"/>
           </a:xfrm>
           <a:prstGeom prst="rect">
@@ -21778,8 +21926,8 @@
         </p:nvSpPr>
         <p:spPr>
           <a:xfrm>
-            <a:off x="7558173" y="3847376"/>
-            <a:ext cx="234352" cy="940279"/>
+            <a:off x="7236129" y="4408097"/>
+            <a:ext cx="234352" cy="879894"/>
           </a:xfrm>
           <a:prstGeom prst="downArrow">
             <a:avLst/>
@@ -21818,8 +21966,8 @@
         </p:nvSpPr>
         <p:spPr>
           <a:xfrm>
-            <a:off x="6579076" y="4787656"/>
-            <a:ext cx="2192546" cy="1639021"/>
+            <a:off x="6257032" y="5287991"/>
+            <a:ext cx="2192546" cy="1121436"/>
           </a:xfrm>
           <a:prstGeom prst="rect">
             <a:avLst/>
@@ -21856,216 +22004,15 @@
             </a:r>
             <a:r>
               <a:rPr lang="en-IN" dirty="0"/>
-              <a:t> modal window. As it is pending, it will also show approve and reject buttons</a:t>
-            </a:r>
-          </a:p>
-        </p:txBody>
-      </p:sp>
-      <p:sp>
-        <p:nvSpPr>
-          <p:cNvPr id="11" name="Rectangle 10"/>
-          <p:cNvSpPr/>
-          <p:nvPr/>
-        </p:nvSpPr>
-        <p:spPr>
-          <a:xfrm>
-            <a:off x="3624524" y="4528868"/>
-            <a:ext cx="2192546" cy="2035286"/>
-          </a:xfrm>
-          <a:prstGeom prst="rect">
-            <a:avLst/>
-          </a:prstGeom>
-        </p:spPr>
-        <p:style>
-          <a:lnRef idx="2">
-            <a:schemeClr val="accent1">
-              <a:shade val="50000"/>
-            </a:schemeClr>
-          </a:lnRef>
-          <a:fillRef idx="1">
-            <a:schemeClr val="accent1"/>
-          </a:fillRef>
-          <a:effectRef idx="0">
-            <a:schemeClr val="accent1"/>
-          </a:effectRef>
-          <a:fontRef idx="minor">
-            <a:schemeClr val="lt1"/>
-          </a:fontRef>
-        </p:style>
-        <p:txBody>
-          <a:bodyPr rtlCol="0" anchor="ctr"/>
-          <a:lstStyle/>
-          <a:p>
-            <a:pPr algn="ctr"/>
-            <a:r>
-              <a:rPr lang="en-IN" dirty="0"/>
-              <a:t>On approve or reject, update appointment status using </a:t>
-            </a:r>
-            <a:r>
-              <a:rPr lang="en-IN" dirty="0" err="1"/>
-              <a:t>updateAnAppointment</a:t>
-            </a:r>
-            <a:endParaRPr lang="en-IN" dirty="0"/>
-          </a:p>
-          <a:p>
-            <a:pPr algn="ctr"/>
-            <a:r>
-              <a:rPr lang="en-IN" dirty="0"/>
-              <a:t>mutation</a:t>
-            </a:r>
-          </a:p>
-        </p:txBody>
-      </p:sp>
-      <p:sp>
-        <p:nvSpPr>
-          <p:cNvPr id="12" name="Left Arrow 11"/>
-          <p:cNvSpPr/>
-          <p:nvPr/>
-        </p:nvSpPr>
-        <p:spPr>
-          <a:xfrm>
-            <a:off x="5817070" y="5165802"/>
-            <a:ext cx="762006" cy="289317"/>
-          </a:xfrm>
-          <a:prstGeom prst="leftArrow">
-            <a:avLst/>
-          </a:prstGeom>
-        </p:spPr>
-        <p:style>
-          <a:lnRef idx="2">
-            <a:schemeClr val="accent6">
-              <a:shade val="50000"/>
-            </a:schemeClr>
-          </a:lnRef>
-          <a:fillRef idx="1">
-            <a:schemeClr val="accent6"/>
-          </a:fillRef>
-          <a:effectRef idx="0">
-            <a:schemeClr val="accent6"/>
-          </a:effectRef>
-          <a:fontRef idx="minor">
-            <a:schemeClr val="lt1"/>
-          </a:fontRef>
-        </p:style>
-        <p:txBody>
-          <a:bodyPr rtlCol="0" anchor="ctr"/>
-          <a:lstStyle/>
-          <a:p>
-            <a:pPr algn="ctr"/>
-            <a:endParaRPr lang="en-IN"/>
-          </a:p>
-        </p:txBody>
-      </p:sp>
-      <p:sp>
-        <p:nvSpPr>
-          <p:cNvPr id="13" name="Rectangle 12"/>
-          <p:cNvSpPr/>
-          <p:nvPr/>
-        </p:nvSpPr>
-        <p:spPr>
-          <a:xfrm>
-            <a:off x="506084" y="4226942"/>
-            <a:ext cx="2192546" cy="2337212"/>
-          </a:xfrm>
-          <a:prstGeom prst="rect">
-            <a:avLst/>
-          </a:prstGeom>
-        </p:spPr>
-        <p:style>
-          <a:lnRef idx="2">
-            <a:schemeClr val="accent1">
-              <a:shade val="50000"/>
-            </a:schemeClr>
-          </a:lnRef>
-          <a:fillRef idx="1">
-            <a:schemeClr val="accent1"/>
-          </a:fillRef>
-          <a:effectRef idx="0">
-            <a:schemeClr val="accent1"/>
-          </a:effectRef>
-          <a:fontRef idx="minor">
-            <a:schemeClr val="lt1"/>
-          </a:fontRef>
-        </p:style>
-        <p:txBody>
-          <a:bodyPr rtlCol="0" anchor="ctr"/>
-          <a:lstStyle/>
-          <a:p>
-            <a:pPr marL="285750" lvl="1" indent="-285750" algn="ctr">
-              <a:buFont typeface="Arial" pitchFamily="34" charset="0"/>
-              <a:buChar char="•"/>
-            </a:pPr>
-            <a:r>
-              <a:rPr lang="en-IN" dirty="0"/>
-              <a:t>Close the </a:t>
-            </a:r>
-            <a:r>
-              <a:rPr lang="en-IN" dirty="0" err="1"/>
-              <a:t>AppointmentDetailed</a:t>
-            </a:r>
-            <a:r>
-              <a:rPr lang="en-IN" dirty="0"/>
-              <a:t> modal window, refresh teacher’s appointments cache so that  </a:t>
-            </a:r>
-            <a:r>
-              <a:rPr lang="en-IN" dirty="0" err="1"/>
-              <a:t>TeacherAppointmentsCalendar</a:t>
-            </a:r>
-            <a:endParaRPr lang="en-IN" dirty="0"/>
-          </a:p>
-          <a:p>
-            <a:pPr algn="ctr"/>
-            <a:r>
-              <a:rPr lang="en-IN" dirty="0"/>
-              <a:t>Shows all appointments including the updated one.</a:t>
-            </a:r>
-          </a:p>
-        </p:txBody>
-      </p:sp>
-      <p:sp>
-        <p:nvSpPr>
-          <p:cNvPr id="14" name="Left Arrow 13"/>
-          <p:cNvSpPr/>
-          <p:nvPr/>
-        </p:nvSpPr>
-        <p:spPr>
-          <a:xfrm>
-            <a:off x="2698630" y="5165802"/>
-            <a:ext cx="920150" cy="289317"/>
-          </a:xfrm>
-          <a:prstGeom prst="leftArrow">
-            <a:avLst/>
-          </a:prstGeom>
-        </p:spPr>
-        <p:style>
-          <a:lnRef idx="2">
-            <a:schemeClr val="accent6">
-              <a:shade val="50000"/>
-            </a:schemeClr>
-          </a:lnRef>
-          <a:fillRef idx="1">
-            <a:schemeClr val="accent6"/>
-          </a:fillRef>
-          <a:effectRef idx="0">
-            <a:schemeClr val="accent6"/>
-          </a:effectRef>
-          <a:fontRef idx="minor">
-            <a:schemeClr val="lt1"/>
-          </a:fontRef>
-        </p:style>
-        <p:txBody>
-          <a:bodyPr rtlCol="0" anchor="ctr"/>
-          <a:lstStyle/>
-          <a:p>
-            <a:pPr algn="ctr"/>
-            <a:endParaRPr lang="en-IN"/>
+              <a:t> modal window</a:t>
+            </a:r>
           </a:p>
         </p:txBody>
       </p:sp>
     </p:spTree>
     <p:extLst>
       <p:ext uri="{BB962C8B-B14F-4D97-AF65-F5344CB8AC3E}">
-        <p14:creationId xmlns:p14="http://schemas.microsoft.com/office/powerpoint/2010/main" val="2277590725"/>
+        <p14:creationId xmlns:p14="http://schemas.microsoft.com/office/powerpoint/2010/main" val="3174316612"/>
       </p:ext>
     </p:extLst>
   </p:cSld>
@@ -22111,20 +22058,20 @@
           <a:p>
             <a:r>
               <a:rPr lang="en-IN" b="1" dirty="0"/>
-              <a:t>Schedule an appointment (Teacher)</a:t>
-            </a:r>
-          </a:p>
-        </p:txBody>
-      </p:sp>
-      <p:sp>
-        <p:nvSpPr>
-          <p:cNvPr id="9" name="Rectangle 8"/>
+              <a:t>Approve or Reject pending appointments (Teacher)</a:t>
+            </a:r>
+          </a:p>
+        </p:txBody>
+      </p:sp>
+      <p:sp>
+        <p:nvSpPr>
+          <p:cNvPr id="4" name="Rectangle 3"/>
           <p:cNvSpPr/>
           <p:nvPr/>
         </p:nvSpPr>
         <p:spPr>
           <a:xfrm>
-            <a:off x="335720" y="2067620"/>
+            <a:off x="506084" y="2409697"/>
             <a:ext cx="2291752" cy="1437682"/>
           </a:xfrm>
           <a:prstGeom prst="rect">
@@ -22154,7 +22101,15 @@
             <a:pPr lvl="1" algn="ctr"/>
             <a:r>
               <a:rPr lang="en-IN" dirty="0"/>
-              <a:t>Time slot for appointment is selected from </a:t>
+              <a:t>A pending appointment (yellow) is clicked on </a:t>
+            </a:r>
+            <a:r>
+              <a:rPr lang="en-IN" dirty="0" err="1"/>
+              <a:t>AppointmentsCalendar</a:t>
+            </a:r>
+            <a:r>
+              <a:rPr lang="en-IN" dirty="0"/>
+              <a:t> in </a:t>
             </a:r>
             <a:r>
               <a:rPr lang="en-IN" dirty="0" err="1"/>
@@ -22166,13 +22121,13 @@
       </p:sp>
       <p:sp>
         <p:nvSpPr>
-          <p:cNvPr id="10" name="Right Arrow 9"/>
+          <p:cNvPr id="5" name="Right Arrow 4"/>
           <p:cNvSpPr/>
           <p:nvPr/>
         </p:nvSpPr>
         <p:spPr>
           <a:xfrm>
-            <a:off x="2627472" y="2648438"/>
+            <a:off x="2797836" y="2990515"/>
             <a:ext cx="583722" cy="276045"/>
           </a:xfrm>
           <a:prstGeom prst="rightArrow">
@@ -22206,14 +22161,14 @@
       </p:sp>
       <p:sp>
         <p:nvSpPr>
-          <p:cNvPr id="11" name="Rectangle 10"/>
+          <p:cNvPr id="6" name="Rectangle 5"/>
           <p:cNvSpPr/>
           <p:nvPr/>
         </p:nvSpPr>
         <p:spPr>
           <a:xfrm>
-            <a:off x="3211194" y="2076246"/>
-            <a:ext cx="2518908" cy="1437682"/>
+            <a:off x="3381558" y="2418323"/>
+            <a:ext cx="2291752" cy="1437682"/>
           </a:xfrm>
           <a:prstGeom prst="rect">
             <a:avLst/>
@@ -22241,37 +22196,30 @@
           <a:p>
             <a:pPr algn="ctr"/>
             <a:r>
+              <a:rPr lang="en-IN" dirty="0"/>
+              <a:t>Pass that appointment object to </a:t>
+            </a:r>
+            <a:r>
               <a:rPr lang="en-IN" dirty="0" err="1"/>
-              <a:t>ScheduleAppointmentForm</a:t>
+              <a:t>AppointmentDetailed</a:t>
             </a:r>
             <a:endParaRPr lang="en-IN" dirty="0"/>
           </a:p>
           <a:p>
             <a:pPr algn="ctr"/>
-            <a:r>
-              <a:rPr lang="en-IN" dirty="0"/>
-              <a:t>Is shown as it is passed start </a:t>
-            </a:r>
-            <a:r>
-              <a:rPr lang="en-IN" dirty="0" err="1"/>
-              <a:t>time,end</a:t>
-            </a:r>
-            <a:r>
-              <a:rPr lang="en-IN" dirty="0"/>
-              <a:t> time as props.</a:t>
-            </a:r>
-          </a:p>
-        </p:txBody>
-      </p:sp>
-      <p:sp>
-        <p:nvSpPr>
-          <p:cNvPr id="12" name="Right Arrow 11"/>
+            <a:endParaRPr lang="en-IN" dirty="0"/>
+          </a:p>
+        </p:txBody>
+      </p:sp>
+      <p:sp>
+        <p:nvSpPr>
+          <p:cNvPr id="7" name="Right Arrow 6"/>
           <p:cNvSpPr/>
           <p:nvPr/>
         </p:nvSpPr>
         <p:spPr>
           <a:xfrm>
-            <a:off x="5730102" y="2648437"/>
+            <a:off x="5673310" y="2987639"/>
             <a:ext cx="583722" cy="276045"/>
           </a:xfrm>
           <a:prstGeom prst="rightArrow">
@@ -22305,14 +22253,14 @@
       </p:sp>
       <p:sp>
         <p:nvSpPr>
-          <p:cNvPr id="13" name="Rectangle 12"/>
+          <p:cNvPr id="8" name="Rectangle 7"/>
           <p:cNvSpPr/>
           <p:nvPr/>
         </p:nvSpPr>
         <p:spPr>
           <a:xfrm>
-            <a:off x="6313824" y="2081997"/>
-            <a:ext cx="2448459" cy="1437682"/>
+            <a:off x="6257032" y="2415447"/>
+            <a:ext cx="2291752" cy="1437682"/>
           </a:xfrm>
           <a:prstGeom prst="rect">
             <a:avLst/>
@@ -22341,45 +22289,21 @@
             <a:pPr algn="ctr"/>
             <a:r>
               <a:rPr lang="en-IN" dirty="0"/>
-              <a:t>On </a:t>
-            </a:r>
-            <a:r>
-              <a:rPr lang="en-IN" dirty="0" err="1"/>
-              <a:t>ScheduleAppointmentForm</a:t>
-            </a:r>
-            <a:endParaRPr lang="en-IN" dirty="0"/>
-          </a:p>
-          <a:p>
-            <a:pPr algn="ctr"/>
-            <a:r>
-              <a:rPr lang="en-IN" dirty="0"/>
-              <a:t>submit, new appointment is added using </a:t>
-            </a:r>
-            <a:r>
-              <a:rPr lang="en-IN" dirty="0" err="1"/>
-              <a:t>addAppointment</a:t>
-            </a:r>
-            <a:endParaRPr lang="en-IN" dirty="0"/>
-          </a:p>
-          <a:p>
-            <a:pPr algn="ctr"/>
-            <a:r>
-              <a:rPr lang="en-IN" dirty="0"/>
-              <a:t>mutation.</a:t>
-            </a:r>
-          </a:p>
-        </p:txBody>
-      </p:sp>
-      <p:sp>
-        <p:nvSpPr>
-          <p:cNvPr id="14" name="Down Arrow 13"/>
+              <a:t>Fetch and cache that appointment details along with student and teacher name</a:t>
+            </a:r>
+          </a:p>
+        </p:txBody>
+      </p:sp>
+      <p:sp>
+        <p:nvSpPr>
+          <p:cNvPr id="9" name="Down Arrow 8"/>
           <p:cNvSpPr/>
           <p:nvPr/>
         </p:nvSpPr>
         <p:spPr>
           <a:xfrm>
-            <a:off x="7303702" y="3533979"/>
-            <a:ext cx="234352" cy="879894"/>
+            <a:off x="7558173" y="3847376"/>
+            <a:ext cx="234352" cy="940279"/>
           </a:xfrm>
           <a:prstGeom prst="downArrow">
             <a:avLst/>
@@ -22412,14 +22336,14 @@
       </p:sp>
       <p:sp>
         <p:nvSpPr>
-          <p:cNvPr id="15" name="Rectangle 14"/>
+          <p:cNvPr id="10" name="Rectangle 9"/>
           <p:cNvSpPr/>
           <p:nvPr/>
         </p:nvSpPr>
         <p:spPr>
           <a:xfrm>
-            <a:off x="3439064" y="4091796"/>
-            <a:ext cx="2409645" cy="2035286"/>
+            <a:off x="6579076" y="4787656"/>
+            <a:ext cx="2192546" cy="1639021"/>
           </a:xfrm>
           <a:prstGeom prst="rect">
             <a:avLst/>
@@ -22447,30 +22371,30 @@
           <a:p>
             <a:pPr algn="ctr"/>
             <a:r>
+              <a:rPr lang="en-IN" dirty="0"/>
+              <a:t>Display appointment details in </a:t>
+            </a:r>
+            <a:r>
               <a:rPr lang="en-IN" dirty="0" err="1"/>
-              <a:t>ScheduleAppointmentForm</a:t>
-            </a:r>
-            <a:endParaRPr lang="en-IN" dirty="0"/>
-          </a:p>
-          <a:p>
-            <a:pPr algn="ctr"/>
+              <a:t>AppointmentDetailed</a:t>
+            </a:r>
             <a:r>
               <a:rPr lang="en-IN" dirty="0"/>
-              <a:t>is closed and teacher’s appointments are refreshed in cache.</a:t>
-            </a:r>
-          </a:p>
-        </p:txBody>
-      </p:sp>
-      <p:sp>
-        <p:nvSpPr>
-          <p:cNvPr id="16" name="Rectangle 15"/>
+              <a:t> modal window. As it is pending, it will also show approve and reject buttons</a:t>
+            </a:r>
+          </a:p>
+        </p:txBody>
+      </p:sp>
+      <p:sp>
+        <p:nvSpPr>
+          <p:cNvPr id="11" name="Rectangle 10"/>
           <p:cNvSpPr/>
           <p:nvPr/>
         </p:nvSpPr>
         <p:spPr>
           <a:xfrm>
-            <a:off x="6551761" y="4424198"/>
-            <a:ext cx="1708030" cy="898382"/>
+            <a:off x="3624524" y="4528868"/>
+            <a:ext cx="2192546" cy="2035286"/>
           </a:xfrm>
           <a:prstGeom prst="rect">
             <a:avLst/>
@@ -22499,21 +22423,33 @@
             <a:pPr algn="ctr"/>
             <a:r>
               <a:rPr lang="en-IN" dirty="0"/>
-              <a:t>On mutation success</a:t>
-            </a:r>
-          </a:p>
-        </p:txBody>
-      </p:sp>
-      <p:sp>
-        <p:nvSpPr>
-          <p:cNvPr id="17" name="Left Arrow 16"/>
+              <a:t>On approve or reject, update appointment status using </a:t>
+            </a:r>
+            <a:r>
+              <a:rPr lang="en-IN" dirty="0" err="1"/>
+              <a:t>updateAnAppointment</a:t>
+            </a:r>
+            <a:endParaRPr lang="en-IN" dirty="0"/>
+          </a:p>
+          <a:p>
+            <a:pPr algn="ctr"/>
+            <a:r>
+              <a:rPr lang="en-IN" dirty="0"/>
+              <a:t>mutation</a:t>
+            </a:r>
+          </a:p>
+        </p:txBody>
+      </p:sp>
+      <p:sp>
+        <p:nvSpPr>
+          <p:cNvPr id="12" name="Left Arrow 11"/>
           <p:cNvSpPr/>
           <p:nvPr/>
         </p:nvSpPr>
         <p:spPr>
           <a:xfrm>
-            <a:off x="5848709" y="4728730"/>
-            <a:ext cx="703052" cy="289317"/>
+            <a:off x="5817070" y="5165802"/>
+            <a:ext cx="762006" cy="289317"/>
           </a:xfrm>
           <a:prstGeom prst="leftArrow">
             <a:avLst/>
@@ -22546,14 +22482,14 @@
       </p:sp>
       <p:sp>
         <p:nvSpPr>
-          <p:cNvPr id="18" name="Rectangle 17"/>
+          <p:cNvPr id="13" name="Rectangle 12"/>
           <p:cNvSpPr/>
           <p:nvPr/>
         </p:nvSpPr>
         <p:spPr>
           <a:xfrm>
-            <a:off x="336435" y="4000404"/>
-            <a:ext cx="2192546" cy="2035286"/>
+            <a:off x="506084" y="4226942"/>
+            <a:ext cx="2192546" cy="2337212"/>
           </a:xfrm>
           <a:prstGeom prst="rect">
             <a:avLst/>
@@ -22579,31 +22515,46 @@
           <a:bodyPr rtlCol="0" anchor="ctr"/>
           <a:lstStyle/>
           <a:p>
-            <a:pPr lvl="1" algn="ctr"/>
+            <a:pPr marL="285750" lvl="1" indent="-285750" algn="ctr">
+              <a:buFont typeface="Arial" pitchFamily="34" charset="0"/>
+              <a:buChar char="•"/>
+            </a:pPr>
+            <a:r>
+              <a:rPr lang="en-IN" dirty="0"/>
+              <a:t>Close the </a:t>
+            </a:r>
+            <a:r>
+              <a:rPr lang="en-IN" dirty="0" err="1"/>
+              <a:t>AppointmentDetailed</a:t>
+            </a:r>
+            <a:r>
+              <a:rPr lang="en-IN" dirty="0"/>
+              <a:t> modal window, refresh teacher’s appointments cache so that  </a:t>
+            </a:r>
             <a:r>
               <a:rPr lang="en-IN" dirty="0" err="1"/>
               <a:t>TeacherAppointmentsCalendar</a:t>
             </a:r>
+            <a:endParaRPr lang="en-IN" dirty="0"/>
+          </a:p>
+          <a:p>
+            <a:pPr algn="ctr"/>
             <a:r>
               <a:rPr lang="en-IN" dirty="0"/>
-              <a:t> displays all of the teacher’s appointments including this newly added one</a:t>
-            </a:r>
-          </a:p>
-          <a:p>
-            <a:pPr algn="ctr"/>
-            <a:endParaRPr lang="en-IN" dirty="0"/>
-          </a:p>
-        </p:txBody>
-      </p:sp>
-      <p:sp>
-        <p:nvSpPr>
-          <p:cNvPr id="19" name="Left Arrow 18"/>
+              <a:t>Shows all appointments including the updated one.</a:t>
+            </a:r>
+          </a:p>
+        </p:txBody>
+      </p:sp>
+      <p:sp>
+        <p:nvSpPr>
+          <p:cNvPr id="14" name="Left Arrow 13"/>
           <p:cNvSpPr/>
           <p:nvPr/>
         </p:nvSpPr>
         <p:spPr>
           <a:xfrm>
-            <a:off x="2528981" y="4820122"/>
+            <a:off x="2698630" y="5165802"/>
             <a:ext cx="920150" cy="289317"/>
           </a:xfrm>
           <a:prstGeom prst="leftArrow">
@@ -22638,7 +22589,7 @@
     </p:spTree>
     <p:extLst>
       <p:ext uri="{BB962C8B-B14F-4D97-AF65-F5344CB8AC3E}">
-        <p14:creationId xmlns:p14="http://schemas.microsoft.com/office/powerpoint/2010/main" val="1551823658"/>
+        <p14:creationId xmlns:p14="http://schemas.microsoft.com/office/powerpoint/2010/main" val="2277590725"/>
       </p:ext>
     </p:extLst>
   </p:cSld>
@@ -22667,13 +22618,7 @@
       </p:grpSpPr>
       <p:sp>
         <p:nvSpPr>
-          <p:cNvPr id="2" name="Title 1">
-            <a:extLst>
-              <a:ext uri="{FF2B5EF4-FFF2-40B4-BE49-F238E27FC236}">
-                <a16:creationId xmlns:a16="http://schemas.microsoft.com/office/drawing/2014/main" id="{E28C11A4-676B-2F2B-E7F9-BFB2B46E6CE1}"/>
-              </a:ext>
-            </a:extLst>
-          </p:cNvPr>
+          <p:cNvPr id="2" name="Title 1"/>
           <p:cNvSpPr>
             <a:spLocks noGrp="1"/>
           </p:cNvSpPr>
@@ -22683,25 +22628,21 @@
         </p:nvSpPr>
         <p:spPr/>
         <p:txBody>
-          <a:bodyPr/>
+          <a:bodyPr>
+            <a:normAutofit fontScale="90000"/>
+          </a:bodyPr>
           <a:lstStyle/>
           <a:p>
             <a:r>
-              <a:rPr lang="en-US" b="1" dirty="0"/>
-              <a:t>Logout</a:t>
-            </a:r>
-          </a:p>
-        </p:txBody>
-      </p:sp>
-      <p:sp>
-        <p:nvSpPr>
-          <p:cNvPr id="13" name="Rectangle 12">
-            <a:extLst>
-              <a:ext uri="{FF2B5EF4-FFF2-40B4-BE49-F238E27FC236}">
-                <a16:creationId xmlns:a16="http://schemas.microsoft.com/office/drawing/2014/main" id="{1D7CA4F6-705F-C3C8-A15D-637720AA61BE}"/>
-              </a:ext>
-            </a:extLst>
-          </p:cNvPr>
+              <a:rPr lang="en-IN" b="1" dirty="0"/>
+              <a:t>Schedule an appointment (Teacher)</a:t>
+            </a:r>
+          </a:p>
+        </p:txBody>
+      </p:sp>
+      <p:sp>
+        <p:nvSpPr>
+          <p:cNvPr id="9" name="Rectangle 8"/>
           <p:cNvSpPr/>
           <p:nvPr/>
         </p:nvSpPr>
@@ -22731,29 +22672,25 @@
           </a:fontRef>
         </p:style>
         <p:txBody>
-          <a:bodyPr lIns="91440" tIns="45720" rIns="91440" bIns="45720" rtlCol="0" anchor="ctr"/>
+          <a:bodyPr rtlCol="0" anchor="ctr"/>
           <a:lstStyle/>
           <a:p>
             <a:pPr lvl="1" algn="ctr"/>
             <a:r>
               <a:rPr lang="en-IN" dirty="0"/>
-              <a:t>Logout button in Header is clicked</a:t>
-            </a:r>
-            <a:endParaRPr lang="en-IN" dirty="0">
-              <a:cs typeface="Arial"/>
-            </a:endParaRPr>
-          </a:p>
-        </p:txBody>
-      </p:sp>
-      <p:sp>
-        <p:nvSpPr>
-          <p:cNvPr id="15" name="Right Arrow 9">
-            <a:extLst>
-              <a:ext uri="{FF2B5EF4-FFF2-40B4-BE49-F238E27FC236}">
-                <a16:creationId xmlns:a16="http://schemas.microsoft.com/office/drawing/2014/main" id="{54A202B1-C2CD-9240-ED58-3567304AB720}"/>
-              </a:ext>
-            </a:extLst>
-          </p:cNvPr>
+              <a:t>Time slot for appointment is selected from </a:t>
+            </a:r>
+            <a:r>
+              <a:rPr lang="en-IN" dirty="0" err="1"/>
+              <a:t>TeacherAppointmentsCalendar</a:t>
+            </a:r>
+            <a:endParaRPr lang="en-IN" dirty="0"/>
+          </a:p>
+        </p:txBody>
+      </p:sp>
+      <p:sp>
+        <p:nvSpPr>
+          <p:cNvPr id="10" name="Right Arrow 9"/>
           <p:cNvSpPr/>
           <p:nvPr/>
         </p:nvSpPr>
@@ -22793,20 +22730,14 @@
       </p:sp>
       <p:sp>
         <p:nvSpPr>
-          <p:cNvPr id="16" name="Rectangle 15">
-            <a:extLst>
-              <a:ext uri="{FF2B5EF4-FFF2-40B4-BE49-F238E27FC236}">
-                <a16:creationId xmlns:a16="http://schemas.microsoft.com/office/drawing/2014/main" id="{369CD862-65E0-8EF9-C3D7-00937079ED9D}"/>
-              </a:ext>
-            </a:extLst>
-          </p:cNvPr>
+          <p:cNvPr id="11" name="Rectangle 10"/>
           <p:cNvSpPr/>
           <p:nvPr/>
         </p:nvSpPr>
         <p:spPr>
           <a:xfrm>
-            <a:off x="3220672" y="2067620"/>
-            <a:ext cx="2291752" cy="1437682"/>
+            <a:off x="3211194" y="2076246"/>
+            <a:ext cx="2518908" cy="1437682"/>
           </a:xfrm>
           <a:prstGeom prst="rect">
             <a:avLst/>
@@ -22829,56 +22760,42 @@
           </a:fontRef>
         </p:style>
         <p:txBody>
-          <a:bodyPr lIns="91440" tIns="45720" rIns="91440" bIns="45720" rtlCol="0" anchor="ctr"/>
+          <a:bodyPr rtlCol="0" anchor="ctr"/>
           <a:lstStyle/>
           <a:p>
-            <a:pPr lvl="1" algn="ctr"/>
-            <a:r>
-              <a:rPr lang="en-IN" dirty="0">
-                <a:cs typeface="Arial"/>
-              </a:rPr>
-              <a:t>Logout function from </a:t>
-            </a:r>
-            <a:r>
-              <a:rPr lang="en-IN" err="1">
-                <a:cs typeface="Arial"/>
-              </a:rPr>
-              <a:t>AuthContext</a:t>
-            </a:r>
-            <a:r>
-              <a:rPr lang="en-IN">
-                <a:cs typeface="Arial"/>
-              </a:rPr>
-              <a:t> is called,</a:t>
-            </a:r>
-            <a:endParaRPr lang="en-US"/>
-          </a:p>
-          <a:p>
-            <a:pPr lvl="1" algn="ctr"/>
-            <a:r>
-              <a:rPr lang="en-IN" dirty="0">
-                <a:cs typeface="Arial"/>
-              </a:rPr>
-              <a:t>It sets current user to null</a:t>
-            </a:r>
-          </a:p>
-        </p:txBody>
-      </p:sp>
-      <p:sp>
-        <p:nvSpPr>
-          <p:cNvPr id="17" name="Right Arrow 9">
-            <a:extLst>
-              <a:ext uri="{FF2B5EF4-FFF2-40B4-BE49-F238E27FC236}">
-                <a16:creationId xmlns:a16="http://schemas.microsoft.com/office/drawing/2014/main" id="{A11FEFF6-0F76-386E-6795-8215F4420C8D}"/>
-              </a:ext>
-            </a:extLst>
-          </p:cNvPr>
+            <a:pPr algn="ctr"/>
+            <a:r>
+              <a:rPr lang="en-IN" dirty="0" err="1"/>
+              <a:t>ScheduleAppointmentForm</a:t>
+            </a:r>
+            <a:endParaRPr lang="en-IN" dirty="0"/>
+          </a:p>
+          <a:p>
+            <a:pPr algn="ctr"/>
+            <a:r>
+              <a:rPr lang="en-IN" dirty="0"/>
+              <a:t>Is shown as it is passed start </a:t>
+            </a:r>
+            <a:r>
+              <a:rPr lang="en-IN" dirty="0" err="1"/>
+              <a:t>time,end</a:t>
+            </a:r>
+            <a:r>
+              <a:rPr lang="en-IN" dirty="0"/>
+              <a:t> time as props.</a:t>
+            </a:r>
+          </a:p>
+        </p:txBody>
+      </p:sp>
+      <p:sp>
+        <p:nvSpPr>
+          <p:cNvPr id="12" name="Right Arrow 11"/>
           <p:cNvSpPr/>
           <p:nvPr/>
         </p:nvSpPr>
         <p:spPr>
           <a:xfrm>
-            <a:off x="5502441" y="2638455"/>
+            <a:off x="5730102" y="2648437"/>
             <a:ext cx="583722" cy="276045"/>
           </a:xfrm>
           <a:prstGeom prst="rightArrow">
@@ -22912,20 +22829,14 @@
       </p:sp>
       <p:sp>
         <p:nvSpPr>
-          <p:cNvPr id="18" name="Rectangle 17">
-            <a:extLst>
-              <a:ext uri="{FF2B5EF4-FFF2-40B4-BE49-F238E27FC236}">
-                <a16:creationId xmlns:a16="http://schemas.microsoft.com/office/drawing/2014/main" id="{E7AE4661-0C6F-0F2D-74D3-856A7CA1C0F1}"/>
-              </a:ext>
-            </a:extLst>
-          </p:cNvPr>
+          <p:cNvPr id="13" name="Rectangle 12"/>
           <p:cNvSpPr/>
           <p:nvPr/>
         </p:nvSpPr>
         <p:spPr>
           <a:xfrm>
-            <a:off x="6095641" y="2057637"/>
-            <a:ext cx="2291752" cy="1437682"/>
+            <a:off x="6313824" y="2081997"/>
+            <a:ext cx="2448459" cy="1437682"/>
           </a:xfrm>
           <a:prstGeom prst="rect">
             <a:avLst/>
@@ -22948,6 +22859,619 @@
           </a:fontRef>
         </p:style>
         <p:txBody>
+          <a:bodyPr rtlCol="0" anchor="ctr"/>
+          <a:lstStyle/>
+          <a:p>
+            <a:pPr algn="ctr"/>
+            <a:r>
+              <a:rPr lang="en-IN" dirty="0"/>
+              <a:t>On </a:t>
+            </a:r>
+            <a:r>
+              <a:rPr lang="en-IN" dirty="0" err="1"/>
+              <a:t>ScheduleAppointmentForm</a:t>
+            </a:r>
+            <a:endParaRPr lang="en-IN" dirty="0"/>
+          </a:p>
+          <a:p>
+            <a:pPr algn="ctr"/>
+            <a:r>
+              <a:rPr lang="en-IN" dirty="0"/>
+              <a:t>submit, new appointment is added using </a:t>
+            </a:r>
+            <a:r>
+              <a:rPr lang="en-IN" dirty="0" err="1"/>
+              <a:t>addAppointment</a:t>
+            </a:r>
+            <a:endParaRPr lang="en-IN" dirty="0"/>
+          </a:p>
+          <a:p>
+            <a:pPr algn="ctr"/>
+            <a:r>
+              <a:rPr lang="en-IN" dirty="0"/>
+              <a:t>mutation.</a:t>
+            </a:r>
+          </a:p>
+        </p:txBody>
+      </p:sp>
+      <p:sp>
+        <p:nvSpPr>
+          <p:cNvPr id="14" name="Down Arrow 13"/>
+          <p:cNvSpPr/>
+          <p:nvPr/>
+        </p:nvSpPr>
+        <p:spPr>
+          <a:xfrm>
+            <a:off x="7303702" y="3533979"/>
+            <a:ext cx="234352" cy="879894"/>
+          </a:xfrm>
+          <a:prstGeom prst="downArrow">
+            <a:avLst/>
+          </a:prstGeom>
+        </p:spPr>
+        <p:style>
+          <a:lnRef idx="2">
+            <a:schemeClr val="accent6">
+              <a:shade val="50000"/>
+            </a:schemeClr>
+          </a:lnRef>
+          <a:fillRef idx="1">
+            <a:schemeClr val="accent6"/>
+          </a:fillRef>
+          <a:effectRef idx="0">
+            <a:schemeClr val="accent6"/>
+          </a:effectRef>
+          <a:fontRef idx="minor">
+            <a:schemeClr val="lt1"/>
+          </a:fontRef>
+        </p:style>
+        <p:txBody>
+          <a:bodyPr rtlCol="0" anchor="ctr"/>
+          <a:lstStyle/>
+          <a:p>
+            <a:pPr algn="ctr"/>
+            <a:endParaRPr lang="en-IN"/>
+          </a:p>
+        </p:txBody>
+      </p:sp>
+      <p:sp>
+        <p:nvSpPr>
+          <p:cNvPr id="15" name="Rectangle 14"/>
+          <p:cNvSpPr/>
+          <p:nvPr/>
+        </p:nvSpPr>
+        <p:spPr>
+          <a:xfrm>
+            <a:off x="3439064" y="4091796"/>
+            <a:ext cx="2409645" cy="2035286"/>
+          </a:xfrm>
+          <a:prstGeom prst="rect">
+            <a:avLst/>
+          </a:prstGeom>
+        </p:spPr>
+        <p:style>
+          <a:lnRef idx="2">
+            <a:schemeClr val="accent1">
+              <a:shade val="50000"/>
+            </a:schemeClr>
+          </a:lnRef>
+          <a:fillRef idx="1">
+            <a:schemeClr val="accent1"/>
+          </a:fillRef>
+          <a:effectRef idx="0">
+            <a:schemeClr val="accent1"/>
+          </a:effectRef>
+          <a:fontRef idx="minor">
+            <a:schemeClr val="lt1"/>
+          </a:fontRef>
+        </p:style>
+        <p:txBody>
+          <a:bodyPr rtlCol="0" anchor="ctr"/>
+          <a:lstStyle/>
+          <a:p>
+            <a:pPr algn="ctr"/>
+            <a:r>
+              <a:rPr lang="en-IN" dirty="0" err="1"/>
+              <a:t>ScheduleAppointmentForm</a:t>
+            </a:r>
+            <a:endParaRPr lang="en-IN" dirty="0"/>
+          </a:p>
+          <a:p>
+            <a:pPr algn="ctr"/>
+            <a:r>
+              <a:rPr lang="en-IN" dirty="0"/>
+              <a:t>is closed and teacher’s appointments are refreshed in cache.</a:t>
+            </a:r>
+          </a:p>
+        </p:txBody>
+      </p:sp>
+      <p:sp>
+        <p:nvSpPr>
+          <p:cNvPr id="16" name="Rectangle 15"/>
+          <p:cNvSpPr/>
+          <p:nvPr/>
+        </p:nvSpPr>
+        <p:spPr>
+          <a:xfrm>
+            <a:off x="6551761" y="4424198"/>
+            <a:ext cx="1708030" cy="898382"/>
+          </a:xfrm>
+          <a:prstGeom prst="rect">
+            <a:avLst/>
+          </a:prstGeom>
+        </p:spPr>
+        <p:style>
+          <a:lnRef idx="2">
+            <a:schemeClr val="accent1">
+              <a:shade val="50000"/>
+            </a:schemeClr>
+          </a:lnRef>
+          <a:fillRef idx="1">
+            <a:schemeClr val="accent1"/>
+          </a:fillRef>
+          <a:effectRef idx="0">
+            <a:schemeClr val="accent1"/>
+          </a:effectRef>
+          <a:fontRef idx="minor">
+            <a:schemeClr val="lt1"/>
+          </a:fontRef>
+        </p:style>
+        <p:txBody>
+          <a:bodyPr rtlCol="0" anchor="ctr"/>
+          <a:lstStyle/>
+          <a:p>
+            <a:pPr algn="ctr"/>
+            <a:r>
+              <a:rPr lang="en-IN" dirty="0"/>
+              <a:t>On mutation success</a:t>
+            </a:r>
+          </a:p>
+        </p:txBody>
+      </p:sp>
+      <p:sp>
+        <p:nvSpPr>
+          <p:cNvPr id="17" name="Left Arrow 16"/>
+          <p:cNvSpPr/>
+          <p:nvPr/>
+        </p:nvSpPr>
+        <p:spPr>
+          <a:xfrm>
+            <a:off x="5848709" y="4728730"/>
+            <a:ext cx="703052" cy="289317"/>
+          </a:xfrm>
+          <a:prstGeom prst="leftArrow">
+            <a:avLst/>
+          </a:prstGeom>
+        </p:spPr>
+        <p:style>
+          <a:lnRef idx="2">
+            <a:schemeClr val="accent6">
+              <a:shade val="50000"/>
+            </a:schemeClr>
+          </a:lnRef>
+          <a:fillRef idx="1">
+            <a:schemeClr val="accent6"/>
+          </a:fillRef>
+          <a:effectRef idx="0">
+            <a:schemeClr val="accent6"/>
+          </a:effectRef>
+          <a:fontRef idx="minor">
+            <a:schemeClr val="lt1"/>
+          </a:fontRef>
+        </p:style>
+        <p:txBody>
+          <a:bodyPr rtlCol="0" anchor="ctr"/>
+          <a:lstStyle/>
+          <a:p>
+            <a:pPr algn="ctr"/>
+            <a:endParaRPr lang="en-IN"/>
+          </a:p>
+        </p:txBody>
+      </p:sp>
+      <p:sp>
+        <p:nvSpPr>
+          <p:cNvPr id="18" name="Rectangle 17"/>
+          <p:cNvSpPr/>
+          <p:nvPr/>
+        </p:nvSpPr>
+        <p:spPr>
+          <a:xfrm>
+            <a:off x="336435" y="4000404"/>
+            <a:ext cx="2192546" cy="2035286"/>
+          </a:xfrm>
+          <a:prstGeom prst="rect">
+            <a:avLst/>
+          </a:prstGeom>
+        </p:spPr>
+        <p:style>
+          <a:lnRef idx="2">
+            <a:schemeClr val="accent1">
+              <a:shade val="50000"/>
+            </a:schemeClr>
+          </a:lnRef>
+          <a:fillRef idx="1">
+            <a:schemeClr val="accent1"/>
+          </a:fillRef>
+          <a:effectRef idx="0">
+            <a:schemeClr val="accent1"/>
+          </a:effectRef>
+          <a:fontRef idx="minor">
+            <a:schemeClr val="lt1"/>
+          </a:fontRef>
+        </p:style>
+        <p:txBody>
+          <a:bodyPr rtlCol="0" anchor="ctr"/>
+          <a:lstStyle/>
+          <a:p>
+            <a:pPr lvl="1" algn="ctr"/>
+            <a:r>
+              <a:rPr lang="en-IN" dirty="0" err="1"/>
+              <a:t>TeacherAppointmentsCalendar</a:t>
+            </a:r>
+            <a:r>
+              <a:rPr lang="en-IN" dirty="0"/>
+              <a:t> displays all of the teacher’s appointments including this newly added one</a:t>
+            </a:r>
+          </a:p>
+          <a:p>
+            <a:pPr algn="ctr"/>
+            <a:endParaRPr lang="en-IN" dirty="0"/>
+          </a:p>
+        </p:txBody>
+      </p:sp>
+      <p:sp>
+        <p:nvSpPr>
+          <p:cNvPr id="19" name="Left Arrow 18"/>
+          <p:cNvSpPr/>
+          <p:nvPr/>
+        </p:nvSpPr>
+        <p:spPr>
+          <a:xfrm>
+            <a:off x="2528981" y="4820122"/>
+            <a:ext cx="920150" cy="289317"/>
+          </a:xfrm>
+          <a:prstGeom prst="leftArrow">
+            <a:avLst/>
+          </a:prstGeom>
+        </p:spPr>
+        <p:style>
+          <a:lnRef idx="2">
+            <a:schemeClr val="accent6">
+              <a:shade val="50000"/>
+            </a:schemeClr>
+          </a:lnRef>
+          <a:fillRef idx="1">
+            <a:schemeClr val="accent6"/>
+          </a:fillRef>
+          <a:effectRef idx="0">
+            <a:schemeClr val="accent6"/>
+          </a:effectRef>
+          <a:fontRef idx="minor">
+            <a:schemeClr val="lt1"/>
+          </a:fontRef>
+        </p:style>
+        <p:txBody>
+          <a:bodyPr rtlCol="0" anchor="ctr"/>
+          <a:lstStyle/>
+          <a:p>
+            <a:pPr algn="ctr"/>
+            <a:endParaRPr lang="en-IN"/>
+          </a:p>
+        </p:txBody>
+      </p:sp>
+    </p:spTree>
+    <p:extLst>
+      <p:ext uri="{BB962C8B-B14F-4D97-AF65-F5344CB8AC3E}">
+        <p14:creationId xmlns:p14="http://schemas.microsoft.com/office/powerpoint/2010/main" val="1551823658"/>
+      </p:ext>
+    </p:extLst>
+  </p:cSld>
+  <p:clrMapOvr>
+    <a:masterClrMapping/>
+  </p:clrMapOvr>
+</p:sld>
+</file>
+
+<file path=ppt/slides/slide57.xml><?xml version="1.0" encoding="utf-8"?>
+<p:sld xmlns:a="http://schemas.openxmlformats.org/drawingml/2006/main" xmlns:r="http://schemas.openxmlformats.org/officeDocument/2006/relationships" xmlns:p="http://schemas.openxmlformats.org/presentationml/2006/main">
+  <p:cSld>
+    <p:spTree>
+      <p:nvGrpSpPr>
+        <p:cNvPr id="1" name=""/>
+        <p:cNvGrpSpPr/>
+        <p:nvPr/>
+      </p:nvGrpSpPr>
+      <p:grpSpPr>
+        <a:xfrm>
+          <a:off x="0" y="0"/>
+          <a:ext cx="0" cy="0"/>
+          <a:chOff x="0" y="0"/>
+          <a:chExt cx="0" cy="0"/>
+        </a:xfrm>
+      </p:grpSpPr>
+      <p:sp>
+        <p:nvSpPr>
+          <p:cNvPr id="2" name="Title 1">
+            <a:extLst>
+              <a:ext uri="{FF2B5EF4-FFF2-40B4-BE49-F238E27FC236}">
+                <a16:creationId xmlns:a16="http://schemas.microsoft.com/office/drawing/2014/main" id="{E28C11A4-676B-2F2B-E7F9-BFB2B46E6CE1}"/>
+              </a:ext>
+            </a:extLst>
+          </p:cNvPr>
+          <p:cNvSpPr>
+            <a:spLocks noGrp="1"/>
+          </p:cNvSpPr>
+          <p:nvPr>
+            <p:ph type="title"/>
+          </p:nvPr>
+        </p:nvSpPr>
+        <p:spPr/>
+        <p:txBody>
+          <a:bodyPr/>
+          <a:lstStyle/>
+          <a:p>
+            <a:r>
+              <a:rPr lang="en-US" b="1" dirty="0"/>
+              <a:t>Logout</a:t>
+            </a:r>
+          </a:p>
+        </p:txBody>
+      </p:sp>
+      <p:sp>
+        <p:nvSpPr>
+          <p:cNvPr id="13" name="Rectangle 12">
+            <a:extLst>
+              <a:ext uri="{FF2B5EF4-FFF2-40B4-BE49-F238E27FC236}">
+                <a16:creationId xmlns:a16="http://schemas.microsoft.com/office/drawing/2014/main" id="{1D7CA4F6-705F-C3C8-A15D-637720AA61BE}"/>
+              </a:ext>
+            </a:extLst>
+          </p:cNvPr>
+          <p:cNvSpPr/>
+          <p:nvPr/>
+        </p:nvSpPr>
+        <p:spPr>
+          <a:xfrm>
+            <a:off x="335720" y="2067620"/>
+            <a:ext cx="2291752" cy="1437682"/>
+          </a:xfrm>
+          <a:prstGeom prst="rect">
+            <a:avLst/>
+          </a:prstGeom>
+        </p:spPr>
+        <p:style>
+          <a:lnRef idx="2">
+            <a:schemeClr val="accent1">
+              <a:shade val="50000"/>
+            </a:schemeClr>
+          </a:lnRef>
+          <a:fillRef idx="1">
+            <a:schemeClr val="accent1"/>
+          </a:fillRef>
+          <a:effectRef idx="0">
+            <a:schemeClr val="accent1"/>
+          </a:effectRef>
+          <a:fontRef idx="minor">
+            <a:schemeClr val="lt1"/>
+          </a:fontRef>
+        </p:style>
+        <p:txBody>
+          <a:bodyPr lIns="91440" tIns="45720" rIns="91440" bIns="45720" rtlCol="0" anchor="ctr"/>
+          <a:lstStyle/>
+          <a:p>
+            <a:pPr lvl="1" algn="ctr"/>
+            <a:r>
+              <a:rPr lang="en-IN" dirty="0"/>
+              <a:t>Logout button in Header is clicked</a:t>
+            </a:r>
+            <a:endParaRPr lang="en-IN" dirty="0">
+              <a:cs typeface="Arial"/>
+            </a:endParaRPr>
+          </a:p>
+        </p:txBody>
+      </p:sp>
+      <p:sp>
+        <p:nvSpPr>
+          <p:cNvPr id="15" name="Right Arrow 9">
+            <a:extLst>
+              <a:ext uri="{FF2B5EF4-FFF2-40B4-BE49-F238E27FC236}">
+                <a16:creationId xmlns:a16="http://schemas.microsoft.com/office/drawing/2014/main" id="{54A202B1-C2CD-9240-ED58-3567304AB720}"/>
+              </a:ext>
+            </a:extLst>
+          </p:cNvPr>
+          <p:cNvSpPr/>
+          <p:nvPr/>
+        </p:nvSpPr>
+        <p:spPr>
+          <a:xfrm>
+            <a:off x="2627472" y="2648438"/>
+            <a:ext cx="583722" cy="276045"/>
+          </a:xfrm>
+          <a:prstGeom prst="rightArrow">
+            <a:avLst/>
+          </a:prstGeom>
+        </p:spPr>
+        <p:style>
+          <a:lnRef idx="2">
+            <a:schemeClr val="accent6">
+              <a:shade val="50000"/>
+            </a:schemeClr>
+          </a:lnRef>
+          <a:fillRef idx="1">
+            <a:schemeClr val="accent6"/>
+          </a:fillRef>
+          <a:effectRef idx="0">
+            <a:schemeClr val="accent6"/>
+          </a:effectRef>
+          <a:fontRef idx="minor">
+            <a:schemeClr val="lt1"/>
+          </a:fontRef>
+        </p:style>
+        <p:txBody>
+          <a:bodyPr rtlCol="0" anchor="ctr"/>
+          <a:lstStyle/>
+          <a:p>
+            <a:pPr algn="ctr"/>
+            <a:endParaRPr lang="en-IN"/>
+          </a:p>
+        </p:txBody>
+      </p:sp>
+      <p:sp>
+        <p:nvSpPr>
+          <p:cNvPr id="16" name="Rectangle 15">
+            <a:extLst>
+              <a:ext uri="{FF2B5EF4-FFF2-40B4-BE49-F238E27FC236}">
+                <a16:creationId xmlns:a16="http://schemas.microsoft.com/office/drawing/2014/main" id="{369CD862-65E0-8EF9-C3D7-00937079ED9D}"/>
+              </a:ext>
+            </a:extLst>
+          </p:cNvPr>
+          <p:cNvSpPr/>
+          <p:nvPr/>
+        </p:nvSpPr>
+        <p:spPr>
+          <a:xfrm>
+            <a:off x="3220672" y="2067620"/>
+            <a:ext cx="2291752" cy="1437682"/>
+          </a:xfrm>
+          <a:prstGeom prst="rect">
+            <a:avLst/>
+          </a:prstGeom>
+        </p:spPr>
+        <p:style>
+          <a:lnRef idx="2">
+            <a:schemeClr val="accent1">
+              <a:shade val="50000"/>
+            </a:schemeClr>
+          </a:lnRef>
+          <a:fillRef idx="1">
+            <a:schemeClr val="accent1"/>
+          </a:fillRef>
+          <a:effectRef idx="0">
+            <a:schemeClr val="accent1"/>
+          </a:effectRef>
+          <a:fontRef idx="minor">
+            <a:schemeClr val="lt1"/>
+          </a:fontRef>
+        </p:style>
+        <p:txBody>
+          <a:bodyPr lIns="91440" tIns="45720" rIns="91440" bIns="45720" rtlCol="0" anchor="ctr"/>
+          <a:lstStyle/>
+          <a:p>
+            <a:pPr lvl="1" algn="ctr"/>
+            <a:r>
+              <a:rPr lang="en-IN" dirty="0">
+                <a:cs typeface="Arial"/>
+              </a:rPr>
+              <a:t>Logout function from </a:t>
+            </a:r>
+            <a:r>
+              <a:rPr lang="en-IN" err="1">
+                <a:cs typeface="Arial"/>
+              </a:rPr>
+              <a:t>AuthContext</a:t>
+            </a:r>
+            <a:r>
+              <a:rPr lang="en-IN">
+                <a:cs typeface="Arial"/>
+              </a:rPr>
+              <a:t> is called,</a:t>
+            </a:r>
+            <a:endParaRPr lang="en-US"/>
+          </a:p>
+          <a:p>
+            <a:pPr lvl="1" algn="ctr"/>
+            <a:r>
+              <a:rPr lang="en-IN" dirty="0">
+                <a:cs typeface="Arial"/>
+              </a:rPr>
+              <a:t>It sets current user to null</a:t>
+            </a:r>
+          </a:p>
+        </p:txBody>
+      </p:sp>
+      <p:sp>
+        <p:nvSpPr>
+          <p:cNvPr id="17" name="Right Arrow 9">
+            <a:extLst>
+              <a:ext uri="{FF2B5EF4-FFF2-40B4-BE49-F238E27FC236}">
+                <a16:creationId xmlns:a16="http://schemas.microsoft.com/office/drawing/2014/main" id="{A11FEFF6-0F76-386E-6795-8215F4420C8D}"/>
+              </a:ext>
+            </a:extLst>
+          </p:cNvPr>
+          <p:cNvSpPr/>
+          <p:nvPr/>
+        </p:nvSpPr>
+        <p:spPr>
+          <a:xfrm>
+            <a:off x="5502441" y="2638455"/>
+            <a:ext cx="583722" cy="276045"/>
+          </a:xfrm>
+          <a:prstGeom prst="rightArrow">
+            <a:avLst/>
+          </a:prstGeom>
+        </p:spPr>
+        <p:style>
+          <a:lnRef idx="2">
+            <a:schemeClr val="accent6">
+              <a:shade val="50000"/>
+            </a:schemeClr>
+          </a:lnRef>
+          <a:fillRef idx="1">
+            <a:schemeClr val="accent6"/>
+          </a:fillRef>
+          <a:effectRef idx="0">
+            <a:schemeClr val="accent6"/>
+          </a:effectRef>
+          <a:fontRef idx="minor">
+            <a:schemeClr val="lt1"/>
+          </a:fontRef>
+        </p:style>
+        <p:txBody>
+          <a:bodyPr rtlCol="0" anchor="ctr"/>
+          <a:lstStyle/>
+          <a:p>
+            <a:pPr algn="ctr"/>
+            <a:endParaRPr lang="en-IN"/>
+          </a:p>
+        </p:txBody>
+      </p:sp>
+      <p:sp>
+        <p:nvSpPr>
+          <p:cNvPr id="18" name="Rectangle 17">
+            <a:extLst>
+              <a:ext uri="{FF2B5EF4-FFF2-40B4-BE49-F238E27FC236}">
+                <a16:creationId xmlns:a16="http://schemas.microsoft.com/office/drawing/2014/main" id="{E7AE4661-0C6F-0F2D-74D3-856A7CA1C0F1}"/>
+              </a:ext>
+            </a:extLst>
+          </p:cNvPr>
+          <p:cNvSpPr/>
+          <p:nvPr/>
+        </p:nvSpPr>
+        <p:spPr>
+          <a:xfrm>
+            <a:off x="6095641" y="2057637"/>
+            <a:ext cx="2291752" cy="1437682"/>
+          </a:xfrm>
+          <a:prstGeom prst="rect">
+            <a:avLst/>
+          </a:prstGeom>
+        </p:spPr>
+        <p:style>
+          <a:lnRef idx="2">
+            <a:schemeClr val="accent1">
+              <a:shade val="50000"/>
+            </a:schemeClr>
+          </a:lnRef>
+          <a:fillRef idx="1">
+            <a:schemeClr val="accent1"/>
+          </a:fillRef>
+          <a:effectRef idx="0">
+            <a:schemeClr val="accent1"/>
+          </a:effectRef>
+          <a:fontRef idx="minor">
+            <a:schemeClr val="lt1"/>
+          </a:fontRef>
+        </p:style>
+        <p:txBody>
           <a:bodyPr lIns="91440" tIns="45720" rIns="91440" bIns="45720" rtlCol="0" anchor="ctr"/>
           <a:lstStyle/>
           <a:p>
@@ -22974,7 +23498,7 @@
 </p:sld>
 </file>
 
-<file path=ppt/slides/slide57.xml><?xml version="1.0" encoding="utf-8"?>
+<file path=ppt/slides/slide58.xml><?xml version="1.0" encoding="utf-8"?>
 <p:sld xmlns:a="http://schemas.openxmlformats.org/drawingml/2006/main" xmlns:r="http://schemas.openxmlformats.org/officeDocument/2006/relationships" xmlns:p="http://schemas.openxmlformats.org/presentationml/2006/main">
   <p:cSld>
     <p:spTree>

--- a/readme.pptx
+++ b/readme.pptx
@@ -328,7 +328,7 @@
       </p15:notesGuideLst>
     </p:ext>
     <p:ext uri="GoogleSlidesCustomDataVersion2">
-      <go:slidesCustomData xmlns:go="http://customooxmlschemas.google.com/" xmlns:ahyp="http://schemas.microsoft.com/office/drawing/2018/hyperlinkcolor" xmlns:p15="http://schemas.microsoft.com/office/powerpoint/2012/main" xmlns:p14="http://schemas.microsoft.com/office/powerpoint/2010/main" xmlns:com="http://schemas.openxmlformats.org/drawingml/2006/compatibility" xmlns:pvml="urn:schemas-microsoft-com:office:powerpoint" xmlns:v="urn:schemas-microsoft-com:vml" xmlns:o="urn:schemas-microsoft-com:office:office" xmlns:dgm="http://schemas.openxmlformats.org/drawingml/2006/diagram" xmlns:c="http://schemas.openxmlformats.org/drawingml/2006/chart" xmlns:mv="urn:schemas-microsoft-com:mac:vml" xmlns:mc="http://schemas.openxmlformats.org/markup-compatibility/2006" xmlns="" r:id="rId61" roundtripDataSignature="AMtx7miyFwCYxObNU5cGMatlPI+eABwlWw=="/>
+      <go:slidesCustomData xmlns="" xmlns:mc="http://schemas.openxmlformats.org/markup-compatibility/2006" xmlns:mv="urn:schemas-microsoft-com:mac:vml" xmlns:c="http://schemas.openxmlformats.org/drawingml/2006/chart" xmlns:dgm="http://schemas.openxmlformats.org/drawingml/2006/diagram" xmlns:o="urn:schemas-microsoft-com:office:office" xmlns:v="urn:schemas-microsoft-com:vml" xmlns:pvml="urn:schemas-microsoft-com:office:powerpoint" xmlns:com="http://schemas.openxmlformats.org/drawingml/2006/compatibility" xmlns:p14="http://schemas.microsoft.com/office/powerpoint/2010/main" xmlns:p15="http://schemas.microsoft.com/office/powerpoint/2012/main" xmlns:ahyp="http://schemas.microsoft.com/office/drawing/2018/hyperlinkcolor" xmlns:go="http://customooxmlschemas.google.com/" r:id="rId61" roundtripDataSignature="AMtx7miyFwCYxObNU5cGMatlPI+eABwlWw=="/>
     </p:ext>
   </p:extLst>
 </p:presentation>
@@ -337,6 +337,7 @@
 <file path=ppt/revisionInfo.xml><?xml version="1.0" encoding="utf-8"?>
 <p1510:revInfo xmlns:a="http://schemas.openxmlformats.org/drawingml/2006/main" xmlns:r="http://schemas.openxmlformats.org/officeDocument/2006/relationships" xmlns:p1510="http://schemas.microsoft.com/office/powerpoint/2015/10/main">
   <p1510:revLst>
+    <p1510:client id="{D5D75A5A-FE3C-4AFE-B935-0B32BDB22E2A}" v="20" dt="2025-08-29T10:42:25.315"/>
     <p1510:client id="{E7BC6319-954B-457E-AB44-F1549232BACA}" v="122" dt="2025-08-29T10:34:51.273"/>
   </p1510:revLst>
 </p1510:revInfo>
@@ -14460,7 +14461,7 @@
         </p:nvSpPr>
         <p:spPr>
           <a:xfrm>
-            <a:off x="3567954" y="3549466"/>
+            <a:off x="3567954" y="4683322"/>
             <a:ext cx="1497379" cy="628899"/>
           </a:xfrm>
           <a:prstGeom prst="roundRect">
@@ -14520,7 +14521,7 @@
         </p:nvSpPr>
         <p:spPr>
           <a:xfrm>
-            <a:off x="4226803" y="4188351"/>
+            <a:off x="4226803" y="5322207"/>
             <a:ext cx="169703" cy="379336"/>
           </a:xfrm>
           <a:prstGeom prst="downArrow">
@@ -14566,7 +14567,7 @@
         </p:nvSpPr>
         <p:spPr>
           <a:xfrm>
-            <a:off x="3538847" y="4570881"/>
+            <a:off x="3538847" y="5704737"/>
             <a:ext cx="1557275" cy="808585"/>
           </a:xfrm>
           <a:prstGeom prst="flowChartMagneticDisk">
@@ -14606,10 +14607,10 @@
       </p:sp>
       <p:sp>
         <p:nvSpPr>
-          <p:cNvPr id="12" name="Arrow: Down 11">
+          <p:cNvPr id="9" name="Oval 8">
             <a:extLst>
               <a:ext uri="{FF2B5EF4-FFF2-40B4-BE49-F238E27FC236}">
-                <a16:creationId xmlns:a16="http://schemas.microsoft.com/office/drawing/2014/main" id="{D694645B-2CDA-525F-77EE-DE51898B7B69}"/>
+                <a16:creationId xmlns:a16="http://schemas.microsoft.com/office/drawing/2014/main" id="{F14B3DAB-F3E1-EB43-34E6-AD736F695457}"/>
               </a:ext>
             </a:extLst>
           </p:cNvPr>
@@ -14618,10 +14619,10 @@
         </p:nvSpPr>
         <p:spPr>
           <a:xfrm>
-            <a:off x="4226803" y="5386215"/>
-            <a:ext cx="169703" cy="379336"/>
-          </a:xfrm>
-          <a:prstGeom prst="downArrow">
+            <a:off x="3444812" y="3545396"/>
+            <a:ext cx="1736960" cy="738707"/>
+          </a:xfrm>
+          <a:prstGeom prst="ellipse">
             <a:avLst/>
           </a:prstGeom>
         </p:spPr>
@@ -14646,16 +14647,22 @@
           <a:lstStyle/>
           <a:p>
             <a:pPr algn="ctr"/>
-            <a:endParaRPr lang="en-US"/>
-          </a:p>
-        </p:txBody>
-      </p:sp>
-      <p:sp>
-        <p:nvSpPr>
-          <p:cNvPr id="13" name="Rectangle: Rounded Corners 12">
+            <a:r>
+              <a:rPr lang="en-US" dirty="0">
+                <a:cs typeface="Arial"/>
+              </a:rPr>
+              <a:t>React Query</a:t>
+            </a:r>
+            <a:endParaRPr lang="en-US" dirty="0"/>
+          </a:p>
+        </p:txBody>
+      </p:sp>
+      <p:sp>
+        <p:nvSpPr>
+          <p:cNvPr id="10" name="Arrow: Down 9">
             <a:extLst>
               <a:ext uri="{FF2B5EF4-FFF2-40B4-BE49-F238E27FC236}">
-                <a16:creationId xmlns:a16="http://schemas.microsoft.com/office/drawing/2014/main" id="{CABE4459-09E6-B2D4-38FB-E9D1BB13B969}"/>
+                <a16:creationId xmlns:a16="http://schemas.microsoft.com/office/drawing/2014/main" id="{757E6BFA-1D93-D8E0-ABDE-0848BE102281}"/>
               </a:ext>
             </a:extLst>
           </p:cNvPr>
@@ -14664,10 +14671,10 @@
         </p:nvSpPr>
         <p:spPr>
           <a:xfrm>
-            <a:off x="3311921" y="5771457"/>
-            <a:ext cx="1982011" cy="665475"/>
-          </a:xfrm>
-          <a:prstGeom prst="roundRect">
+            <a:off x="4226803" y="4288935"/>
+            <a:ext cx="169703" cy="379336"/>
+          </a:xfrm>
+          <a:prstGeom prst="downArrow">
             <a:avLst/>
           </a:prstGeom>
         </p:spPr>
@@ -14688,17 +14695,11 @@
           </a:fontRef>
         </p:style>
         <p:txBody>
-          <a:bodyPr lIns="91440" tIns="45720" rIns="91440" bIns="45720" rtlCol="0" anchor="ctr"/>
+          <a:bodyPr rtlCol="0" anchor="ctr"/>
           <a:lstStyle/>
           <a:p>
             <a:pPr algn="ctr"/>
-            <a:r>
-              <a:rPr lang="en-US" dirty="0">
-                <a:cs typeface="Arial"/>
-              </a:rPr>
-              <a:t>Student-Teacher Booking App</a:t>
-            </a:r>
-            <a:endParaRPr lang="en-US" dirty="0"/>
+            <a:endParaRPr lang="en-US"/>
           </a:p>
         </p:txBody>
       </p:sp>
